--- a/quarto/editable_plot.pptx
+++ b/quarto/editable_plot.pptx
@@ -2437,6 +2437,86 @@
           </p:nvSpPr>
           <p:spPr>
             <a:xfrm>
+              <a:off x="1422298" y="2499425"/>
+              <a:ext cx="2966821" cy="0"/>
+            </a:xfrm>
+            <a:custGeom>
+              <a:avLst/>
+              <a:pathLst>
+                <a:path w="2966821" h="0">
+                  <a:moveTo>
+                    <a:pt x="0" y="0"/>
+                  </a:moveTo>
+                  <a:lnTo>
+                    <a:pt x="2966821" y="0"/>
+                  </a:lnTo>
+                </a:path>
+              </a:pathLst>
+            </a:custGeom>
+            <a:ln w="13550" cap="flat">
+              <a:solidFill>
+                <a:srgbClr val="5E81AC">
+                  <a:alpha val="29803"/>
+                </a:srgbClr>
+              </a:solidFill>
+              <a:prstDash val="dash"/>
+              <a:round/>
+            </a:ln>
+          </p:spPr>
+          <p:txBody>
+            <a:bodyPr/>
+            <a:lstStyle/>
+            <a:p/>
+          </p:txBody>
+        </p:sp>
+        <p:sp>
+          <p:nvSpPr>
+            <p:cNvPr id="10" name="pl10"/>
+            <p:cNvSpPr/>
+            <p:nvPr/>
+          </p:nvSpPr>
+          <p:spPr>
+            <a:xfrm>
+              <a:off x="1422298" y="3012171"/>
+              <a:ext cx="2966821" cy="0"/>
+            </a:xfrm>
+            <a:custGeom>
+              <a:avLst/>
+              <a:pathLst>
+                <a:path w="2966821" h="0">
+                  <a:moveTo>
+                    <a:pt x="0" y="0"/>
+                  </a:moveTo>
+                  <a:lnTo>
+                    <a:pt x="2966821" y="0"/>
+                  </a:lnTo>
+                </a:path>
+              </a:pathLst>
+            </a:custGeom>
+            <a:ln w="13550" cap="flat">
+              <a:solidFill>
+                <a:srgbClr val="F42404">
+                  <a:alpha val="29803"/>
+                </a:srgbClr>
+              </a:solidFill>
+              <a:prstDash val="dash"/>
+              <a:round/>
+            </a:ln>
+          </p:spPr>
+          <p:txBody>
+            <a:bodyPr/>
+            <a:lstStyle/>
+            <a:p/>
+          </p:txBody>
+        </p:sp>
+        <p:sp>
+          <p:nvSpPr>
+            <p:cNvPr id="11" name="pl11"/>
+            <p:cNvSpPr/>
+            <p:nvPr/>
+          </p:nvSpPr>
+          <p:spPr>
+            <a:xfrm>
               <a:off x="2231431" y="2114865"/>
               <a:ext cx="0" cy="769119"/>
             </a:xfrm>
@@ -2471,7 +2551,7 @@
         </p:sp>
         <p:sp>
           <p:nvSpPr>
-            <p:cNvPr id="10" name="pl10"/>
+            <p:cNvPr id="12" name="pl12"/>
             <p:cNvSpPr/>
             <p:nvPr/>
           </p:nvSpPr>
@@ -2511,7 +2591,7 @@
         </p:sp>
         <p:sp>
           <p:nvSpPr>
-            <p:cNvPr id="11" name="pl11"/>
+            <p:cNvPr id="13" name="pl13"/>
             <p:cNvSpPr/>
             <p:nvPr/>
           </p:nvSpPr>
@@ -2529,89 +2609,6 @@
                   </a:moveTo>
                   <a:lnTo>
                     <a:pt x="0" y="0"/>
-                  </a:lnTo>
-                </a:path>
-              </a:pathLst>
-            </a:custGeom>
-            <a:ln w="17246" cap="flat">
-              <a:solidFill>
-                <a:srgbClr val="000000">
-                  <a:alpha val="100000"/>
-                </a:srgbClr>
-              </a:solidFill>
-              <a:prstDash val="solid"/>
-              <a:round/>
-            </a:ln>
-          </p:spPr>
-          <p:txBody>
-            <a:bodyPr/>
-            <a:lstStyle/>
-            <a:p/>
-          </p:txBody>
-        </p:sp>
-        <p:sp>
-          <p:nvSpPr>
-            <p:cNvPr id="12" name="pl12"/>
-            <p:cNvSpPr/>
-            <p:nvPr/>
-          </p:nvSpPr>
-          <p:spPr>
-            <a:xfrm>
-              <a:off x="1368298" y="1762352"/>
-              <a:ext cx="107999" cy="93530"/>
-            </a:xfrm>
-            <a:custGeom>
-              <a:avLst/>
-              <a:pathLst>
-                <a:path w="107999" h="93530">
-                  <a:moveTo>
-                    <a:pt x="107999" y="93530"/>
-                  </a:moveTo>
-                  <a:lnTo>
-                    <a:pt x="53999" y="0"/>
-                  </a:lnTo>
-                  <a:lnTo>
-                    <a:pt x="0" y="93530"/>
-                  </a:lnTo>
-                </a:path>
-              </a:pathLst>
-            </a:custGeom>
-            <a:ln w="17246" cap="flat">
-              <a:solidFill>
-                <a:srgbClr val="000000">
-                  <a:alpha val="100000"/>
-                </a:srgbClr>
-              </a:solidFill>
-              <a:prstDash val="solid"/>
-              <a:round/>
-            </a:ln>
-          </p:spPr>
-          <p:txBody>
-            <a:bodyPr/>
-            <a:lstStyle/>
-            <a:p/>
-          </p:txBody>
-        </p:sp>
-        <p:sp>
-          <p:nvSpPr>
-            <p:cNvPr id="13" name="pl13"/>
-            <p:cNvSpPr/>
-            <p:nvPr/>
-          </p:nvSpPr>
-          <p:spPr>
-            <a:xfrm>
-              <a:off x="1422298" y="3877431"/>
-              <a:ext cx="2966821" cy="0"/>
-            </a:xfrm>
-            <a:custGeom>
-              <a:avLst/>
-              <a:pathLst>
-                <a:path w="2966821" h="0">
-                  <a:moveTo>
-                    <a:pt x="0" y="0"/>
-                  </a:moveTo>
-                  <a:lnTo>
-                    <a:pt x="2966821" y="0"/>
                   </a:lnTo>
                 </a:path>
               </a:pathLst>
@@ -2640,6 +2637,89 @@
           </p:nvSpPr>
           <p:spPr>
             <a:xfrm>
+              <a:off x="1368298" y="1762352"/>
+              <a:ext cx="107999" cy="93530"/>
+            </a:xfrm>
+            <a:custGeom>
+              <a:avLst/>
+              <a:pathLst>
+                <a:path w="107999" h="93530">
+                  <a:moveTo>
+                    <a:pt x="107999" y="93530"/>
+                  </a:moveTo>
+                  <a:lnTo>
+                    <a:pt x="53999" y="0"/>
+                  </a:lnTo>
+                  <a:lnTo>
+                    <a:pt x="0" y="93530"/>
+                  </a:lnTo>
+                </a:path>
+              </a:pathLst>
+            </a:custGeom>
+            <a:ln w="17246" cap="flat">
+              <a:solidFill>
+                <a:srgbClr val="000000">
+                  <a:alpha val="100000"/>
+                </a:srgbClr>
+              </a:solidFill>
+              <a:prstDash val="solid"/>
+              <a:round/>
+            </a:ln>
+          </p:spPr>
+          <p:txBody>
+            <a:bodyPr/>
+            <a:lstStyle/>
+            <a:p/>
+          </p:txBody>
+        </p:sp>
+        <p:sp>
+          <p:nvSpPr>
+            <p:cNvPr id="15" name="pl15"/>
+            <p:cNvSpPr/>
+            <p:nvPr/>
+          </p:nvSpPr>
+          <p:spPr>
+            <a:xfrm>
+              <a:off x="1422298" y="3877431"/>
+              <a:ext cx="2966821" cy="0"/>
+            </a:xfrm>
+            <a:custGeom>
+              <a:avLst/>
+              <a:pathLst>
+                <a:path w="2966821" h="0">
+                  <a:moveTo>
+                    <a:pt x="0" y="0"/>
+                  </a:moveTo>
+                  <a:lnTo>
+                    <a:pt x="2966821" y="0"/>
+                  </a:lnTo>
+                </a:path>
+              </a:pathLst>
+            </a:custGeom>
+            <a:ln w="17246" cap="flat">
+              <a:solidFill>
+                <a:srgbClr val="000000">
+                  <a:alpha val="100000"/>
+                </a:srgbClr>
+              </a:solidFill>
+              <a:prstDash val="solid"/>
+              <a:round/>
+            </a:ln>
+          </p:spPr>
+          <p:txBody>
+            <a:bodyPr/>
+            <a:lstStyle/>
+            <a:p/>
+          </p:txBody>
+        </p:sp>
+        <p:sp>
+          <p:nvSpPr>
+            <p:cNvPr id="16" name="pl16"/>
+            <p:cNvSpPr/>
+            <p:nvPr/>
+          </p:nvSpPr>
+          <p:spPr>
+            <a:xfrm>
               <a:off x="2231431" y="3877431"/>
               <a:ext cx="0" cy="44283"/>
             </a:xfrm>
@@ -2674,7 +2754,7 @@
         </p:sp>
         <p:sp>
           <p:nvSpPr>
-            <p:cNvPr id="15" name="pl15"/>
+            <p:cNvPr id="17" name="pl17"/>
             <p:cNvSpPr/>
             <p:nvPr/>
           </p:nvSpPr>
@@ -2714,7 +2794,7 @@
         </p:sp>
         <p:sp>
           <p:nvSpPr>
-            <p:cNvPr id="16" name="tx16"/>
+            <p:cNvPr id="18" name="tx18"/>
             <p:cNvSpPr/>
             <p:nvPr/>
           </p:nvSpPr>
@@ -2760,7 +2840,7 @@
         </p:sp>
         <p:sp>
           <p:nvSpPr>
-            <p:cNvPr id="17" name="tx17"/>
+            <p:cNvPr id="19" name="tx19"/>
             <p:cNvSpPr/>
             <p:nvPr/>
           </p:nvSpPr>
@@ -2806,7 +2886,7 @@
         </p:sp>
         <p:sp>
           <p:nvSpPr>
-            <p:cNvPr id="18" name="tx18"/>
+            <p:cNvPr id="20" name="tx20"/>
             <p:cNvSpPr/>
             <p:nvPr/>
           </p:nvSpPr>
@@ -2852,7 +2932,7 @@
         </p:sp>
         <p:sp>
           <p:nvSpPr>
-            <p:cNvPr id="19" name="tx19"/>
+            <p:cNvPr id="21" name="tx21"/>
             <p:cNvSpPr/>
             <p:nvPr/>
           </p:nvSpPr>
@@ -2898,7 +2978,7 @@
         </p:sp>
         <p:sp>
           <p:nvSpPr>
-            <p:cNvPr id="20" name="tx20"/>
+            <p:cNvPr id="22" name="tx22"/>
             <p:cNvSpPr/>
             <p:nvPr/>
           </p:nvSpPr>
@@ -2944,7 +3024,7 @@
         </p:sp>
         <p:sp>
           <p:nvSpPr>
-            <p:cNvPr id="21" name="rc21"/>
+            <p:cNvPr id="23" name="rc23"/>
             <p:cNvSpPr/>
             <p:nvPr/>
           </p:nvSpPr>
@@ -2979,7 +3059,7 @@
         </p:sp>
         <p:sp>
           <p:nvSpPr>
-            <p:cNvPr id="22" name="rc22"/>
+            <p:cNvPr id="24" name="rc24"/>
             <p:cNvSpPr/>
             <p:nvPr/>
           </p:nvSpPr>
@@ -3005,7 +3085,7 @@
         </p:sp>
         <p:sp>
           <p:nvSpPr>
-            <p:cNvPr id="23" name="pt23"/>
+            <p:cNvPr id="25" name="pt25"/>
             <p:cNvSpPr/>
             <p:nvPr/>
           </p:nvSpPr>
@@ -3040,7 +3120,7 @@
         </p:sp>
         <p:sp>
           <p:nvSpPr>
-            <p:cNvPr id="24" name="pt24"/>
+            <p:cNvPr id="26" name="pt26"/>
             <p:cNvSpPr/>
             <p:nvPr/>
           </p:nvSpPr>
@@ -3075,7 +3155,87 @@
         </p:sp>
         <p:sp>
           <p:nvSpPr>
-            <p:cNvPr id="25" name="pl25"/>
+            <p:cNvPr id="27" name="pl27"/>
+            <p:cNvSpPr/>
+            <p:nvPr/>
+          </p:nvSpPr>
+          <p:spPr>
+            <a:xfrm>
+              <a:off x="5010309" y="2499425"/>
+              <a:ext cx="2966821" cy="0"/>
+            </a:xfrm>
+            <a:custGeom>
+              <a:avLst/>
+              <a:pathLst>
+                <a:path w="2966821" h="0">
+                  <a:moveTo>
+                    <a:pt x="0" y="0"/>
+                  </a:moveTo>
+                  <a:lnTo>
+                    <a:pt x="2966821" y="0"/>
+                  </a:lnTo>
+                </a:path>
+              </a:pathLst>
+            </a:custGeom>
+            <a:ln w="13550" cap="flat">
+              <a:solidFill>
+                <a:srgbClr val="5E81AC">
+                  <a:alpha val="29803"/>
+                </a:srgbClr>
+              </a:solidFill>
+              <a:prstDash val="dash"/>
+              <a:round/>
+            </a:ln>
+          </p:spPr>
+          <p:txBody>
+            <a:bodyPr/>
+            <a:lstStyle/>
+            <a:p/>
+          </p:txBody>
+        </p:sp>
+        <p:sp>
+          <p:nvSpPr>
+            <p:cNvPr id="28" name="pl28"/>
+            <p:cNvSpPr/>
+            <p:nvPr/>
+          </p:nvSpPr>
+          <p:spPr>
+            <a:xfrm>
+              <a:off x="5010309" y="3012171"/>
+              <a:ext cx="2966821" cy="0"/>
+            </a:xfrm>
+            <a:custGeom>
+              <a:avLst/>
+              <a:pathLst>
+                <a:path w="2966821" h="0">
+                  <a:moveTo>
+                    <a:pt x="0" y="0"/>
+                  </a:moveTo>
+                  <a:lnTo>
+                    <a:pt x="2966821" y="0"/>
+                  </a:lnTo>
+                </a:path>
+              </a:pathLst>
+            </a:custGeom>
+            <a:ln w="13550" cap="flat">
+              <a:solidFill>
+                <a:srgbClr val="F42404">
+                  <a:alpha val="29803"/>
+                </a:srgbClr>
+              </a:solidFill>
+              <a:prstDash val="dash"/>
+              <a:round/>
+            </a:ln>
+          </p:spPr>
+          <p:txBody>
+            <a:bodyPr/>
+            <a:lstStyle/>
+            <a:p/>
+          </p:txBody>
+        </p:sp>
+        <p:sp>
+          <p:nvSpPr>
+            <p:cNvPr id="29" name="pl29"/>
             <p:cNvSpPr/>
             <p:nvPr/>
           </p:nvSpPr>
@@ -3115,7 +3275,7 @@
         </p:sp>
         <p:sp>
           <p:nvSpPr>
-            <p:cNvPr id="26" name="pl26"/>
+            <p:cNvPr id="30" name="pl30"/>
             <p:cNvSpPr/>
             <p:nvPr/>
           </p:nvSpPr>
@@ -3155,7 +3315,7 @@
         </p:sp>
         <p:sp>
           <p:nvSpPr>
-            <p:cNvPr id="27" name="pl27"/>
+            <p:cNvPr id="31" name="pl31"/>
             <p:cNvSpPr/>
             <p:nvPr/>
           </p:nvSpPr>
@@ -3195,7 +3355,7 @@
         </p:sp>
         <p:sp>
           <p:nvSpPr>
-            <p:cNvPr id="28" name="pl28"/>
+            <p:cNvPr id="32" name="pl32"/>
             <p:cNvSpPr/>
             <p:nvPr/>
           </p:nvSpPr>
@@ -3235,7 +3395,7 @@
         </p:sp>
         <p:sp>
           <p:nvSpPr>
-            <p:cNvPr id="29" name="pl29"/>
+            <p:cNvPr id="33" name="pl33"/>
             <p:cNvSpPr/>
             <p:nvPr/>
           </p:nvSpPr>
@@ -3275,7 +3435,7 @@
         </p:sp>
         <p:sp>
           <p:nvSpPr>
-            <p:cNvPr id="30" name="tx30"/>
+            <p:cNvPr id="34" name="tx34"/>
             <p:cNvSpPr/>
             <p:nvPr/>
           </p:nvSpPr>
@@ -3321,7 +3481,7 @@
         </p:sp>
         <p:sp>
           <p:nvSpPr>
-            <p:cNvPr id="31" name="tx31"/>
+            <p:cNvPr id="35" name="tx35"/>
             <p:cNvSpPr/>
             <p:nvPr/>
           </p:nvSpPr>
@@ -3367,7 +3527,7 @@
         </p:sp>
         <p:sp>
           <p:nvSpPr>
-            <p:cNvPr id="32" name="tx32"/>
+            <p:cNvPr id="36" name="tx36"/>
             <p:cNvSpPr/>
             <p:nvPr/>
           </p:nvSpPr>
@@ -3413,7 +3573,7 @@
         </p:sp>
         <p:sp>
           <p:nvSpPr>
-            <p:cNvPr id="33" name="tx33"/>
+            <p:cNvPr id="37" name="tx37"/>
             <p:cNvSpPr/>
             <p:nvPr/>
           </p:nvSpPr>
@@ -3459,7 +3619,7 @@
         </p:sp>
         <p:sp>
           <p:nvSpPr>
-            <p:cNvPr id="34" name="rc34"/>
+            <p:cNvPr id="38" name="rc38"/>
             <p:cNvSpPr/>
             <p:nvPr/>
           </p:nvSpPr>
@@ -3494,7 +3654,7 @@
         </p:sp>
         <p:sp>
           <p:nvSpPr>
-            <p:cNvPr id="35" name="rc35"/>
+            <p:cNvPr id="39" name="rc39"/>
             <p:cNvSpPr/>
             <p:nvPr/>
           </p:nvSpPr>
@@ -3520,1009 +3680,189 @@
         </p:sp>
         <p:sp>
           <p:nvSpPr>
-            <p:cNvPr id="36" name="pl36"/>
+            <p:cNvPr id="40" name="pl40"/>
             <p:cNvSpPr/>
             <p:nvPr/>
           </p:nvSpPr>
           <p:spPr>
             <a:xfrm>
               <a:off x="1557153" y="5993672"/>
-              <a:ext cx="2697110" cy="1074028"/>
+              <a:ext cx="2604107" cy="1074028"/>
             </a:xfrm>
             <a:custGeom>
               <a:avLst/>
               <a:pathLst>
-                <a:path w="2697110" h="1074028">
+                <a:path w="2604107" h="1074028">
                   <a:moveTo>
                     <a:pt x="0" y="1074028"/>
                   </a:moveTo>
                   <a:lnTo>
-                    <a:pt x="48162" y="1069334"/>
-                  </a:lnTo>
-                  <a:lnTo>
-                    <a:pt x="96325" y="1064312"/>
-                  </a:lnTo>
-                  <a:lnTo>
-                    <a:pt x="144488" y="1058952"/>
-                  </a:lnTo>
-                  <a:lnTo>
-                    <a:pt x="192650" y="1053242"/>
-                  </a:lnTo>
-                  <a:lnTo>
-                    <a:pt x="240813" y="1047171"/>
-                  </a:lnTo>
-                  <a:lnTo>
-                    <a:pt x="288976" y="1040729"/>
-                  </a:lnTo>
-                  <a:lnTo>
-                    <a:pt x="337138" y="1033903"/>
-                  </a:lnTo>
-                  <a:lnTo>
-                    <a:pt x="385301" y="1026683"/>
-                  </a:lnTo>
-                  <a:lnTo>
-                    <a:pt x="433464" y="1019058"/>
-                  </a:lnTo>
-                  <a:lnTo>
-                    <a:pt x="481626" y="1011017"/>
-                  </a:lnTo>
-                  <a:lnTo>
-                    <a:pt x="529789" y="1002549"/>
-                  </a:lnTo>
-                  <a:lnTo>
-                    <a:pt x="577952" y="993642"/>
-                  </a:lnTo>
-                  <a:lnTo>
-                    <a:pt x="626115" y="984286"/>
-                  </a:lnTo>
-                  <a:lnTo>
-                    <a:pt x="674277" y="974470"/>
-                  </a:lnTo>
-                  <a:lnTo>
-                    <a:pt x="722440" y="964182"/>
-                  </a:lnTo>
-                  <a:lnTo>
-                    <a:pt x="770603" y="953412"/>
-                  </a:lnTo>
-                  <a:lnTo>
-                    <a:pt x="818765" y="942148"/>
-                  </a:lnTo>
-                  <a:lnTo>
-                    <a:pt x="866928" y="930379"/>
-                  </a:lnTo>
-                  <a:lnTo>
-                    <a:pt x="915091" y="918095"/>
-                  </a:lnTo>
-                  <a:lnTo>
-                    <a:pt x="963253" y="905284"/>
-                  </a:lnTo>
-                  <a:lnTo>
-                    <a:pt x="1011416" y="891936"/>
-                  </a:lnTo>
-                  <a:lnTo>
-                    <a:pt x="1059579" y="878038"/>
-                  </a:lnTo>
-                  <a:lnTo>
-                    <a:pt x="1107741" y="863581"/>
-                  </a:lnTo>
-                  <a:lnTo>
-                    <a:pt x="1155904" y="848552"/>
-                  </a:lnTo>
-                  <a:lnTo>
-                    <a:pt x="1204067" y="832942"/>
-                  </a:lnTo>
-                  <a:lnTo>
-                    <a:pt x="1252230" y="816738"/>
-                  </a:lnTo>
-                  <a:lnTo>
-                    <a:pt x="1300392" y="799931"/>
-                  </a:lnTo>
-                  <a:lnTo>
-                    <a:pt x="1348555" y="782508"/>
-                  </a:lnTo>
-                  <a:lnTo>
-                    <a:pt x="1396718" y="764459"/>
-                  </a:lnTo>
-                  <a:lnTo>
-                    <a:pt x="1444880" y="745772"/>
-                  </a:lnTo>
-                  <a:lnTo>
-                    <a:pt x="1493043" y="726437"/>
-                  </a:lnTo>
-                  <a:lnTo>
-                    <a:pt x="1541206" y="706443"/>
-                  </a:lnTo>
-                  <a:lnTo>
-                    <a:pt x="1589368" y="685778"/>
-                  </a:lnTo>
-                  <a:lnTo>
-                    <a:pt x="1637531" y="664432"/>
-                  </a:lnTo>
-                  <a:lnTo>
-                    <a:pt x="1685694" y="642393"/>
-                  </a:lnTo>
-                  <a:lnTo>
-                    <a:pt x="1733856" y="619650"/>
-                  </a:lnTo>
-                  <a:lnTo>
-                    <a:pt x="1782019" y="596193"/>
-                  </a:lnTo>
-                  <a:lnTo>
-                    <a:pt x="1830182" y="572010"/>
-                  </a:lnTo>
-                  <a:lnTo>
-                    <a:pt x="1878345" y="547090"/>
-                  </a:lnTo>
-                  <a:lnTo>
-                    <a:pt x="1926507" y="521422"/>
-                  </a:lnTo>
-                  <a:lnTo>
-                    <a:pt x="1974670" y="494995"/>
-                  </a:lnTo>
-                  <a:lnTo>
-                    <a:pt x="2022833" y="467798"/>
-                  </a:lnTo>
-                  <a:lnTo>
-                    <a:pt x="2070995" y="439821"/>
-                  </a:lnTo>
-                  <a:lnTo>
-                    <a:pt x="2119158" y="411051"/>
-                  </a:lnTo>
-                  <a:lnTo>
-                    <a:pt x="2167321" y="381477"/>
-                  </a:lnTo>
-                  <a:lnTo>
-                    <a:pt x="2215483" y="351090"/>
-                  </a:lnTo>
-                  <a:lnTo>
-                    <a:pt x="2263646" y="319877"/>
-                  </a:lnTo>
-                  <a:lnTo>
-                    <a:pt x="2311809" y="287828"/>
-                  </a:lnTo>
-                  <a:lnTo>
-                    <a:pt x="2359972" y="254932"/>
-                  </a:lnTo>
-                  <a:lnTo>
-                    <a:pt x="2408134" y="221177"/>
-                  </a:lnTo>
-                  <a:lnTo>
-                    <a:pt x="2456297" y="186552"/>
-                  </a:lnTo>
-                  <a:lnTo>
-                    <a:pt x="2504460" y="151047"/>
-                  </a:lnTo>
-                  <a:lnTo>
-                    <a:pt x="2552622" y="114650"/>
-                  </a:lnTo>
-                  <a:lnTo>
-                    <a:pt x="2600785" y="77351"/>
-                  </a:lnTo>
-                  <a:lnTo>
-                    <a:pt x="2648948" y="39138"/>
-                  </a:lnTo>
-                  <a:lnTo>
-                    <a:pt x="2697110" y="0"/>
-                  </a:lnTo>
-                </a:path>
-              </a:pathLst>
-            </a:custGeom>
-            <a:ln w="32521" cap="flat">
-              <a:solidFill>
-                <a:srgbClr val="5E81AC">
-                  <a:alpha val="80000"/>
-                </a:srgbClr>
-              </a:solidFill>
-              <a:prstDash val="solid"/>
-              <a:round/>
-            </a:ln>
-          </p:spPr>
-          <p:txBody>
-            <a:bodyPr/>
-            <a:lstStyle/>
-            <a:p/>
-          </p:txBody>
-        </p:sp>
-        <p:sp>
-          <p:nvSpPr>
-            <p:cNvPr id="37" name="pl37"/>
-            <p:cNvSpPr/>
-            <p:nvPr/>
-          </p:nvSpPr>
-          <p:spPr>
-            <a:xfrm>
-              <a:off x="1557153" y="6131213"/>
-              <a:ext cx="2697110" cy="952009"/>
-            </a:xfrm>
-            <a:custGeom>
-              <a:avLst/>
-              <a:pathLst>
-                <a:path w="2697110" h="952009">
-                  <a:moveTo>
-                    <a:pt x="0" y="952009"/>
-                  </a:moveTo>
-                  <a:lnTo>
-                    <a:pt x="48162" y="948478"/>
-                  </a:lnTo>
-                  <a:lnTo>
-                    <a:pt x="96325" y="944661"/>
-                  </a:lnTo>
-                  <a:lnTo>
-                    <a:pt x="144488" y="940544"/>
-                  </a:lnTo>
-                  <a:lnTo>
-                    <a:pt x="192650" y="936118"/>
-                  </a:lnTo>
-                  <a:lnTo>
-                    <a:pt x="240813" y="931371"/>
-                  </a:lnTo>
-                  <a:lnTo>
-                    <a:pt x="288976" y="926291"/>
-                  </a:lnTo>
-                  <a:lnTo>
-                    <a:pt x="337138" y="920868"/>
-                  </a:lnTo>
-                  <a:lnTo>
-                    <a:pt x="385301" y="915090"/>
-                  </a:lnTo>
-                  <a:lnTo>
-                    <a:pt x="433464" y="908945"/>
-                  </a:lnTo>
-                  <a:lnTo>
-                    <a:pt x="481626" y="902424"/>
-                  </a:lnTo>
-                  <a:lnTo>
-                    <a:pt x="529789" y="895513"/>
-                  </a:lnTo>
-                  <a:lnTo>
-                    <a:pt x="577952" y="888203"/>
-                  </a:lnTo>
-                  <a:lnTo>
-                    <a:pt x="626115" y="880482"/>
-                  </a:lnTo>
-                  <a:lnTo>
-                    <a:pt x="674277" y="872338"/>
-                  </a:lnTo>
-                  <a:lnTo>
-                    <a:pt x="722440" y="863761"/>
-                  </a:lnTo>
-                  <a:lnTo>
-                    <a:pt x="770603" y="854739"/>
-                  </a:lnTo>
-                  <a:lnTo>
-                    <a:pt x="818765" y="845261"/>
-                  </a:lnTo>
-                  <a:lnTo>
-                    <a:pt x="866928" y="835316"/>
-                  </a:lnTo>
-                  <a:lnTo>
-                    <a:pt x="915091" y="824892"/>
-                  </a:lnTo>
-                  <a:lnTo>
-                    <a:pt x="963253" y="813978"/>
-                  </a:lnTo>
-                  <a:lnTo>
-                    <a:pt x="1011416" y="802564"/>
-                  </a:lnTo>
-                  <a:lnTo>
-                    <a:pt x="1059579" y="790636"/>
-                  </a:lnTo>
-                  <a:lnTo>
-                    <a:pt x="1107741" y="778186"/>
-                  </a:lnTo>
-                  <a:lnTo>
-                    <a:pt x="1155904" y="765200"/>
-                  </a:lnTo>
-                  <a:lnTo>
-                    <a:pt x="1204067" y="751669"/>
-                  </a:lnTo>
-                  <a:lnTo>
-                    <a:pt x="1252230" y="737580"/>
-                  </a:lnTo>
-                  <a:lnTo>
-                    <a:pt x="1300392" y="722923"/>
-                  </a:lnTo>
-                  <a:lnTo>
-                    <a:pt x="1348555" y="707686"/>
-                  </a:lnTo>
-                  <a:lnTo>
-                    <a:pt x="1396718" y="691858"/>
-                  </a:lnTo>
-                  <a:lnTo>
-                    <a:pt x="1444880" y="675427"/>
-                  </a:lnTo>
-                  <a:lnTo>
-                    <a:pt x="1493043" y="658383"/>
-                  </a:lnTo>
-                  <a:lnTo>
-                    <a:pt x="1541206" y="640715"/>
-                  </a:lnTo>
-                  <a:lnTo>
-                    <a:pt x="1589368" y="622410"/>
-                  </a:lnTo>
-                  <a:lnTo>
-                    <a:pt x="1637531" y="603458"/>
-                  </a:lnTo>
-                  <a:lnTo>
-                    <a:pt x="1685694" y="583848"/>
-                  </a:lnTo>
-                  <a:lnTo>
-                    <a:pt x="1733856" y="563568"/>
-                  </a:lnTo>
-                  <a:lnTo>
-                    <a:pt x="1782019" y="542606"/>
-                  </a:lnTo>
-                  <a:lnTo>
-                    <a:pt x="1830182" y="520953"/>
-                  </a:lnTo>
-                  <a:lnTo>
-                    <a:pt x="1878345" y="498596"/>
-                  </a:lnTo>
-                  <a:lnTo>
-                    <a:pt x="1926507" y="475525"/>
-                  </a:lnTo>
-                  <a:lnTo>
-                    <a:pt x="1974670" y="451727"/>
-                  </a:lnTo>
-                  <a:lnTo>
-                    <a:pt x="2022833" y="427192"/>
-                  </a:lnTo>
-                  <a:lnTo>
-                    <a:pt x="2070995" y="401909"/>
-                  </a:lnTo>
-                  <a:lnTo>
-                    <a:pt x="2119158" y="375866"/>
-                  </a:lnTo>
-                  <a:lnTo>
-                    <a:pt x="2167321" y="349052"/>
-                  </a:lnTo>
-                  <a:lnTo>
-                    <a:pt x="2215483" y="321456"/>
-                  </a:lnTo>
-                  <a:lnTo>
-                    <a:pt x="2263646" y="293066"/>
-                  </a:lnTo>
-                  <a:lnTo>
-                    <a:pt x="2311809" y="263872"/>
-                  </a:lnTo>
-                  <a:lnTo>
-                    <a:pt x="2359972" y="233862"/>
-                  </a:lnTo>
-                  <a:lnTo>
-                    <a:pt x="2408134" y="203025"/>
-                  </a:lnTo>
-                  <a:lnTo>
-                    <a:pt x="2456297" y="171349"/>
-                  </a:lnTo>
-                  <a:lnTo>
-                    <a:pt x="2504460" y="138823"/>
-                  </a:lnTo>
-                  <a:lnTo>
-                    <a:pt x="2552622" y="105437"/>
-                  </a:lnTo>
-                  <a:lnTo>
-                    <a:pt x="2600785" y="71178"/>
-                  </a:lnTo>
-                  <a:lnTo>
-                    <a:pt x="2648948" y="36036"/>
-                  </a:lnTo>
-                  <a:lnTo>
-                    <a:pt x="2697110" y="0"/>
-                  </a:lnTo>
-                </a:path>
-              </a:pathLst>
-            </a:custGeom>
-            <a:ln w="32521" cap="flat">
-              <a:solidFill>
-                <a:srgbClr val="5E81AC">
-                  <a:alpha val="80000"/>
-                </a:srgbClr>
-              </a:solidFill>
-              <a:prstDash val="solid"/>
-              <a:round/>
-            </a:ln>
-          </p:spPr>
-          <p:txBody>
-            <a:bodyPr/>
-            <a:lstStyle/>
-            <a:p/>
-          </p:txBody>
-        </p:sp>
-        <p:sp>
-          <p:nvSpPr>
-            <p:cNvPr id="38" name="pl38"/>
-            <p:cNvSpPr/>
-            <p:nvPr/>
-          </p:nvSpPr>
-          <p:spPr>
-            <a:xfrm>
-              <a:off x="1557153" y="5166993"/>
-              <a:ext cx="2697110" cy="1906661"/>
-            </a:xfrm>
-            <a:custGeom>
-              <a:avLst/>
-              <a:pathLst>
-                <a:path w="2697110" h="1906661">
-                  <a:moveTo>
-                    <a:pt x="0" y="1906661"/>
-                  </a:moveTo>
-                  <a:lnTo>
-                    <a:pt x="48162" y="1900922"/>
-                  </a:lnTo>
-                  <a:lnTo>
-                    <a:pt x="96325" y="1894624"/>
-                  </a:lnTo>
-                  <a:lnTo>
-                    <a:pt x="144488" y="1887739"/>
-                  </a:lnTo>
-                  <a:lnTo>
-                    <a:pt x="192650" y="1880242"/>
-                  </a:lnTo>
-                  <a:lnTo>
-                    <a:pt x="240813" y="1872107"/>
-                  </a:lnTo>
-                  <a:lnTo>
-                    <a:pt x="288976" y="1863307"/>
-                  </a:lnTo>
-                  <a:lnTo>
-                    <a:pt x="337138" y="1853817"/>
-                  </a:lnTo>
-                  <a:lnTo>
-                    <a:pt x="385301" y="1843611"/>
-                  </a:lnTo>
-                  <a:lnTo>
-                    <a:pt x="433464" y="1832662"/>
-                  </a:lnTo>
-                  <a:lnTo>
-                    <a:pt x="481626" y="1820944"/>
-                  </a:lnTo>
-                  <a:lnTo>
-                    <a:pt x="529789" y="1808431"/>
-                  </a:lnTo>
-                  <a:lnTo>
-                    <a:pt x="577952" y="1795098"/>
-                  </a:lnTo>
-                  <a:lnTo>
-                    <a:pt x="626115" y="1780918"/>
-                  </a:lnTo>
-                  <a:lnTo>
-                    <a:pt x="674277" y="1765865"/>
-                  </a:lnTo>
-                  <a:lnTo>
-                    <a:pt x="722440" y="1749913"/>
-                  </a:lnTo>
-                  <a:lnTo>
-                    <a:pt x="770603" y="1733036"/>
-                  </a:lnTo>
-                  <a:lnTo>
-                    <a:pt x="818765" y="1715207"/>
-                  </a:lnTo>
-                  <a:lnTo>
-                    <a:pt x="866928" y="1696401"/>
-                  </a:lnTo>
-                  <a:lnTo>
-                    <a:pt x="915091" y="1676592"/>
-                  </a:lnTo>
-                  <a:lnTo>
-                    <a:pt x="963253" y="1655754"/>
-                  </a:lnTo>
-                  <a:lnTo>
-                    <a:pt x="1011416" y="1633860"/>
-                  </a:lnTo>
-                  <a:lnTo>
-                    <a:pt x="1059579" y="1610884"/>
-                  </a:lnTo>
-                  <a:lnTo>
-                    <a:pt x="1107741" y="1586801"/>
-                  </a:lnTo>
-                  <a:lnTo>
-                    <a:pt x="1155904" y="1561584"/>
-                  </a:lnTo>
-                  <a:lnTo>
-                    <a:pt x="1204067" y="1535208"/>
-                  </a:lnTo>
-                  <a:lnTo>
-                    <a:pt x="1252230" y="1507645"/>
-                  </a:lnTo>
-                  <a:lnTo>
-                    <a:pt x="1300392" y="1478870"/>
-                  </a:lnTo>
-                  <a:lnTo>
-                    <a:pt x="1348555" y="1448858"/>
-                  </a:lnTo>
-                  <a:lnTo>
-                    <a:pt x="1396718" y="1417581"/>
-                  </a:lnTo>
-                  <a:lnTo>
-                    <a:pt x="1444880" y="1385014"/>
-                  </a:lnTo>
-                  <a:lnTo>
-                    <a:pt x="1493043" y="1351131"/>
-                  </a:lnTo>
-                  <a:lnTo>
-                    <a:pt x="1541206" y="1315906"/>
-                  </a:lnTo>
-                  <a:lnTo>
-                    <a:pt x="1589368" y="1279312"/>
-                  </a:lnTo>
-                  <a:lnTo>
-                    <a:pt x="1637531" y="1241324"/>
-                  </a:lnTo>
-                  <a:lnTo>
-                    <a:pt x="1685694" y="1201915"/>
-                  </a:lnTo>
-                  <a:lnTo>
-                    <a:pt x="1733856" y="1161059"/>
-                  </a:lnTo>
-                  <a:lnTo>
-                    <a:pt x="1782019" y="1118731"/>
-                  </a:lnTo>
-                  <a:lnTo>
-                    <a:pt x="1830182" y="1074904"/>
-                  </a:lnTo>
-                  <a:lnTo>
-                    <a:pt x="1878345" y="1029552"/>
-                  </a:lnTo>
-                  <a:lnTo>
-                    <a:pt x="1926507" y="982650"/>
-                  </a:lnTo>
-                  <a:lnTo>
-                    <a:pt x="1974670" y="934170"/>
-                  </a:lnTo>
-                  <a:lnTo>
-                    <a:pt x="2022833" y="884087"/>
-                  </a:lnTo>
-                  <a:lnTo>
-                    <a:pt x="2070995" y="832375"/>
-                  </a:lnTo>
-                  <a:lnTo>
-                    <a:pt x="2119158" y="779008"/>
-                  </a:lnTo>
-                  <a:lnTo>
-                    <a:pt x="2167321" y="723959"/>
-                  </a:lnTo>
-                  <a:lnTo>
-                    <a:pt x="2215483" y="667203"/>
-                  </a:lnTo>
-                  <a:lnTo>
-                    <a:pt x="2263646" y="608713"/>
-                  </a:lnTo>
-                  <a:lnTo>
-                    <a:pt x="2311809" y="548464"/>
-                  </a:lnTo>
-                  <a:lnTo>
-                    <a:pt x="2359972" y="486430"/>
-                  </a:lnTo>
-                  <a:lnTo>
-                    <a:pt x="2408134" y="422583"/>
-                  </a:lnTo>
-                  <a:lnTo>
-                    <a:pt x="2456297" y="356899"/>
-                  </a:lnTo>
-                  <a:lnTo>
-                    <a:pt x="2504460" y="289351"/>
-                  </a:lnTo>
-                  <a:lnTo>
-                    <a:pt x="2552622" y="219914"/>
-                  </a:lnTo>
-                  <a:lnTo>
-                    <a:pt x="2600785" y="148560"/>
-                  </a:lnTo>
-                  <a:lnTo>
-                    <a:pt x="2648948" y="75264"/>
-                  </a:lnTo>
-                  <a:lnTo>
-                    <a:pt x="2697110" y="0"/>
-                  </a:lnTo>
-                </a:path>
-              </a:pathLst>
-            </a:custGeom>
-            <a:ln w="32521" cap="flat">
-              <a:solidFill>
-                <a:srgbClr val="5E81AC">
-                  <a:alpha val="80000"/>
-                </a:srgbClr>
-              </a:solidFill>
-              <a:prstDash val="solid"/>
-              <a:round/>
-            </a:ln>
-          </p:spPr>
-          <p:txBody>
-            <a:bodyPr/>
-            <a:lstStyle/>
-            <a:p/>
-          </p:txBody>
-        </p:sp>
-        <p:sp>
-          <p:nvSpPr>
-            <p:cNvPr id="39" name="pl39"/>
-            <p:cNvSpPr/>
-            <p:nvPr/>
-          </p:nvSpPr>
-          <p:spPr>
-            <a:xfrm>
-              <a:off x="1557153" y="5765111"/>
-              <a:ext cx="2697110" cy="1324681"/>
-            </a:xfrm>
-            <a:custGeom>
-              <a:avLst/>
-              <a:pathLst>
-                <a:path w="2697110" h="1324681">
-                  <a:moveTo>
-                    <a:pt x="0" y="1324681"/>
-                  </a:moveTo>
-                  <a:lnTo>
-                    <a:pt x="48162" y="1321103"/>
-                  </a:lnTo>
-                  <a:lnTo>
-                    <a:pt x="96325" y="1317143"/>
-                  </a:lnTo>
-                  <a:lnTo>
-                    <a:pt x="144488" y="1312783"/>
-                  </a:lnTo>
-                  <a:lnTo>
-                    <a:pt x="192650" y="1308002"/>
-                  </a:lnTo>
-                  <a:lnTo>
-                    <a:pt x="240813" y="1302781"/>
-                  </a:lnTo>
-                  <a:lnTo>
-                    <a:pt x="288976" y="1297101"/>
-                  </a:lnTo>
-                  <a:lnTo>
-                    <a:pt x="337138" y="1290943"/>
-                  </a:lnTo>
-                  <a:lnTo>
-                    <a:pt x="385301" y="1284287"/>
-                  </a:lnTo>
-                  <a:lnTo>
-                    <a:pt x="433464" y="1277113"/>
-                  </a:lnTo>
-                  <a:lnTo>
-                    <a:pt x="481626" y="1269403"/>
-                  </a:lnTo>
-                  <a:lnTo>
-                    <a:pt x="529789" y="1261137"/>
-                  </a:lnTo>
-                  <a:lnTo>
-                    <a:pt x="577952" y="1252296"/>
-                  </a:lnTo>
-                  <a:lnTo>
-                    <a:pt x="626115" y="1242860"/>
-                  </a:lnTo>
-                  <a:lnTo>
-                    <a:pt x="674277" y="1232810"/>
-                  </a:lnTo>
-                  <a:lnTo>
-                    <a:pt x="722440" y="1222127"/>
-                  </a:lnTo>
-                  <a:lnTo>
-                    <a:pt x="770603" y="1210791"/>
-                  </a:lnTo>
-                  <a:lnTo>
-                    <a:pt x="818765" y="1198783"/>
-                  </a:lnTo>
-                  <a:lnTo>
-                    <a:pt x="866928" y="1186084"/>
-                  </a:lnTo>
-                  <a:lnTo>
-                    <a:pt x="915091" y="1172674"/>
-                  </a:lnTo>
-                  <a:lnTo>
-                    <a:pt x="963253" y="1158534"/>
-                  </a:lnTo>
-                  <a:lnTo>
-                    <a:pt x="1011416" y="1143645"/>
-                  </a:lnTo>
-                  <a:lnTo>
-                    <a:pt x="1059579" y="1127986"/>
-                  </a:lnTo>
-                  <a:lnTo>
-                    <a:pt x="1107741" y="1111540"/>
-                  </a:lnTo>
-                  <a:lnTo>
-                    <a:pt x="1155904" y="1094286"/>
-                  </a:lnTo>
-                  <a:lnTo>
-                    <a:pt x="1204067" y="1076205"/>
-                  </a:lnTo>
-                  <a:lnTo>
-                    <a:pt x="1252230" y="1057278"/>
-                  </a:lnTo>
-                  <a:lnTo>
-                    <a:pt x="1300392" y="1037486"/>
-                  </a:lnTo>
-                  <a:lnTo>
-                    <a:pt x="1348555" y="1016808"/>
-                  </a:lnTo>
-                  <a:lnTo>
-                    <a:pt x="1396718" y="995227"/>
-                  </a:lnTo>
-                  <a:lnTo>
-                    <a:pt x="1444880" y="972721"/>
-                  </a:lnTo>
-                  <a:lnTo>
-                    <a:pt x="1493043" y="949273"/>
-                  </a:lnTo>
-                  <a:lnTo>
-                    <a:pt x="1541206" y="924862"/>
-                  </a:lnTo>
-                  <a:lnTo>
-                    <a:pt x="1589368" y="899470"/>
-                  </a:lnTo>
-                  <a:lnTo>
-                    <a:pt x="1637531" y="873077"/>
-                  </a:lnTo>
-                  <a:lnTo>
-                    <a:pt x="1685694" y="845663"/>
-                  </a:lnTo>
-                  <a:lnTo>
-                    <a:pt x="1733856" y="817210"/>
-                  </a:lnTo>
-                  <a:lnTo>
-                    <a:pt x="1782019" y="787697"/>
-                  </a:lnTo>
-                  <a:lnTo>
-                    <a:pt x="1830182" y="757107"/>
-                  </a:lnTo>
-                  <a:lnTo>
-                    <a:pt x="1878345" y="725418"/>
-                  </a:lnTo>
-                  <a:lnTo>
-                    <a:pt x="1926507" y="692612"/>
-                  </a:lnTo>
-                  <a:lnTo>
-                    <a:pt x="1974670" y="658670"/>
-                  </a:lnTo>
-                  <a:lnTo>
-                    <a:pt x="2022833" y="623572"/>
-                  </a:lnTo>
-                  <a:lnTo>
-                    <a:pt x="2070995" y="587299"/>
-                  </a:lnTo>
-                  <a:lnTo>
-                    <a:pt x="2119158" y="549831"/>
-                  </a:lnTo>
-                  <a:lnTo>
-                    <a:pt x="2167321" y="511149"/>
-                  </a:lnTo>
-                  <a:lnTo>
-                    <a:pt x="2215483" y="471234"/>
-                  </a:lnTo>
-                  <a:lnTo>
-                    <a:pt x="2263646" y="430067"/>
-                  </a:lnTo>
-                  <a:lnTo>
-                    <a:pt x="2311809" y="387627"/>
-                  </a:lnTo>
-                  <a:lnTo>
-                    <a:pt x="2359972" y="343897"/>
-                  </a:lnTo>
-                  <a:lnTo>
-                    <a:pt x="2408134" y="298855"/>
-                  </a:lnTo>
-                  <a:lnTo>
-                    <a:pt x="2456297" y="252484"/>
-                  </a:lnTo>
-                  <a:lnTo>
-                    <a:pt x="2504460" y="204763"/>
-                  </a:lnTo>
-                  <a:lnTo>
-                    <a:pt x="2552622" y="155674"/>
-                  </a:lnTo>
-                  <a:lnTo>
-                    <a:pt x="2600785" y="105196"/>
-                  </a:lnTo>
-                  <a:lnTo>
-                    <a:pt x="2648948" y="53311"/>
-                  </a:lnTo>
-                  <a:lnTo>
-                    <a:pt x="2697110" y="0"/>
-                  </a:lnTo>
-                </a:path>
-              </a:pathLst>
-            </a:custGeom>
-            <a:ln w="32521" cap="flat">
-              <a:solidFill>
-                <a:srgbClr val="5E81AC">
-                  <a:alpha val="80000"/>
-                </a:srgbClr>
-              </a:solidFill>
-              <a:prstDash val="solid"/>
-              <a:round/>
-            </a:ln>
-          </p:spPr>
-          <p:txBody>
-            <a:bodyPr/>
-            <a:lstStyle/>
-            <a:p/>
-          </p:txBody>
-        </p:sp>
-        <p:sp>
-          <p:nvSpPr>
-            <p:cNvPr id="40" name="pl40"/>
-            <p:cNvSpPr/>
-            <p:nvPr/>
-          </p:nvSpPr>
-          <p:spPr>
-            <a:xfrm>
-              <a:off x="1557153" y="5605855"/>
-              <a:ext cx="2697110" cy="1466852"/>
-            </a:xfrm>
-            <a:custGeom>
-              <a:avLst/>
-              <a:pathLst>
-                <a:path w="2697110" h="1466852">
-                  <a:moveTo>
-                    <a:pt x="0" y="1466852"/>
-                  </a:moveTo>
-                  <a:lnTo>
-                    <a:pt x="48162" y="1461716"/>
-                  </a:lnTo>
-                  <a:lnTo>
-                    <a:pt x="96325" y="1456140"/>
-                  </a:lnTo>
-                  <a:lnTo>
-                    <a:pt x="144488" y="1450106"/>
-                  </a:lnTo>
-                  <a:lnTo>
-                    <a:pt x="192650" y="1443596"/>
-                  </a:lnTo>
-                  <a:lnTo>
-                    <a:pt x="240813" y="1436592"/>
-                  </a:lnTo>
-                  <a:lnTo>
-                    <a:pt x="288976" y="1429075"/>
-                  </a:lnTo>
-                  <a:lnTo>
-                    <a:pt x="337138" y="1421027"/>
-                  </a:lnTo>
-                  <a:lnTo>
-                    <a:pt x="385301" y="1412431"/>
-                  </a:lnTo>
-                  <a:lnTo>
-                    <a:pt x="433464" y="1403268"/>
-                  </a:lnTo>
-                  <a:lnTo>
-                    <a:pt x="481626" y="1393520"/>
-                  </a:lnTo>
-                  <a:lnTo>
-                    <a:pt x="529789" y="1383170"/>
-                  </a:lnTo>
-                  <a:lnTo>
-                    <a:pt x="577952" y="1372198"/>
-                  </a:lnTo>
-                  <a:lnTo>
-                    <a:pt x="626115" y="1360587"/>
-                  </a:lnTo>
-                  <a:lnTo>
-                    <a:pt x="674277" y="1348319"/>
-                  </a:lnTo>
-                  <a:lnTo>
-                    <a:pt x="722440" y="1335376"/>
-                  </a:lnTo>
-                  <a:lnTo>
-                    <a:pt x="770603" y="1321739"/>
-                  </a:lnTo>
-                  <a:lnTo>
-                    <a:pt x="818765" y="1307391"/>
-                  </a:lnTo>
-                  <a:lnTo>
-                    <a:pt x="866928" y="1292313"/>
-                  </a:lnTo>
-                  <a:lnTo>
-                    <a:pt x="915091" y="1276488"/>
-                  </a:lnTo>
-                  <a:lnTo>
-                    <a:pt x="963253" y="1259897"/>
-                  </a:lnTo>
-                  <a:lnTo>
-                    <a:pt x="1011416" y="1242522"/>
-                  </a:lnTo>
-                  <a:lnTo>
-                    <a:pt x="1059579" y="1224345"/>
-                  </a:lnTo>
-                  <a:lnTo>
-                    <a:pt x="1107741" y="1205348"/>
-                  </a:lnTo>
-                  <a:lnTo>
-                    <a:pt x="1155904" y="1185513"/>
-                  </a:lnTo>
-                  <a:lnTo>
-                    <a:pt x="1204067" y="1164822"/>
-                  </a:lnTo>
-                  <a:lnTo>
-                    <a:pt x="1252230" y="1143256"/>
-                  </a:lnTo>
-                  <a:lnTo>
-                    <a:pt x="1300392" y="1120798"/>
-                  </a:lnTo>
-                  <a:lnTo>
-                    <a:pt x="1348555" y="1097430"/>
-                  </a:lnTo>
-                  <a:lnTo>
-                    <a:pt x="1396718" y="1073132"/>
-                  </a:lnTo>
-                  <a:lnTo>
-                    <a:pt x="1444880" y="1047889"/>
-                  </a:lnTo>
-                  <a:lnTo>
-                    <a:pt x="1493043" y="1021680"/>
-                  </a:lnTo>
-                  <a:lnTo>
-                    <a:pt x="1541206" y="994489"/>
-                  </a:lnTo>
-                  <a:lnTo>
-                    <a:pt x="1589368" y="966297"/>
-                  </a:lnTo>
-                  <a:lnTo>
-                    <a:pt x="1637531" y="937085"/>
-                  </a:lnTo>
-                  <a:lnTo>
-                    <a:pt x="1685694" y="906837"/>
-                  </a:lnTo>
-                  <a:lnTo>
-                    <a:pt x="1733856" y="875533"/>
-                  </a:lnTo>
-                  <a:lnTo>
-                    <a:pt x="1782019" y="843156"/>
-                  </a:lnTo>
-                  <a:lnTo>
-                    <a:pt x="1830182" y="809688"/>
-                  </a:lnTo>
-                  <a:lnTo>
-                    <a:pt x="1878345" y="775110"/>
-                  </a:lnTo>
-                  <a:lnTo>
-                    <a:pt x="1926507" y="739404"/>
-                  </a:lnTo>
-                  <a:lnTo>
-                    <a:pt x="1974670" y="702553"/>
-                  </a:lnTo>
-                  <a:lnTo>
-                    <a:pt x="2022833" y="664538"/>
-                  </a:lnTo>
-                  <a:lnTo>
-                    <a:pt x="2070995" y="625341"/>
-                  </a:lnTo>
-                  <a:lnTo>
-                    <a:pt x="2119158" y="584944"/>
-                  </a:lnTo>
-                  <a:lnTo>
-                    <a:pt x="2167321" y="543329"/>
-                  </a:lnTo>
-                  <a:lnTo>
-                    <a:pt x="2215483" y="500478"/>
-                  </a:lnTo>
-                  <a:lnTo>
-                    <a:pt x="2263646" y="456373"/>
-                  </a:lnTo>
-                  <a:lnTo>
-                    <a:pt x="2311809" y="410995"/>
-                  </a:lnTo>
-                  <a:lnTo>
-                    <a:pt x="2359972" y="364327"/>
-                  </a:lnTo>
-                  <a:lnTo>
-                    <a:pt x="2408134" y="316351"/>
-                  </a:lnTo>
-                  <a:lnTo>
-                    <a:pt x="2456297" y="267048"/>
-                  </a:lnTo>
-                  <a:lnTo>
-                    <a:pt x="2504460" y="216400"/>
-                  </a:lnTo>
-                  <a:lnTo>
-                    <a:pt x="2552622" y="164389"/>
-                  </a:lnTo>
-                  <a:lnTo>
-                    <a:pt x="2600785" y="110998"/>
-                  </a:lnTo>
-                  <a:lnTo>
-                    <a:pt x="2648948" y="56207"/>
-                  </a:lnTo>
-                  <a:lnTo>
-                    <a:pt x="2697110" y="0"/>
+                    <a:pt x="46501" y="1069334"/>
+                  </a:lnTo>
+                  <a:lnTo>
+                    <a:pt x="93003" y="1064312"/>
+                  </a:lnTo>
+                  <a:lnTo>
+                    <a:pt x="139505" y="1058952"/>
+                  </a:lnTo>
+                  <a:lnTo>
+                    <a:pt x="186007" y="1053242"/>
+                  </a:lnTo>
+                  <a:lnTo>
+                    <a:pt x="232509" y="1047171"/>
+                  </a:lnTo>
+                  <a:lnTo>
+                    <a:pt x="279011" y="1040729"/>
+                  </a:lnTo>
+                  <a:lnTo>
+                    <a:pt x="325513" y="1033903"/>
+                  </a:lnTo>
+                  <a:lnTo>
+                    <a:pt x="372015" y="1026683"/>
+                  </a:lnTo>
+                  <a:lnTo>
+                    <a:pt x="418517" y="1019058"/>
+                  </a:lnTo>
+                  <a:lnTo>
+                    <a:pt x="465019" y="1011017"/>
+                  </a:lnTo>
+                  <a:lnTo>
+                    <a:pt x="511521" y="1002549"/>
+                  </a:lnTo>
+                  <a:lnTo>
+                    <a:pt x="558022" y="993642"/>
+                  </a:lnTo>
+                  <a:lnTo>
+                    <a:pt x="604524" y="984286"/>
+                  </a:lnTo>
+                  <a:lnTo>
+                    <a:pt x="651026" y="974470"/>
+                  </a:lnTo>
+                  <a:lnTo>
+                    <a:pt x="697528" y="964182"/>
+                  </a:lnTo>
+                  <a:lnTo>
+                    <a:pt x="744030" y="953412"/>
+                  </a:lnTo>
+                  <a:lnTo>
+                    <a:pt x="790532" y="942148"/>
+                  </a:lnTo>
+                  <a:lnTo>
+                    <a:pt x="837034" y="930379"/>
+                  </a:lnTo>
+                  <a:lnTo>
+                    <a:pt x="883536" y="918095"/>
+                  </a:lnTo>
+                  <a:lnTo>
+                    <a:pt x="930038" y="905284"/>
+                  </a:lnTo>
+                  <a:lnTo>
+                    <a:pt x="976540" y="891936"/>
+                  </a:lnTo>
+                  <a:lnTo>
+                    <a:pt x="1023042" y="878038"/>
+                  </a:lnTo>
+                  <a:lnTo>
+                    <a:pt x="1069543" y="863581"/>
+                  </a:lnTo>
+                  <a:lnTo>
+                    <a:pt x="1116045" y="848552"/>
+                  </a:lnTo>
+                  <a:lnTo>
+                    <a:pt x="1162547" y="832942"/>
+                  </a:lnTo>
+                  <a:lnTo>
+                    <a:pt x="1209049" y="816738"/>
+                  </a:lnTo>
+                  <a:lnTo>
+                    <a:pt x="1255551" y="799931"/>
+                  </a:lnTo>
+                  <a:lnTo>
+                    <a:pt x="1302053" y="782508"/>
+                  </a:lnTo>
+                  <a:lnTo>
+                    <a:pt x="1348555" y="764459"/>
+                  </a:lnTo>
+                  <a:lnTo>
+                    <a:pt x="1395057" y="745772"/>
+                  </a:lnTo>
+                  <a:lnTo>
+                    <a:pt x="1441559" y="726437"/>
+                  </a:lnTo>
+                  <a:lnTo>
+                    <a:pt x="1488061" y="706443"/>
+                  </a:lnTo>
+                  <a:lnTo>
+                    <a:pt x="1534563" y="685778"/>
+                  </a:lnTo>
+                  <a:lnTo>
+                    <a:pt x="1581064" y="664432"/>
+                  </a:lnTo>
+                  <a:lnTo>
+                    <a:pt x="1627566" y="642393"/>
+                  </a:lnTo>
+                  <a:lnTo>
+                    <a:pt x="1674068" y="619650"/>
+                  </a:lnTo>
+                  <a:lnTo>
+                    <a:pt x="1720570" y="596193"/>
+                  </a:lnTo>
+                  <a:lnTo>
+                    <a:pt x="1767072" y="572010"/>
+                  </a:lnTo>
+                  <a:lnTo>
+                    <a:pt x="1813574" y="547090"/>
+                  </a:lnTo>
+                  <a:lnTo>
+                    <a:pt x="1860076" y="521422"/>
+                  </a:lnTo>
+                  <a:lnTo>
+                    <a:pt x="1906578" y="494995"/>
+                  </a:lnTo>
+                  <a:lnTo>
+                    <a:pt x="1953080" y="467798"/>
+                  </a:lnTo>
+                  <a:lnTo>
+                    <a:pt x="1999582" y="439821"/>
+                  </a:lnTo>
+                  <a:lnTo>
+                    <a:pt x="2046084" y="411051"/>
+                  </a:lnTo>
+                  <a:lnTo>
+                    <a:pt x="2092586" y="381477"/>
+                  </a:lnTo>
+                  <a:lnTo>
+                    <a:pt x="2139087" y="351090"/>
+                  </a:lnTo>
+                  <a:lnTo>
+                    <a:pt x="2185589" y="319877"/>
+                  </a:lnTo>
+                  <a:lnTo>
+                    <a:pt x="2232091" y="287828"/>
+                  </a:lnTo>
+                  <a:lnTo>
+                    <a:pt x="2278593" y="254932"/>
+                  </a:lnTo>
+                  <a:lnTo>
+                    <a:pt x="2325095" y="221177"/>
+                  </a:lnTo>
+                  <a:lnTo>
+                    <a:pt x="2371597" y="186552"/>
+                  </a:lnTo>
+                  <a:lnTo>
+                    <a:pt x="2418099" y="151047"/>
+                  </a:lnTo>
+                  <a:lnTo>
+                    <a:pt x="2464601" y="114650"/>
+                  </a:lnTo>
+                  <a:lnTo>
+                    <a:pt x="2511103" y="77351"/>
+                  </a:lnTo>
+                  <a:lnTo>
+                    <a:pt x="2557605" y="39138"/>
+                  </a:lnTo>
+                  <a:lnTo>
+                    <a:pt x="2604107" y="0"/>
                   </a:lnTo>
                 </a:path>
               </a:pathLst>
@@ -4551,190 +3891,190 @@
           </p:nvSpPr>
           <p:spPr>
             <a:xfrm>
-              <a:off x="1557153" y="6661917"/>
-              <a:ext cx="2697110" cy="427036"/>
+              <a:off x="1557153" y="6131213"/>
+              <a:ext cx="2604107" cy="952009"/>
             </a:xfrm>
             <a:custGeom>
               <a:avLst/>
               <a:pathLst>
-                <a:path w="2697110" h="427036">
+                <a:path w="2604107" h="952009">
                   <a:moveTo>
-                    <a:pt x="0" y="427036"/>
+                    <a:pt x="0" y="952009"/>
                   </a:moveTo>
                   <a:lnTo>
-                    <a:pt x="48162" y="424929"/>
-                  </a:lnTo>
-                  <a:lnTo>
-                    <a:pt x="96325" y="422692"/>
-                  </a:lnTo>
-                  <a:lnTo>
-                    <a:pt x="144488" y="420320"/>
-                  </a:lnTo>
-                  <a:lnTo>
-                    <a:pt x="192650" y="417810"/>
-                  </a:lnTo>
-                  <a:lnTo>
-                    <a:pt x="240813" y="415159"/>
-                  </a:lnTo>
-                  <a:lnTo>
-                    <a:pt x="288976" y="412361"/>
-                  </a:lnTo>
-                  <a:lnTo>
-                    <a:pt x="337138" y="409414"/>
-                  </a:lnTo>
-                  <a:lnTo>
-                    <a:pt x="385301" y="406312"/>
-                  </a:lnTo>
-                  <a:lnTo>
-                    <a:pt x="433464" y="403053"/>
-                  </a:lnTo>
-                  <a:lnTo>
-                    <a:pt x="481626" y="399633"/>
-                  </a:lnTo>
-                  <a:lnTo>
-                    <a:pt x="529789" y="396047"/>
-                  </a:lnTo>
-                  <a:lnTo>
-                    <a:pt x="577952" y="392291"/>
-                  </a:lnTo>
-                  <a:lnTo>
-                    <a:pt x="626115" y="388363"/>
-                  </a:lnTo>
-                  <a:lnTo>
-                    <a:pt x="674277" y="384257"/>
-                  </a:lnTo>
-                  <a:lnTo>
-                    <a:pt x="722440" y="379969"/>
-                  </a:lnTo>
-                  <a:lnTo>
-                    <a:pt x="770603" y="375497"/>
-                  </a:lnTo>
-                  <a:lnTo>
-                    <a:pt x="818765" y="370836"/>
-                  </a:lnTo>
-                  <a:lnTo>
-                    <a:pt x="866928" y="365982"/>
-                  </a:lnTo>
-                  <a:lnTo>
-                    <a:pt x="915091" y="360932"/>
-                  </a:lnTo>
-                  <a:lnTo>
-                    <a:pt x="963253" y="355680"/>
-                  </a:lnTo>
-                  <a:lnTo>
-                    <a:pt x="1011416" y="350224"/>
-                  </a:lnTo>
-                  <a:lnTo>
-                    <a:pt x="1059579" y="344560"/>
-                  </a:lnTo>
-                  <a:lnTo>
-                    <a:pt x="1107741" y="338683"/>
-                  </a:lnTo>
-                  <a:lnTo>
-                    <a:pt x="1155904" y="332590"/>
-                  </a:lnTo>
-                  <a:lnTo>
-                    <a:pt x="1204067" y="326276"/>
-                  </a:lnTo>
-                  <a:lnTo>
-                    <a:pt x="1252230" y="319739"/>
-                  </a:lnTo>
-                  <a:lnTo>
-                    <a:pt x="1300392" y="312973"/>
-                  </a:lnTo>
-                  <a:lnTo>
-                    <a:pt x="1348555" y="305976"/>
-                  </a:lnTo>
-                  <a:lnTo>
-                    <a:pt x="1396718" y="298742"/>
-                  </a:lnTo>
-                  <a:lnTo>
-                    <a:pt x="1444880" y="291269"/>
-                  </a:lnTo>
-                  <a:lnTo>
-                    <a:pt x="1493043" y="283552"/>
-                  </a:lnTo>
-                  <a:lnTo>
-                    <a:pt x="1541206" y="275588"/>
-                  </a:lnTo>
-                  <a:lnTo>
-                    <a:pt x="1589368" y="267372"/>
-                  </a:lnTo>
-                  <a:lnTo>
-                    <a:pt x="1637531" y="258901"/>
-                  </a:lnTo>
-                  <a:lnTo>
-                    <a:pt x="1685694" y="250170"/>
-                  </a:lnTo>
-                  <a:lnTo>
-                    <a:pt x="1733856" y="241176"/>
-                  </a:lnTo>
-                  <a:lnTo>
-                    <a:pt x="1782019" y="231915"/>
-                  </a:lnTo>
-                  <a:lnTo>
-                    <a:pt x="1830182" y="222383"/>
-                  </a:lnTo>
-                  <a:lnTo>
-                    <a:pt x="1878345" y="212576"/>
-                  </a:lnTo>
-                  <a:lnTo>
-                    <a:pt x="1926507" y="202490"/>
-                  </a:lnTo>
-                  <a:lnTo>
-                    <a:pt x="1974670" y="192121"/>
-                  </a:lnTo>
-                  <a:lnTo>
-                    <a:pt x="2022833" y="181466"/>
-                  </a:lnTo>
-                  <a:lnTo>
-                    <a:pt x="2070995" y="170520"/>
-                  </a:lnTo>
-                  <a:lnTo>
-                    <a:pt x="2119158" y="159280"/>
-                  </a:lnTo>
-                  <a:lnTo>
-                    <a:pt x="2167321" y="147741"/>
-                  </a:lnTo>
-                  <a:lnTo>
-                    <a:pt x="2215483" y="135899"/>
-                  </a:lnTo>
-                  <a:lnTo>
-                    <a:pt x="2263646" y="123752"/>
-                  </a:lnTo>
-                  <a:lnTo>
-                    <a:pt x="2311809" y="111294"/>
-                  </a:lnTo>
-                  <a:lnTo>
-                    <a:pt x="2359972" y="98523"/>
-                  </a:lnTo>
-                  <a:lnTo>
-                    <a:pt x="2408134" y="85433"/>
-                  </a:lnTo>
-                  <a:lnTo>
-                    <a:pt x="2456297" y="72022"/>
-                  </a:lnTo>
-                  <a:lnTo>
-                    <a:pt x="2504460" y="58284"/>
-                  </a:lnTo>
-                  <a:lnTo>
-                    <a:pt x="2552622" y="44218"/>
-                  </a:lnTo>
-                  <a:lnTo>
-                    <a:pt x="2600785" y="29817"/>
-                  </a:lnTo>
-                  <a:lnTo>
-                    <a:pt x="2648948" y="15079"/>
-                  </a:lnTo>
-                  <a:lnTo>
-                    <a:pt x="2697110" y="0"/>
+                    <a:pt x="46501" y="948478"/>
+                  </a:lnTo>
+                  <a:lnTo>
+                    <a:pt x="93003" y="944661"/>
+                  </a:lnTo>
+                  <a:lnTo>
+                    <a:pt x="139505" y="940544"/>
+                  </a:lnTo>
+                  <a:lnTo>
+                    <a:pt x="186007" y="936118"/>
+                  </a:lnTo>
+                  <a:lnTo>
+                    <a:pt x="232509" y="931371"/>
+                  </a:lnTo>
+                  <a:lnTo>
+                    <a:pt x="279011" y="926291"/>
+                  </a:lnTo>
+                  <a:lnTo>
+                    <a:pt x="325513" y="920868"/>
+                  </a:lnTo>
+                  <a:lnTo>
+                    <a:pt x="372015" y="915090"/>
+                  </a:lnTo>
+                  <a:lnTo>
+                    <a:pt x="418517" y="908945"/>
+                  </a:lnTo>
+                  <a:lnTo>
+                    <a:pt x="465019" y="902424"/>
+                  </a:lnTo>
+                  <a:lnTo>
+                    <a:pt x="511521" y="895513"/>
+                  </a:lnTo>
+                  <a:lnTo>
+                    <a:pt x="558022" y="888203"/>
+                  </a:lnTo>
+                  <a:lnTo>
+                    <a:pt x="604524" y="880482"/>
+                  </a:lnTo>
+                  <a:lnTo>
+                    <a:pt x="651026" y="872338"/>
+                  </a:lnTo>
+                  <a:lnTo>
+                    <a:pt x="697528" y="863761"/>
+                  </a:lnTo>
+                  <a:lnTo>
+                    <a:pt x="744030" y="854739"/>
+                  </a:lnTo>
+                  <a:lnTo>
+                    <a:pt x="790532" y="845261"/>
+                  </a:lnTo>
+                  <a:lnTo>
+                    <a:pt x="837034" y="835316"/>
+                  </a:lnTo>
+                  <a:lnTo>
+                    <a:pt x="883536" y="824892"/>
+                  </a:lnTo>
+                  <a:lnTo>
+                    <a:pt x="930038" y="813978"/>
+                  </a:lnTo>
+                  <a:lnTo>
+                    <a:pt x="976540" y="802564"/>
+                  </a:lnTo>
+                  <a:lnTo>
+                    <a:pt x="1023042" y="790636"/>
+                  </a:lnTo>
+                  <a:lnTo>
+                    <a:pt x="1069543" y="778186"/>
+                  </a:lnTo>
+                  <a:lnTo>
+                    <a:pt x="1116045" y="765200"/>
+                  </a:lnTo>
+                  <a:lnTo>
+                    <a:pt x="1162547" y="751669"/>
+                  </a:lnTo>
+                  <a:lnTo>
+                    <a:pt x="1209049" y="737580"/>
+                  </a:lnTo>
+                  <a:lnTo>
+                    <a:pt x="1255551" y="722923"/>
+                  </a:lnTo>
+                  <a:lnTo>
+                    <a:pt x="1302053" y="707686"/>
+                  </a:lnTo>
+                  <a:lnTo>
+                    <a:pt x="1348555" y="691858"/>
+                  </a:lnTo>
+                  <a:lnTo>
+                    <a:pt x="1395057" y="675427"/>
+                  </a:lnTo>
+                  <a:lnTo>
+                    <a:pt x="1441559" y="658383"/>
+                  </a:lnTo>
+                  <a:lnTo>
+                    <a:pt x="1488061" y="640715"/>
+                  </a:lnTo>
+                  <a:lnTo>
+                    <a:pt x="1534563" y="622410"/>
+                  </a:lnTo>
+                  <a:lnTo>
+                    <a:pt x="1581064" y="603458"/>
+                  </a:lnTo>
+                  <a:lnTo>
+                    <a:pt x="1627566" y="583848"/>
+                  </a:lnTo>
+                  <a:lnTo>
+                    <a:pt x="1674068" y="563568"/>
+                  </a:lnTo>
+                  <a:lnTo>
+                    <a:pt x="1720570" y="542606"/>
+                  </a:lnTo>
+                  <a:lnTo>
+                    <a:pt x="1767072" y="520953"/>
+                  </a:lnTo>
+                  <a:lnTo>
+                    <a:pt x="1813574" y="498596"/>
+                  </a:lnTo>
+                  <a:lnTo>
+                    <a:pt x="1860076" y="475525"/>
+                  </a:lnTo>
+                  <a:lnTo>
+                    <a:pt x="1906578" y="451727"/>
+                  </a:lnTo>
+                  <a:lnTo>
+                    <a:pt x="1953080" y="427192"/>
+                  </a:lnTo>
+                  <a:lnTo>
+                    <a:pt x="1999582" y="401909"/>
+                  </a:lnTo>
+                  <a:lnTo>
+                    <a:pt x="2046084" y="375866"/>
+                  </a:lnTo>
+                  <a:lnTo>
+                    <a:pt x="2092586" y="349052"/>
+                  </a:lnTo>
+                  <a:lnTo>
+                    <a:pt x="2139087" y="321456"/>
+                  </a:lnTo>
+                  <a:lnTo>
+                    <a:pt x="2185589" y="293066"/>
+                  </a:lnTo>
+                  <a:lnTo>
+                    <a:pt x="2232091" y="263872"/>
+                  </a:lnTo>
+                  <a:lnTo>
+                    <a:pt x="2278593" y="233862"/>
+                  </a:lnTo>
+                  <a:lnTo>
+                    <a:pt x="2325095" y="203025"/>
+                  </a:lnTo>
+                  <a:lnTo>
+                    <a:pt x="2371597" y="171349"/>
+                  </a:lnTo>
+                  <a:lnTo>
+                    <a:pt x="2418099" y="138823"/>
+                  </a:lnTo>
+                  <a:lnTo>
+                    <a:pt x="2464601" y="105437"/>
+                  </a:lnTo>
+                  <a:lnTo>
+                    <a:pt x="2511103" y="71178"/>
+                  </a:lnTo>
+                  <a:lnTo>
+                    <a:pt x="2557605" y="36036"/>
+                  </a:lnTo>
+                  <a:lnTo>
+                    <a:pt x="2604107" y="0"/>
                   </a:lnTo>
                 </a:path>
               </a:pathLst>
             </a:custGeom>
             <a:ln w="32521" cap="flat">
               <a:solidFill>
-                <a:srgbClr val="F42404">
+                <a:srgbClr val="5E81AC">
                   <a:alpha val="80000"/>
                 </a:srgbClr>
               </a:solidFill>
@@ -4756,190 +4096,190 @@
           </p:nvSpPr>
           <p:spPr>
             <a:xfrm>
-              <a:off x="1557153" y="6378270"/>
-              <a:ext cx="2697110" cy="690209"/>
+              <a:off x="1557153" y="5166993"/>
+              <a:ext cx="2604107" cy="1906661"/>
             </a:xfrm>
             <a:custGeom>
               <a:avLst/>
               <a:pathLst>
-                <a:path w="2697110" h="690209">
+                <a:path w="2604107" h="1906661">
                   <a:moveTo>
-                    <a:pt x="0" y="690209"/>
+                    <a:pt x="0" y="1906661"/>
                   </a:moveTo>
                   <a:lnTo>
-                    <a:pt x="48162" y="686502"/>
-                  </a:lnTo>
-                  <a:lnTo>
-                    <a:pt x="96325" y="682585"/>
-                  </a:lnTo>
-                  <a:lnTo>
-                    <a:pt x="144488" y="678452"/>
-                  </a:lnTo>
-                  <a:lnTo>
-                    <a:pt x="192650" y="674099"/>
-                  </a:lnTo>
-                  <a:lnTo>
-                    <a:pt x="240813" y="669518"/>
-                  </a:lnTo>
-                  <a:lnTo>
-                    <a:pt x="288976" y="664705"/>
-                  </a:lnTo>
-                  <a:lnTo>
-                    <a:pt x="337138" y="659653"/>
-                  </a:lnTo>
-                  <a:lnTo>
-                    <a:pt x="385301" y="654358"/>
-                  </a:lnTo>
-                  <a:lnTo>
-                    <a:pt x="433464" y="648812"/>
-                  </a:lnTo>
-                  <a:lnTo>
-                    <a:pt x="481626" y="643010"/>
-                  </a:lnTo>
-                  <a:lnTo>
-                    <a:pt x="529789" y="636947"/>
-                  </a:lnTo>
-                  <a:lnTo>
-                    <a:pt x="577952" y="630617"/>
-                  </a:lnTo>
-                  <a:lnTo>
-                    <a:pt x="626115" y="624014"/>
-                  </a:lnTo>
-                  <a:lnTo>
-                    <a:pt x="674277" y="617132"/>
-                  </a:lnTo>
-                  <a:lnTo>
-                    <a:pt x="722440" y="609965"/>
-                  </a:lnTo>
-                  <a:lnTo>
-                    <a:pt x="770603" y="602508"/>
-                  </a:lnTo>
-                  <a:lnTo>
-                    <a:pt x="818765" y="594755"/>
-                  </a:lnTo>
-                  <a:lnTo>
-                    <a:pt x="866928" y="586700"/>
-                  </a:lnTo>
-                  <a:lnTo>
-                    <a:pt x="915091" y="578338"/>
-                  </a:lnTo>
-                  <a:lnTo>
-                    <a:pt x="963253" y="569662"/>
-                  </a:lnTo>
-                  <a:lnTo>
-                    <a:pt x="1011416" y="560667"/>
-                  </a:lnTo>
-                  <a:lnTo>
-                    <a:pt x="1059579" y="551347"/>
-                  </a:lnTo>
-                  <a:lnTo>
-                    <a:pt x="1107741" y="541696"/>
-                  </a:lnTo>
-                  <a:lnTo>
-                    <a:pt x="1155904" y="531709"/>
-                  </a:lnTo>
-                  <a:lnTo>
-                    <a:pt x="1204067" y="521380"/>
-                  </a:lnTo>
-                  <a:lnTo>
-                    <a:pt x="1252230" y="510703"/>
-                  </a:lnTo>
-                  <a:lnTo>
-                    <a:pt x="1300392" y="499672"/>
-                  </a:lnTo>
-                  <a:lnTo>
-                    <a:pt x="1348555" y="488282"/>
-                  </a:lnTo>
-                  <a:lnTo>
-                    <a:pt x="1396718" y="476526"/>
-                  </a:lnTo>
-                  <a:lnTo>
-                    <a:pt x="1444880" y="464400"/>
-                  </a:lnTo>
-                  <a:lnTo>
-                    <a:pt x="1493043" y="451896"/>
-                  </a:lnTo>
-                  <a:lnTo>
-                    <a:pt x="1541206" y="439010"/>
-                  </a:lnTo>
-                  <a:lnTo>
-                    <a:pt x="1589368" y="425736"/>
-                  </a:lnTo>
-                  <a:lnTo>
-                    <a:pt x="1637531" y="412068"/>
-                  </a:lnTo>
-                  <a:lnTo>
-                    <a:pt x="1685694" y="398000"/>
-                  </a:lnTo>
-                  <a:lnTo>
-                    <a:pt x="1733856" y="383526"/>
-                  </a:lnTo>
-                  <a:lnTo>
-                    <a:pt x="1782019" y="368641"/>
-                  </a:lnTo>
-                  <a:lnTo>
-                    <a:pt x="1830182" y="353339"/>
-                  </a:lnTo>
-                  <a:lnTo>
-                    <a:pt x="1878345" y="337614"/>
-                  </a:lnTo>
-                  <a:lnTo>
-                    <a:pt x="1926507" y="321460"/>
-                  </a:lnTo>
-                  <a:lnTo>
-                    <a:pt x="1974670" y="304872"/>
-                  </a:lnTo>
-                  <a:lnTo>
-                    <a:pt x="2022833" y="287844"/>
-                  </a:lnTo>
-                  <a:lnTo>
-                    <a:pt x="2070995" y="270369"/>
-                  </a:lnTo>
-                  <a:lnTo>
-                    <a:pt x="2119158" y="252443"/>
-                  </a:lnTo>
-                  <a:lnTo>
-                    <a:pt x="2167321" y="234060"/>
-                  </a:lnTo>
-                  <a:lnTo>
-                    <a:pt x="2215483" y="215213"/>
-                  </a:lnTo>
-                  <a:lnTo>
-                    <a:pt x="2263646" y="195897"/>
-                  </a:lnTo>
-                  <a:lnTo>
-                    <a:pt x="2311809" y="176107"/>
-                  </a:lnTo>
-                  <a:lnTo>
-                    <a:pt x="2359972" y="155836"/>
-                  </a:lnTo>
-                  <a:lnTo>
-                    <a:pt x="2408134" y="135078"/>
-                  </a:lnTo>
-                  <a:lnTo>
-                    <a:pt x="2456297" y="113829"/>
-                  </a:lnTo>
-                  <a:lnTo>
-                    <a:pt x="2504460" y="92082"/>
-                  </a:lnTo>
-                  <a:lnTo>
-                    <a:pt x="2552622" y="69831"/>
-                  </a:lnTo>
-                  <a:lnTo>
-                    <a:pt x="2600785" y="47071"/>
-                  </a:lnTo>
-                  <a:lnTo>
-                    <a:pt x="2648948" y="23796"/>
-                  </a:lnTo>
-                  <a:lnTo>
-                    <a:pt x="2697110" y="0"/>
+                    <a:pt x="46501" y="1900922"/>
+                  </a:lnTo>
+                  <a:lnTo>
+                    <a:pt x="93003" y="1894624"/>
+                  </a:lnTo>
+                  <a:lnTo>
+                    <a:pt x="139505" y="1887739"/>
+                  </a:lnTo>
+                  <a:lnTo>
+                    <a:pt x="186007" y="1880242"/>
+                  </a:lnTo>
+                  <a:lnTo>
+                    <a:pt x="232509" y="1872107"/>
+                  </a:lnTo>
+                  <a:lnTo>
+                    <a:pt x="279011" y="1863307"/>
+                  </a:lnTo>
+                  <a:lnTo>
+                    <a:pt x="325513" y="1853817"/>
+                  </a:lnTo>
+                  <a:lnTo>
+                    <a:pt x="372015" y="1843611"/>
+                  </a:lnTo>
+                  <a:lnTo>
+                    <a:pt x="418517" y="1832662"/>
+                  </a:lnTo>
+                  <a:lnTo>
+                    <a:pt x="465019" y="1820944"/>
+                  </a:lnTo>
+                  <a:lnTo>
+                    <a:pt x="511521" y="1808431"/>
+                  </a:lnTo>
+                  <a:lnTo>
+                    <a:pt x="558022" y="1795098"/>
+                  </a:lnTo>
+                  <a:lnTo>
+                    <a:pt x="604524" y="1780918"/>
+                  </a:lnTo>
+                  <a:lnTo>
+                    <a:pt x="651026" y="1765865"/>
+                  </a:lnTo>
+                  <a:lnTo>
+                    <a:pt x="697528" y="1749913"/>
+                  </a:lnTo>
+                  <a:lnTo>
+                    <a:pt x="744030" y="1733036"/>
+                  </a:lnTo>
+                  <a:lnTo>
+                    <a:pt x="790532" y="1715207"/>
+                  </a:lnTo>
+                  <a:lnTo>
+                    <a:pt x="837034" y="1696401"/>
+                  </a:lnTo>
+                  <a:lnTo>
+                    <a:pt x="883536" y="1676592"/>
+                  </a:lnTo>
+                  <a:lnTo>
+                    <a:pt x="930038" y="1655754"/>
+                  </a:lnTo>
+                  <a:lnTo>
+                    <a:pt x="976540" y="1633860"/>
+                  </a:lnTo>
+                  <a:lnTo>
+                    <a:pt x="1023042" y="1610884"/>
+                  </a:lnTo>
+                  <a:lnTo>
+                    <a:pt x="1069543" y="1586801"/>
+                  </a:lnTo>
+                  <a:lnTo>
+                    <a:pt x="1116045" y="1561584"/>
+                  </a:lnTo>
+                  <a:lnTo>
+                    <a:pt x="1162547" y="1535208"/>
+                  </a:lnTo>
+                  <a:lnTo>
+                    <a:pt x="1209049" y="1507645"/>
+                  </a:lnTo>
+                  <a:lnTo>
+                    <a:pt x="1255551" y="1478870"/>
+                  </a:lnTo>
+                  <a:lnTo>
+                    <a:pt x="1302053" y="1448858"/>
+                  </a:lnTo>
+                  <a:lnTo>
+                    <a:pt x="1348555" y="1417581"/>
+                  </a:lnTo>
+                  <a:lnTo>
+                    <a:pt x="1395057" y="1385014"/>
+                  </a:lnTo>
+                  <a:lnTo>
+                    <a:pt x="1441559" y="1351131"/>
+                  </a:lnTo>
+                  <a:lnTo>
+                    <a:pt x="1488061" y="1315906"/>
+                  </a:lnTo>
+                  <a:lnTo>
+                    <a:pt x="1534563" y="1279312"/>
+                  </a:lnTo>
+                  <a:lnTo>
+                    <a:pt x="1581064" y="1241324"/>
+                  </a:lnTo>
+                  <a:lnTo>
+                    <a:pt x="1627566" y="1201915"/>
+                  </a:lnTo>
+                  <a:lnTo>
+                    <a:pt x="1674068" y="1161059"/>
+                  </a:lnTo>
+                  <a:lnTo>
+                    <a:pt x="1720570" y="1118731"/>
+                  </a:lnTo>
+                  <a:lnTo>
+                    <a:pt x="1767072" y="1074904"/>
+                  </a:lnTo>
+                  <a:lnTo>
+                    <a:pt x="1813574" y="1029552"/>
+                  </a:lnTo>
+                  <a:lnTo>
+                    <a:pt x="1860076" y="982650"/>
+                  </a:lnTo>
+                  <a:lnTo>
+                    <a:pt x="1906578" y="934170"/>
+                  </a:lnTo>
+                  <a:lnTo>
+                    <a:pt x="1953080" y="884087"/>
+                  </a:lnTo>
+                  <a:lnTo>
+                    <a:pt x="1999582" y="832375"/>
+                  </a:lnTo>
+                  <a:lnTo>
+                    <a:pt x="2046084" y="779008"/>
+                  </a:lnTo>
+                  <a:lnTo>
+                    <a:pt x="2092586" y="723959"/>
+                  </a:lnTo>
+                  <a:lnTo>
+                    <a:pt x="2139087" y="667203"/>
+                  </a:lnTo>
+                  <a:lnTo>
+                    <a:pt x="2185589" y="608713"/>
+                  </a:lnTo>
+                  <a:lnTo>
+                    <a:pt x="2232091" y="548464"/>
+                  </a:lnTo>
+                  <a:lnTo>
+                    <a:pt x="2278593" y="486430"/>
+                  </a:lnTo>
+                  <a:lnTo>
+                    <a:pt x="2325095" y="422583"/>
+                  </a:lnTo>
+                  <a:lnTo>
+                    <a:pt x="2371597" y="356899"/>
+                  </a:lnTo>
+                  <a:lnTo>
+                    <a:pt x="2418099" y="289351"/>
+                  </a:lnTo>
+                  <a:lnTo>
+                    <a:pt x="2464601" y="219914"/>
+                  </a:lnTo>
+                  <a:lnTo>
+                    <a:pt x="2511103" y="148560"/>
+                  </a:lnTo>
+                  <a:lnTo>
+                    <a:pt x="2557605" y="75264"/>
+                  </a:lnTo>
+                  <a:lnTo>
+                    <a:pt x="2604107" y="0"/>
                   </a:lnTo>
                 </a:path>
               </a:pathLst>
             </a:custGeom>
             <a:ln w="32521" cap="flat">
               <a:solidFill>
-                <a:srgbClr val="F42404">
+                <a:srgbClr val="5E81AC">
                   <a:alpha val="80000"/>
                 </a:srgbClr>
               </a:solidFill>
@@ -4961,190 +4301,190 @@
           </p:nvSpPr>
           <p:spPr>
             <a:xfrm>
-              <a:off x="1557153" y="6462681"/>
-              <a:ext cx="2697110" cy="601071"/>
+              <a:off x="1557153" y="5765111"/>
+              <a:ext cx="2604107" cy="1324681"/>
             </a:xfrm>
             <a:custGeom>
               <a:avLst/>
               <a:pathLst>
-                <a:path w="2697110" h="601071">
+                <a:path w="2604107" h="1324681">
                   <a:moveTo>
-                    <a:pt x="0" y="601071"/>
+                    <a:pt x="0" y="1324681"/>
                   </a:moveTo>
                   <a:lnTo>
-                    <a:pt x="48162" y="597455"/>
-                  </a:lnTo>
-                  <a:lnTo>
-                    <a:pt x="96325" y="593659"/>
-                  </a:lnTo>
-                  <a:lnTo>
-                    <a:pt x="144488" y="589678"/>
-                  </a:lnTo>
-                  <a:lnTo>
-                    <a:pt x="192650" y="585509"/>
-                  </a:lnTo>
-                  <a:lnTo>
-                    <a:pt x="240813" y="581146"/>
-                  </a:lnTo>
-                  <a:lnTo>
-                    <a:pt x="288976" y="576586"/>
-                  </a:lnTo>
-                  <a:lnTo>
-                    <a:pt x="337138" y="571824"/>
-                  </a:lnTo>
-                  <a:lnTo>
-                    <a:pt x="385301" y="566855"/>
-                  </a:lnTo>
-                  <a:lnTo>
-                    <a:pt x="433464" y="561676"/>
-                  </a:lnTo>
-                  <a:lnTo>
-                    <a:pt x="481626" y="556282"/>
-                  </a:lnTo>
-                  <a:lnTo>
-                    <a:pt x="529789" y="550668"/>
-                  </a:lnTo>
-                  <a:lnTo>
-                    <a:pt x="577952" y="544831"/>
-                  </a:lnTo>
-                  <a:lnTo>
-                    <a:pt x="626115" y="538765"/>
-                  </a:lnTo>
-                  <a:lnTo>
-                    <a:pt x="674277" y="532467"/>
-                  </a:lnTo>
-                  <a:lnTo>
-                    <a:pt x="722440" y="525932"/>
-                  </a:lnTo>
-                  <a:lnTo>
-                    <a:pt x="770603" y="519155"/>
-                  </a:lnTo>
-                  <a:lnTo>
-                    <a:pt x="818765" y="512133"/>
-                  </a:lnTo>
-                  <a:lnTo>
-                    <a:pt x="866928" y="504861"/>
-                  </a:lnTo>
-                  <a:lnTo>
-                    <a:pt x="915091" y="497334"/>
-                  </a:lnTo>
-                  <a:lnTo>
-                    <a:pt x="963253" y="489549"/>
-                  </a:lnTo>
-                  <a:lnTo>
-                    <a:pt x="1011416" y="481500"/>
-                  </a:lnTo>
-                  <a:lnTo>
-                    <a:pt x="1059579" y="473184"/>
-                  </a:lnTo>
-                  <a:lnTo>
-                    <a:pt x="1107741" y="464596"/>
-                  </a:lnTo>
-                  <a:lnTo>
-                    <a:pt x="1155904" y="455732"/>
-                  </a:lnTo>
-                  <a:lnTo>
-                    <a:pt x="1204067" y="446587"/>
-                  </a:lnTo>
-                  <a:lnTo>
-                    <a:pt x="1252230" y="437156"/>
-                  </a:lnTo>
-                  <a:lnTo>
-                    <a:pt x="1300392" y="427437"/>
-                  </a:lnTo>
-                  <a:lnTo>
-                    <a:pt x="1348555" y="417423"/>
-                  </a:lnTo>
-                  <a:lnTo>
-                    <a:pt x="1396718" y="407112"/>
-                  </a:lnTo>
-                  <a:lnTo>
-                    <a:pt x="1444880" y="396498"/>
-                  </a:lnTo>
-                  <a:lnTo>
-                    <a:pt x="1493043" y="385577"/>
-                  </a:lnTo>
-                  <a:lnTo>
-                    <a:pt x="1541206" y="374344"/>
-                  </a:lnTo>
-                  <a:lnTo>
-                    <a:pt x="1589368" y="362796"/>
-                  </a:lnTo>
-                  <a:lnTo>
-                    <a:pt x="1637531" y="350928"/>
-                  </a:lnTo>
-                  <a:lnTo>
-                    <a:pt x="1685694" y="338735"/>
-                  </a:lnTo>
-                  <a:lnTo>
-                    <a:pt x="1733856" y="326214"/>
-                  </a:lnTo>
-                  <a:lnTo>
-                    <a:pt x="1782019" y="313359"/>
-                  </a:lnTo>
-                  <a:lnTo>
-                    <a:pt x="1830182" y="300167"/>
-                  </a:lnTo>
-                  <a:lnTo>
-                    <a:pt x="1878345" y="286633"/>
-                  </a:lnTo>
-                  <a:lnTo>
-                    <a:pt x="1926507" y="272753"/>
-                  </a:lnTo>
-                  <a:lnTo>
-                    <a:pt x="1974670" y="258522"/>
-                  </a:lnTo>
-                  <a:lnTo>
-                    <a:pt x="2022833" y="243936"/>
-                  </a:lnTo>
-                  <a:lnTo>
-                    <a:pt x="2070995" y="228990"/>
-                  </a:lnTo>
-                  <a:lnTo>
-                    <a:pt x="2119158" y="213681"/>
-                  </a:lnTo>
-                  <a:lnTo>
-                    <a:pt x="2167321" y="198003"/>
-                  </a:lnTo>
-                  <a:lnTo>
-                    <a:pt x="2215483" y="181953"/>
-                  </a:lnTo>
-                  <a:lnTo>
-                    <a:pt x="2263646" y="165526"/>
-                  </a:lnTo>
-                  <a:lnTo>
-                    <a:pt x="2311809" y="148718"/>
-                  </a:lnTo>
-                  <a:lnTo>
-                    <a:pt x="2359972" y="131524"/>
-                  </a:lnTo>
-                  <a:lnTo>
-                    <a:pt x="2408134" y="113940"/>
-                  </a:lnTo>
-                  <a:lnTo>
-                    <a:pt x="2456297" y="95962"/>
-                  </a:lnTo>
-                  <a:lnTo>
-                    <a:pt x="2504460" y="77584"/>
-                  </a:lnTo>
-                  <a:lnTo>
-                    <a:pt x="2552622" y="58804"/>
-                  </a:lnTo>
-                  <a:lnTo>
-                    <a:pt x="2600785" y="39616"/>
-                  </a:lnTo>
-                  <a:lnTo>
-                    <a:pt x="2648948" y="20016"/>
-                  </a:lnTo>
-                  <a:lnTo>
-                    <a:pt x="2697110" y="0"/>
+                    <a:pt x="46501" y="1321103"/>
+                  </a:lnTo>
+                  <a:lnTo>
+                    <a:pt x="93003" y="1317143"/>
+                  </a:lnTo>
+                  <a:lnTo>
+                    <a:pt x="139505" y="1312783"/>
+                  </a:lnTo>
+                  <a:lnTo>
+                    <a:pt x="186007" y="1308002"/>
+                  </a:lnTo>
+                  <a:lnTo>
+                    <a:pt x="232509" y="1302781"/>
+                  </a:lnTo>
+                  <a:lnTo>
+                    <a:pt x="279011" y="1297101"/>
+                  </a:lnTo>
+                  <a:lnTo>
+                    <a:pt x="325513" y="1290943"/>
+                  </a:lnTo>
+                  <a:lnTo>
+                    <a:pt x="372015" y="1284287"/>
+                  </a:lnTo>
+                  <a:lnTo>
+                    <a:pt x="418517" y="1277113"/>
+                  </a:lnTo>
+                  <a:lnTo>
+                    <a:pt x="465019" y="1269403"/>
+                  </a:lnTo>
+                  <a:lnTo>
+                    <a:pt x="511521" y="1261137"/>
+                  </a:lnTo>
+                  <a:lnTo>
+                    <a:pt x="558022" y="1252296"/>
+                  </a:lnTo>
+                  <a:lnTo>
+                    <a:pt x="604524" y="1242860"/>
+                  </a:lnTo>
+                  <a:lnTo>
+                    <a:pt x="651026" y="1232810"/>
+                  </a:lnTo>
+                  <a:lnTo>
+                    <a:pt x="697528" y="1222127"/>
+                  </a:lnTo>
+                  <a:lnTo>
+                    <a:pt x="744030" y="1210791"/>
+                  </a:lnTo>
+                  <a:lnTo>
+                    <a:pt x="790532" y="1198783"/>
+                  </a:lnTo>
+                  <a:lnTo>
+                    <a:pt x="837034" y="1186084"/>
+                  </a:lnTo>
+                  <a:lnTo>
+                    <a:pt x="883536" y="1172674"/>
+                  </a:lnTo>
+                  <a:lnTo>
+                    <a:pt x="930038" y="1158534"/>
+                  </a:lnTo>
+                  <a:lnTo>
+                    <a:pt x="976540" y="1143645"/>
+                  </a:lnTo>
+                  <a:lnTo>
+                    <a:pt x="1023042" y="1127986"/>
+                  </a:lnTo>
+                  <a:lnTo>
+                    <a:pt x="1069543" y="1111540"/>
+                  </a:lnTo>
+                  <a:lnTo>
+                    <a:pt x="1116045" y="1094286"/>
+                  </a:lnTo>
+                  <a:lnTo>
+                    <a:pt x="1162547" y="1076205"/>
+                  </a:lnTo>
+                  <a:lnTo>
+                    <a:pt x="1209049" y="1057278"/>
+                  </a:lnTo>
+                  <a:lnTo>
+                    <a:pt x="1255551" y="1037486"/>
+                  </a:lnTo>
+                  <a:lnTo>
+                    <a:pt x="1302053" y="1016808"/>
+                  </a:lnTo>
+                  <a:lnTo>
+                    <a:pt x="1348555" y="995227"/>
+                  </a:lnTo>
+                  <a:lnTo>
+                    <a:pt x="1395057" y="972721"/>
+                  </a:lnTo>
+                  <a:lnTo>
+                    <a:pt x="1441559" y="949273"/>
+                  </a:lnTo>
+                  <a:lnTo>
+                    <a:pt x="1488061" y="924862"/>
+                  </a:lnTo>
+                  <a:lnTo>
+                    <a:pt x="1534563" y="899470"/>
+                  </a:lnTo>
+                  <a:lnTo>
+                    <a:pt x="1581064" y="873077"/>
+                  </a:lnTo>
+                  <a:lnTo>
+                    <a:pt x="1627566" y="845663"/>
+                  </a:lnTo>
+                  <a:lnTo>
+                    <a:pt x="1674068" y="817210"/>
+                  </a:lnTo>
+                  <a:lnTo>
+                    <a:pt x="1720570" y="787697"/>
+                  </a:lnTo>
+                  <a:lnTo>
+                    <a:pt x="1767072" y="757107"/>
+                  </a:lnTo>
+                  <a:lnTo>
+                    <a:pt x="1813574" y="725418"/>
+                  </a:lnTo>
+                  <a:lnTo>
+                    <a:pt x="1860076" y="692612"/>
+                  </a:lnTo>
+                  <a:lnTo>
+                    <a:pt x="1906578" y="658670"/>
+                  </a:lnTo>
+                  <a:lnTo>
+                    <a:pt x="1953080" y="623572"/>
+                  </a:lnTo>
+                  <a:lnTo>
+                    <a:pt x="1999582" y="587299"/>
+                  </a:lnTo>
+                  <a:lnTo>
+                    <a:pt x="2046084" y="549831"/>
+                  </a:lnTo>
+                  <a:lnTo>
+                    <a:pt x="2092586" y="511149"/>
+                  </a:lnTo>
+                  <a:lnTo>
+                    <a:pt x="2139087" y="471234"/>
+                  </a:lnTo>
+                  <a:lnTo>
+                    <a:pt x="2185589" y="430067"/>
+                  </a:lnTo>
+                  <a:lnTo>
+                    <a:pt x="2232091" y="387627"/>
+                  </a:lnTo>
+                  <a:lnTo>
+                    <a:pt x="2278593" y="343897"/>
+                  </a:lnTo>
+                  <a:lnTo>
+                    <a:pt x="2325095" y="298855"/>
+                  </a:lnTo>
+                  <a:lnTo>
+                    <a:pt x="2371597" y="252484"/>
+                  </a:lnTo>
+                  <a:lnTo>
+                    <a:pt x="2418099" y="204763"/>
+                  </a:lnTo>
+                  <a:lnTo>
+                    <a:pt x="2464601" y="155674"/>
+                  </a:lnTo>
+                  <a:lnTo>
+                    <a:pt x="2511103" y="105196"/>
+                  </a:lnTo>
+                  <a:lnTo>
+                    <a:pt x="2557605" y="53311"/>
+                  </a:lnTo>
+                  <a:lnTo>
+                    <a:pt x="2604107" y="0"/>
                   </a:lnTo>
                 </a:path>
               </a:pathLst>
             </a:custGeom>
             <a:ln w="32521" cap="flat">
               <a:solidFill>
-                <a:srgbClr val="F42404">
+                <a:srgbClr val="5E81AC">
                   <a:alpha val="80000"/>
                 </a:srgbClr>
               </a:solidFill>
@@ -5166,190 +4506,190 @@
           </p:nvSpPr>
           <p:spPr>
             <a:xfrm>
-              <a:off x="1557153" y="6223007"/>
-              <a:ext cx="2697110" cy="836964"/>
+              <a:off x="1557153" y="5605855"/>
+              <a:ext cx="2604107" cy="1466852"/>
             </a:xfrm>
             <a:custGeom>
               <a:avLst/>
               <a:pathLst>
-                <a:path w="2697110" h="836964">
+                <a:path w="2604107" h="1466852">
                   <a:moveTo>
-                    <a:pt x="0" y="836964"/>
+                    <a:pt x="0" y="1466852"/>
                   </a:moveTo>
                   <a:lnTo>
-                    <a:pt x="48162" y="832490"/>
-                  </a:lnTo>
-                  <a:lnTo>
-                    <a:pt x="96325" y="827762"/>
-                  </a:lnTo>
-                  <a:lnTo>
-                    <a:pt x="144488" y="822772"/>
-                  </a:lnTo>
-                  <a:lnTo>
-                    <a:pt x="192650" y="817514"/>
-                  </a:lnTo>
-                  <a:lnTo>
-                    <a:pt x="240813" y="811981"/>
-                  </a:lnTo>
-                  <a:lnTo>
-                    <a:pt x="288976" y="806165"/>
-                  </a:lnTo>
-                  <a:lnTo>
-                    <a:pt x="337138" y="800060"/>
-                  </a:lnTo>
-                  <a:lnTo>
-                    <a:pt x="385301" y="793658"/>
-                  </a:lnTo>
-                  <a:lnTo>
-                    <a:pt x="433464" y="786953"/>
-                  </a:lnTo>
-                  <a:lnTo>
-                    <a:pt x="481626" y="779938"/>
-                  </a:lnTo>
-                  <a:lnTo>
-                    <a:pt x="529789" y="772605"/>
-                  </a:lnTo>
-                  <a:lnTo>
-                    <a:pt x="577952" y="764947"/>
-                  </a:lnTo>
-                  <a:lnTo>
-                    <a:pt x="626115" y="756958"/>
-                  </a:lnTo>
-                  <a:lnTo>
-                    <a:pt x="674277" y="748630"/>
-                  </a:lnTo>
-                  <a:lnTo>
-                    <a:pt x="722440" y="739956"/>
-                  </a:lnTo>
-                  <a:lnTo>
-                    <a:pt x="770603" y="730930"/>
-                  </a:lnTo>
-                  <a:lnTo>
-                    <a:pt x="818765" y="721544"/>
-                  </a:lnTo>
-                  <a:lnTo>
-                    <a:pt x="866928" y="711791"/>
-                  </a:lnTo>
-                  <a:lnTo>
-                    <a:pt x="915091" y="701665"/>
-                  </a:lnTo>
-                  <a:lnTo>
-                    <a:pt x="963253" y="691158"/>
-                  </a:lnTo>
-                  <a:lnTo>
-                    <a:pt x="1011416" y="680263"/>
-                  </a:lnTo>
-                  <a:lnTo>
-                    <a:pt x="1059579" y="668973"/>
-                  </a:lnTo>
-                  <a:lnTo>
-                    <a:pt x="1107741" y="657281"/>
-                  </a:lnTo>
-                  <a:lnTo>
-                    <a:pt x="1155904" y="645180"/>
-                  </a:lnTo>
-                  <a:lnTo>
-                    <a:pt x="1204067" y="632664"/>
-                  </a:lnTo>
-                  <a:lnTo>
-                    <a:pt x="1252230" y="619724"/>
-                  </a:lnTo>
-                  <a:lnTo>
-                    <a:pt x="1300392" y="606355"/>
-                  </a:lnTo>
-                  <a:lnTo>
-                    <a:pt x="1348555" y="592548"/>
-                  </a:lnTo>
-                  <a:lnTo>
-                    <a:pt x="1396718" y="578297"/>
-                  </a:lnTo>
-                  <a:lnTo>
-                    <a:pt x="1444880" y="563596"/>
-                  </a:lnTo>
-                  <a:lnTo>
-                    <a:pt x="1493043" y="548436"/>
-                  </a:lnTo>
-                  <a:lnTo>
-                    <a:pt x="1541206" y="532811"/>
-                  </a:lnTo>
-                  <a:lnTo>
-                    <a:pt x="1589368" y="516714"/>
-                  </a:lnTo>
-                  <a:lnTo>
-                    <a:pt x="1637531" y="500138"/>
-                  </a:lnTo>
-                  <a:lnTo>
-                    <a:pt x="1685694" y="483075"/>
-                  </a:lnTo>
-                  <a:lnTo>
-                    <a:pt x="1733856" y="465519"/>
-                  </a:lnTo>
-                  <a:lnTo>
-                    <a:pt x="1782019" y="447463"/>
-                  </a:lnTo>
-                  <a:lnTo>
-                    <a:pt x="1830182" y="428900"/>
-                  </a:lnTo>
-                  <a:lnTo>
-                    <a:pt x="1878345" y="409822"/>
-                  </a:lnTo>
-                  <a:lnTo>
-                    <a:pt x="1926507" y="390223"/>
-                  </a:lnTo>
-                  <a:lnTo>
-                    <a:pt x="1974670" y="370096"/>
-                  </a:lnTo>
-                  <a:lnTo>
-                    <a:pt x="2022833" y="349433"/>
-                  </a:lnTo>
-                  <a:lnTo>
-                    <a:pt x="2070995" y="328228"/>
-                  </a:lnTo>
-                  <a:lnTo>
-                    <a:pt x="2119158" y="306473"/>
-                  </a:lnTo>
-                  <a:lnTo>
-                    <a:pt x="2167321" y="284162"/>
-                  </a:lnTo>
-                  <a:lnTo>
-                    <a:pt x="2215483" y="261287"/>
-                  </a:lnTo>
-                  <a:lnTo>
-                    <a:pt x="2263646" y="237842"/>
-                  </a:lnTo>
-                  <a:lnTo>
-                    <a:pt x="2311809" y="213819"/>
-                  </a:lnTo>
-                  <a:lnTo>
-                    <a:pt x="2359972" y="189212"/>
-                  </a:lnTo>
-                  <a:lnTo>
-                    <a:pt x="2408134" y="164012"/>
-                  </a:lnTo>
-                  <a:lnTo>
-                    <a:pt x="2456297" y="138215"/>
-                  </a:lnTo>
-                  <a:lnTo>
-                    <a:pt x="2504460" y="111811"/>
-                  </a:lnTo>
-                  <a:lnTo>
-                    <a:pt x="2552622" y="84795"/>
-                  </a:lnTo>
-                  <a:lnTo>
-                    <a:pt x="2600785" y="57159"/>
-                  </a:lnTo>
-                  <a:lnTo>
-                    <a:pt x="2648948" y="28896"/>
-                  </a:lnTo>
-                  <a:lnTo>
-                    <a:pt x="2697110" y="0"/>
+                    <a:pt x="46501" y="1461716"/>
+                  </a:lnTo>
+                  <a:lnTo>
+                    <a:pt x="93003" y="1456140"/>
+                  </a:lnTo>
+                  <a:lnTo>
+                    <a:pt x="139505" y="1450106"/>
+                  </a:lnTo>
+                  <a:lnTo>
+                    <a:pt x="186007" y="1443596"/>
+                  </a:lnTo>
+                  <a:lnTo>
+                    <a:pt x="232509" y="1436592"/>
+                  </a:lnTo>
+                  <a:lnTo>
+                    <a:pt x="279011" y="1429075"/>
+                  </a:lnTo>
+                  <a:lnTo>
+                    <a:pt x="325513" y="1421027"/>
+                  </a:lnTo>
+                  <a:lnTo>
+                    <a:pt x="372015" y="1412431"/>
+                  </a:lnTo>
+                  <a:lnTo>
+                    <a:pt x="418517" y="1403268"/>
+                  </a:lnTo>
+                  <a:lnTo>
+                    <a:pt x="465019" y="1393520"/>
+                  </a:lnTo>
+                  <a:lnTo>
+                    <a:pt x="511521" y="1383170"/>
+                  </a:lnTo>
+                  <a:lnTo>
+                    <a:pt x="558022" y="1372198"/>
+                  </a:lnTo>
+                  <a:lnTo>
+                    <a:pt x="604524" y="1360587"/>
+                  </a:lnTo>
+                  <a:lnTo>
+                    <a:pt x="651026" y="1348319"/>
+                  </a:lnTo>
+                  <a:lnTo>
+                    <a:pt x="697528" y="1335376"/>
+                  </a:lnTo>
+                  <a:lnTo>
+                    <a:pt x="744030" y="1321739"/>
+                  </a:lnTo>
+                  <a:lnTo>
+                    <a:pt x="790532" y="1307391"/>
+                  </a:lnTo>
+                  <a:lnTo>
+                    <a:pt x="837034" y="1292313"/>
+                  </a:lnTo>
+                  <a:lnTo>
+                    <a:pt x="883536" y="1276488"/>
+                  </a:lnTo>
+                  <a:lnTo>
+                    <a:pt x="930038" y="1259897"/>
+                  </a:lnTo>
+                  <a:lnTo>
+                    <a:pt x="976540" y="1242522"/>
+                  </a:lnTo>
+                  <a:lnTo>
+                    <a:pt x="1023042" y="1224345"/>
+                  </a:lnTo>
+                  <a:lnTo>
+                    <a:pt x="1069543" y="1205348"/>
+                  </a:lnTo>
+                  <a:lnTo>
+                    <a:pt x="1116045" y="1185513"/>
+                  </a:lnTo>
+                  <a:lnTo>
+                    <a:pt x="1162547" y="1164822"/>
+                  </a:lnTo>
+                  <a:lnTo>
+                    <a:pt x="1209049" y="1143256"/>
+                  </a:lnTo>
+                  <a:lnTo>
+                    <a:pt x="1255551" y="1120798"/>
+                  </a:lnTo>
+                  <a:lnTo>
+                    <a:pt x="1302053" y="1097430"/>
+                  </a:lnTo>
+                  <a:lnTo>
+                    <a:pt x="1348555" y="1073132"/>
+                  </a:lnTo>
+                  <a:lnTo>
+                    <a:pt x="1395057" y="1047889"/>
+                  </a:lnTo>
+                  <a:lnTo>
+                    <a:pt x="1441559" y="1021680"/>
+                  </a:lnTo>
+                  <a:lnTo>
+                    <a:pt x="1488061" y="994489"/>
+                  </a:lnTo>
+                  <a:lnTo>
+                    <a:pt x="1534563" y="966297"/>
+                  </a:lnTo>
+                  <a:lnTo>
+                    <a:pt x="1581064" y="937085"/>
+                  </a:lnTo>
+                  <a:lnTo>
+                    <a:pt x="1627566" y="906837"/>
+                  </a:lnTo>
+                  <a:lnTo>
+                    <a:pt x="1674068" y="875533"/>
+                  </a:lnTo>
+                  <a:lnTo>
+                    <a:pt x="1720570" y="843156"/>
+                  </a:lnTo>
+                  <a:lnTo>
+                    <a:pt x="1767072" y="809688"/>
+                  </a:lnTo>
+                  <a:lnTo>
+                    <a:pt x="1813574" y="775110"/>
+                  </a:lnTo>
+                  <a:lnTo>
+                    <a:pt x="1860076" y="739404"/>
+                  </a:lnTo>
+                  <a:lnTo>
+                    <a:pt x="1906578" y="702553"/>
+                  </a:lnTo>
+                  <a:lnTo>
+                    <a:pt x="1953080" y="664538"/>
+                  </a:lnTo>
+                  <a:lnTo>
+                    <a:pt x="1999582" y="625341"/>
+                  </a:lnTo>
+                  <a:lnTo>
+                    <a:pt x="2046084" y="584944"/>
+                  </a:lnTo>
+                  <a:lnTo>
+                    <a:pt x="2092586" y="543329"/>
+                  </a:lnTo>
+                  <a:lnTo>
+                    <a:pt x="2139087" y="500478"/>
+                  </a:lnTo>
+                  <a:lnTo>
+                    <a:pt x="2185589" y="456373"/>
+                  </a:lnTo>
+                  <a:lnTo>
+                    <a:pt x="2232091" y="410995"/>
+                  </a:lnTo>
+                  <a:lnTo>
+                    <a:pt x="2278593" y="364327"/>
+                  </a:lnTo>
+                  <a:lnTo>
+                    <a:pt x="2325095" y="316351"/>
+                  </a:lnTo>
+                  <a:lnTo>
+                    <a:pt x="2371597" y="267048"/>
+                  </a:lnTo>
+                  <a:lnTo>
+                    <a:pt x="2418099" y="216400"/>
+                  </a:lnTo>
+                  <a:lnTo>
+                    <a:pt x="2464601" y="164389"/>
+                  </a:lnTo>
+                  <a:lnTo>
+                    <a:pt x="2511103" y="110998"/>
+                  </a:lnTo>
+                  <a:lnTo>
+                    <a:pt x="2557605" y="56207"/>
+                  </a:lnTo>
+                  <a:lnTo>
+                    <a:pt x="2604107" y="0"/>
                   </a:lnTo>
                 </a:path>
               </a:pathLst>
             </a:custGeom>
             <a:ln w="32521" cap="flat">
               <a:solidFill>
-                <a:srgbClr val="F42404">
+                <a:srgbClr val="5E81AC">
                   <a:alpha val="80000"/>
                 </a:srgbClr>
               </a:solidFill>
@@ -5371,183 +4711,183 @@
           </p:nvSpPr>
           <p:spPr>
             <a:xfrm>
-              <a:off x="1557153" y="6478511"/>
-              <a:ext cx="2697110" cy="592600"/>
+              <a:off x="1557153" y="6661917"/>
+              <a:ext cx="2604107" cy="427036"/>
             </a:xfrm>
             <a:custGeom>
               <a:avLst/>
               <a:pathLst>
-                <a:path w="2697110" h="592600">
+                <a:path w="2604107" h="427036">
                   <a:moveTo>
-                    <a:pt x="0" y="592600"/>
+                    <a:pt x="0" y="427036"/>
                   </a:moveTo>
                   <a:lnTo>
-                    <a:pt x="48162" y="589281"/>
-                  </a:lnTo>
-                  <a:lnTo>
-                    <a:pt x="96325" y="585783"/>
-                  </a:lnTo>
-                  <a:lnTo>
-                    <a:pt x="144488" y="582101"/>
-                  </a:lnTo>
-                  <a:lnTo>
-                    <a:pt x="192650" y="578231"/>
-                  </a:lnTo>
-                  <a:lnTo>
-                    <a:pt x="240813" y="574167"/>
-                  </a:lnTo>
-                  <a:lnTo>
-                    <a:pt x="288976" y="569905"/>
-                  </a:lnTo>
-                  <a:lnTo>
-                    <a:pt x="337138" y="565440"/>
-                  </a:lnTo>
-                  <a:lnTo>
-                    <a:pt x="385301" y="560768"/>
-                  </a:lnTo>
-                  <a:lnTo>
-                    <a:pt x="433464" y="555883"/>
-                  </a:lnTo>
-                  <a:lnTo>
-                    <a:pt x="481626" y="550782"/>
-                  </a:lnTo>
-                  <a:lnTo>
-                    <a:pt x="529789" y="545458"/>
-                  </a:lnTo>
-                  <a:lnTo>
-                    <a:pt x="577952" y="539908"/>
-                  </a:lnTo>
-                  <a:lnTo>
-                    <a:pt x="626115" y="534128"/>
-                  </a:lnTo>
-                  <a:lnTo>
-                    <a:pt x="674277" y="528111"/>
-                  </a:lnTo>
-                  <a:lnTo>
-                    <a:pt x="722440" y="521854"/>
-                  </a:lnTo>
-                  <a:lnTo>
-                    <a:pt x="770603" y="515351"/>
-                  </a:lnTo>
-                  <a:lnTo>
-                    <a:pt x="818765" y="508599"/>
-                  </a:lnTo>
-                  <a:lnTo>
-                    <a:pt x="866928" y="501591"/>
-                  </a:lnTo>
-                  <a:lnTo>
-                    <a:pt x="915091" y="494325"/>
-                  </a:lnTo>
-                  <a:lnTo>
-                    <a:pt x="963253" y="486794"/>
-                  </a:lnTo>
-                  <a:lnTo>
-                    <a:pt x="1011416" y="478994"/>
-                  </a:lnTo>
-                  <a:lnTo>
-                    <a:pt x="1059579" y="470921"/>
-                  </a:lnTo>
-                  <a:lnTo>
-                    <a:pt x="1107741" y="462570"/>
-                  </a:lnTo>
-                  <a:lnTo>
-                    <a:pt x="1155904" y="453935"/>
-                  </a:lnTo>
-                  <a:lnTo>
-                    <a:pt x="1204067" y="445013"/>
-                  </a:lnTo>
-                  <a:lnTo>
-                    <a:pt x="1252230" y="435799"/>
-                  </a:lnTo>
-                  <a:lnTo>
-                    <a:pt x="1300392" y="426287"/>
-                  </a:lnTo>
-                  <a:lnTo>
-                    <a:pt x="1348555" y="416474"/>
-                  </a:lnTo>
-                  <a:lnTo>
-                    <a:pt x="1396718" y="406353"/>
-                  </a:lnTo>
-                  <a:lnTo>
-                    <a:pt x="1444880" y="395922"/>
-                  </a:lnTo>
-                  <a:lnTo>
-                    <a:pt x="1493043" y="385175"/>
-                  </a:lnTo>
-                  <a:lnTo>
-                    <a:pt x="1541206" y="374107"/>
-                  </a:lnTo>
-                  <a:lnTo>
-                    <a:pt x="1589368" y="362713"/>
-                  </a:lnTo>
-                  <a:lnTo>
-                    <a:pt x="1637531" y="350989"/>
-                  </a:lnTo>
-                  <a:lnTo>
-                    <a:pt x="1685694" y="338931"/>
-                  </a:lnTo>
-                  <a:lnTo>
-                    <a:pt x="1733856" y="326533"/>
-                  </a:lnTo>
-                  <a:lnTo>
-                    <a:pt x="1782019" y="313790"/>
-                  </a:lnTo>
-                  <a:lnTo>
-                    <a:pt x="1830182" y="300699"/>
-                  </a:lnTo>
-                  <a:lnTo>
-                    <a:pt x="1878345" y="287254"/>
-                  </a:lnTo>
-                  <a:lnTo>
-                    <a:pt x="1926507" y="273450"/>
-                  </a:lnTo>
-                  <a:lnTo>
-                    <a:pt x="1974670" y="259284"/>
-                  </a:lnTo>
-                  <a:lnTo>
-                    <a:pt x="2022833" y="244749"/>
-                  </a:lnTo>
-                  <a:lnTo>
-                    <a:pt x="2070995" y="229842"/>
-                  </a:lnTo>
-                  <a:lnTo>
-                    <a:pt x="2119158" y="214558"/>
-                  </a:lnTo>
-                  <a:lnTo>
-                    <a:pt x="2167321" y="198891"/>
-                  </a:lnTo>
-                  <a:lnTo>
-                    <a:pt x="2215483" y="182838"/>
-                  </a:lnTo>
-                  <a:lnTo>
-                    <a:pt x="2263646" y="166394"/>
-                  </a:lnTo>
-                  <a:lnTo>
-                    <a:pt x="2311809" y="149553"/>
-                  </a:lnTo>
-                  <a:lnTo>
-                    <a:pt x="2359972" y="132311"/>
-                  </a:lnTo>
-                  <a:lnTo>
-                    <a:pt x="2408134" y="114664"/>
-                  </a:lnTo>
-                  <a:lnTo>
-                    <a:pt x="2456297" y="96607"/>
-                  </a:lnTo>
-                  <a:lnTo>
-                    <a:pt x="2504460" y="78134"/>
-                  </a:lnTo>
-                  <a:lnTo>
-                    <a:pt x="2552622" y="59242"/>
-                  </a:lnTo>
-                  <a:lnTo>
-                    <a:pt x="2600785" y="39925"/>
-                  </a:lnTo>
-                  <a:lnTo>
-                    <a:pt x="2648948" y="20179"/>
-                  </a:lnTo>
-                  <a:lnTo>
-                    <a:pt x="2697110" y="0"/>
+                    <a:pt x="46501" y="424929"/>
+                  </a:lnTo>
+                  <a:lnTo>
+                    <a:pt x="93003" y="422692"/>
+                  </a:lnTo>
+                  <a:lnTo>
+                    <a:pt x="139505" y="420320"/>
+                  </a:lnTo>
+                  <a:lnTo>
+                    <a:pt x="186007" y="417810"/>
+                  </a:lnTo>
+                  <a:lnTo>
+                    <a:pt x="232509" y="415159"/>
+                  </a:lnTo>
+                  <a:lnTo>
+                    <a:pt x="279011" y="412361"/>
+                  </a:lnTo>
+                  <a:lnTo>
+                    <a:pt x="325513" y="409414"/>
+                  </a:lnTo>
+                  <a:lnTo>
+                    <a:pt x="372015" y="406312"/>
+                  </a:lnTo>
+                  <a:lnTo>
+                    <a:pt x="418517" y="403053"/>
+                  </a:lnTo>
+                  <a:lnTo>
+                    <a:pt x="465019" y="399633"/>
+                  </a:lnTo>
+                  <a:lnTo>
+                    <a:pt x="511521" y="396047"/>
+                  </a:lnTo>
+                  <a:lnTo>
+                    <a:pt x="558022" y="392291"/>
+                  </a:lnTo>
+                  <a:lnTo>
+                    <a:pt x="604524" y="388363"/>
+                  </a:lnTo>
+                  <a:lnTo>
+                    <a:pt x="651026" y="384257"/>
+                  </a:lnTo>
+                  <a:lnTo>
+                    <a:pt x="697528" y="379969"/>
+                  </a:lnTo>
+                  <a:lnTo>
+                    <a:pt x="744030" y="375497"/>
+                  </a:lnTo>
+                  <a:lnTo>
+                    <a:pt x="790532" y="370836"/>
+                  </a:lnTo>
+                  <a:lnTo>
+                    <a:pt x="837034" y="365982"/>
+                  </a:lnTo>
+                  <a:lnTo>
+                    <a:pt x="883536" y="360932"/>
+                  </a:lnTo>
+                  <a:lnTo>
+                    <a:pt x="930038" y="355680"/>
+                  </a:lnTo>
+                  <a:lnTo>
+                    <a:pt x="976540" y="350224"/>
+                  </a:lnTo>
+                  <a:lnTo>
+                    <a:pt x="1023042" y="344560"/>
+                  </a:lnTo>
+                  <a:lnTo>
+                    <a:pt x="1069543" y="338683"/>
+                  </a:lnTo>
+                  <a:lnTo>
+                    <a:pt x="1116045" y="332590"/>
+                  </a:lnTo>
+                  <a:lnTo>
+                    <a:pt x="1162547" y="326276"/>
+                  </a:lnTo>
+                  <a:lnTo>
+                    <a:pt x="1209049" y="319739"/>
+                  </a:lnTo>
+                  <a:lnTo>
+                    <a:pt x="1255551" y="312973"/>
+                  </a:lnTo>
+                  <a:lnTo>
+                    <a:pt x="1302053" y="305976"/>
+                  </a:lnTo>
+                  <a:lnTo>
+                    <a:pt x="1348555" y="298742"/>
+                  </a:lnTo>
+                  <a:lnTo>
+                    <a:pt x="1395057" y="291269"/>
+                  </a:lnTo>
+                  <a:lnTo>
+                    <a:pt x="1441559" y="283552"/>
+                  </a:lnTo>
+                  <a:lnTo>
+                    <a:pt x="1488061" y="275588"/>
+                  </a:lnTo>
+                  <a:lnTo>
+                    <a:pt x="1534563" y="267372"/>
+                  </a:lnTo>
+                  <a:lnTo>
+                    <a:pt x="1581064" y="258901"/>
+                  </a:lnTo>
+                  <a:lnTo>
+                    <a:pt x="1627566" y="250170"/>
+                  </a:lnTo>
+                  <a:lnTo>
+                    <a:pt x="1674068" y="241176"/>
+                  </a:lnTo>
+                  <a:lnTo>
+                    <a:pt x="1720570" y="231915"/>
+                  </a:lnTo>
+                  <a:lnTo>
+                    <a:pt x="1767072" y="222383"/>
+                  </a:lnTo>
+                  <a:lnTo>
+                    <a:pt x="1813574" y="212576"/>
+                  </a:lnTo>
+                  <a:lnTo>
+                    <a:pt x="1860076" y="202490"/>
+                  </a:lnTo>
+                  <a:lnTo>
+                    <a:pt x="1906578" y="192121"/>
+                  </a:lnTo>
+                  <a:lnTo>
+                    <a:pt x="1953080" y="181466"/>
+                  </a:lnTo>
+                  <a:lnTo>
+                    <a:pt x="1999582" y="170520"/>
+                  </a:lnTo>
+                  <a:lnTo>
+                    <a:pt x="2046084" y="159280"/>
+                  </a:lnTo>
+                  <a:lnTo>
+                    <a:pt x="2092586" y="147741"/>
+                  </a:lnTo>
+                  <a:lnTo>
+                    <a:pt x="2139087" y="135899"/>
+                  </a:lnTo>
+                  <a:lnTo>
+                    <a:pt x="2185589" y="123752"/>
+                  </a:lnTo>
+                  <a:lnTo>
+                    <a:pt x="2232091" y="111294"/>
+                  </a:lnTo>
+                  <a:lnTo>
+                    <a:pt x="2278593" y="98523"/>
+                  </a:lnTo>
+                  <a:lnTo>
+                    <a:pt x="2325095" y="85433"/>
+                  </a:lnTo>
+                  <a:lnTo>
+                    <a:pt x="2371597" y="72022"/>
+                  </a:lnTo>
+                  <a:lnTo>
+                    <a:pt x="2418099" y="58284"/>
+                  </a:lnTo>
+                  <a:lnTo>
+                    <a:pt x="2464601" y="44218"/>
+                  </a:lnTo>
+                  <a:lnTo>
+                    <a:pt x="2511103" y="29817"/>
+                  </a:lnTo>
+                  <a:lnTo>
+                    <a:pt x="2557605" y="15079"/>
+                  </a:lnTo>
+                  <a:lnTo>
+                    <a:pt x="2604107" y="0"/>
                   </a:lnTo>
                 </a:path>
               </a:pathLst>
@@ -5576,6 +4916,976 @@
           </p:nvSpPr>
           <p:spPr>
             <a:xfrm>
+              <a:off x="1557153" y="6378270"/>
+              <a:ext cx="2604107" cy="690209"/>
+            </a:xfrm>
+            <a:custGeom>
+              <a:avLst/>
+              <a:pathLst>
+                <a:path w="2604107" h="690209">
+                  <a:moveTo>
+                    <a:pt x="0" y="690209"/>
+                  </a:moveTo>
+                  <a:lnTo>
+                    <a:pt x="46501" y="686502"/>
+                  </a:lnTo>
+                  <a:lnTo>
+                    <a:pt x="93003" y="682585"/>
+                  </a:lnTo>
+                  <a:lnTo>
+                    <a:pt x="139505" y="678452"/>
+                  </a:lnTo>
+                  <a:lnTo>
+                    <a:pt x="186007" y="674099"/>
+                  </a:lnTo>
+                  <a:lnTo>
+                    <a:pt x="232509" y="669518"/>
+                  </a:lnTo>
+                  <a:lnTo>
+                    <a:pt x="279011" y="664705"/>
+                  </a:lnTo>
+                  <a:lnTo>
+                    <a:pt x="325513" y="659653"/>
+                  </a:lnTo>
+                  <a:lnTo>
+                    <a:pt x="372015" y="654358"/>
+                  </a:lnTo>
+                  <a:lnTo>
+                    <a:pt x="418517" y="648812"/>
+                  </a:lnTo>
+                  <a:lnTo>
+                    <a:pt x="465019" y="643010"/>
+                  </a:lnTo>
+                  <a:lnTo>
+                    <a:pt x="511521" y="636947"/>
+                  </a:lnTo>
+                  <a:lnTo>
+                    <a:pt x="558022" y="630617"/>
+                  </a:lnTo>
+                  <a:lnTo>
+                    <a:pt x="604524" y="624014"/>
+                  </a:lnTo>
+                  <a:lnTo>
+                    <a:pt x="651026" y="617132"/>
+                  </a:lnTo>
+                  <a:lnTo>
+                    <a:pt x="697528" y="609965"/>
+                  </a:lnTo>
+                  <a:lnTo>
+                    <a:pt x="744030" y="602508"/>
+                  </a:lnTo>
+                  <a:lnTo>
+                    <a:pt x="790532" y="594755"/>
+                  </a:lnTo>
+                  <a:lnTo>
+                    <a:pt x="837034" y="586700"/>
+                  </a:lnTo>
+                  <a:lnTo>
+                    <a:pt x="883536" y="578338"/>
+                  </a:lnTo>
+                  <a:lnTo>
+                    <a:pt x="930038" y="569662"/>
+                  </a:lnTo>
+                  <a:lnTo>
+                    <a:pt x="976540" y="560667"/>
+                  </a:lnTo>
+                  <a:lnTo>
+                    <a:pt x="1023042" y="551347"/>
+                  </a:lnTo>
+                  <a:lnTo>
+                    <a:pt x="1069543" y="541696"/>
+                  </a:lnTo>
+                  <a:lnTo>
+                    <a:pt x="1116045" y="531709"/>
+                  </a:lnTo>
+                  <a:lnTo>
+                    <a:pt x="1162547" y="521380"/>
+                  </a:lnTo>
+                  <a:lnTo>
+                    <a:pt x="1209049" y="510703"/>
+                  </a:lnTo>
+                  <a:lnTo>
+                    <a:pt x="1255551" y="499672"/>
+                  </a:lnTo>
+                  <a:lnTo>
+                    <a:pt x="1302053" y="488282"/>
+                  </a:lnTo>
+                  <a:lnTo>
+                    <a:pt x="1348555" y="476526"/>
+                  </a:lnTo>
+                  <a:lnTo>
+                    <a:pt x="1395057" y="464400"/>
+                  </a:lnTo>
+                  <a:lnTo>
+                    <a:pt x="1441559" y="451896"/>
+                  </a:lnTo>
+                  <a:lnTo>
+                    <a:pt x="1488061" y="439010"/>
+                  </a:lnTo>
+                  <a:lnTo>
+                    <a:pt x="1534563" y="425736"/>
+                  </a:lnTo>
+                  <a:lnTo>
+                    <a:pt x="1581064" y="412068"/>
+                  </a:lnTo>
+                  <a:lnTo>
+                    <a:pt x="1627566" y="398000"/>
+                  </a:lnTo>
+                  <a:lnTo>
+                    <a:pt x="1674068" y="383526"/>
+                  </a:lnTo>
+                  <a:lnTo>
+                    <a:pt x="1720570" y="368641"/>
+                  </a:lnTo>
+                  <a:lnTo>
+                    <a:pt x="1767072" y="353339"/>
+                  </a:lnTo>
+                  <a:lnTo>
+                    <a:pt x="1813574" y="337614"/>
+                  </a:lnTo>
+                  <a:lnTo>
+                    <a:pt x="1860076" y="321460"/>
+                  </a:lnTo>
+                  <a:lnTo>
+                    <a:pt x="1906578" y="304872"/>
+                  </a:lnTo>
+                  <a:lnTo>
+                    <a:pt x="1953080" y="287844"/>
+                  </a:lnTo>
+                  <a:lnTo>
+                    <a:pt x="1999582" y="270369"/>
+                  </a:lnTo>
+                  <a:lnTo>
+                    <a:pt x="2046084" y="252443"/>
+                  </a:lnTo>
+                  <a:lnTo>
+                    <a:pt x="2092586" y="234060"/>
+                  </a:lnTo>
+                  <a:lnTo>
+                    <a:pt x="2139087" y="215213"/>
+                  </a:lnTo>
+                  <a:lnTo>
+                    <a:pt x="2185589" y="195897"/>
+                  </a:lnTo>
+                  <a:lnTo>
+                    <a:pt x="2232091" y="176107"/>
+                  </a:lnTo>
+                  <a:lnTo>
+                    <a:pt x="2278593" y="155836"/>
+                  </a:lnTo>
+                  <a:lnTo>
+                    <a:pt x="2325095" y="135078"/>
+                  </a:lnTo>
+                  <a:lnTo>
+                    <a:pt x="2371597" y="113829"/>
+                  </a:lnTo>
+                  <a:lnTo>
+                    <a:pt x="2418099" y="92082"/>
+                  </a:lnTo>
+                  <a:lnTo>
+                    <a:pt x="2464601" y="69831"/>
+                  </a:lnTo>
+                  <a:lnTo>
+                    <a:pt x="2511103" y="47071"/>
+                  </a:lnTo>
+                  <a:lnTo>
+                    <a:pt x="2557605" y="23796"/>
+                  </a:lnTo>
+                  <a:lnTo>
+                    <a:pt x="2604107" y="0"/>
+                  </a:lnTo>
+                </a:path>
+              </a:pathLst>
+            </a:custGeom>
+            <a:ln w="32521" cap="flat">
+              <a:solidFill>
+                <a:srgbClr val="F42404">
+                  <a:alpha val="80000"/>
+                </a:srgbClr>
+              </a:solidFill>
+              <a:prstDash val="solid"/>
+              <a:round/>
+            </a:ln>
+          </p:spPr>
+          <p:txBody>
+            <a:bodyPr/>
+            <a:lstStyle/>
+            <a:p/>
+          </p:txBody>
+        </p:sp>
+        <p:sp>
+          <p:nvSpPr>
+            <p:cNvPr id="47" name="pl47"/>
+            <p:cNvSpPr/>
+            <p:nvPr/>
+          </p:nvSpPr>
+          <p:spPr>
+            <a:xfrm>
+              <a:off x="1557153" y="6462681"/>
+              <a:ext cx="2604107" cy="601071"/>
+            </a:xfrm>
+            <a:custGeom>
+              <a:avLst/>
+              <a:pathLst>
+                <a:path w="2604107" h="601071">
+                  <a:moveTo>
+                    <a:pt x="0" y="601071"/>
+                  </a:moveTo>
+                  <a:lnTo>
+                    <a:pt x="46501" y="597455"/>
+                  </a:lnTo>
+                  <a:lnTo>
+                    <a:pt x="93003" y="593659"/>
+                  </a:lnTo>
+                  <a:lnTo>
+                    <a:pt x="139505" y="589678"/>
+                  </a:lnTo>
+                  <a:lnTo>
+                    <a:pt x="186007" y="585509"/>
+                  </a:lnTo>
+                  <a:lnTo>
+                    <a:pt x="232509" y="581146"/>
+                  </a:lnTo>
+                  <a:lnTo>
+                    <a:pt x="279011" y="576586"/>
+                  </a:lnTo>
+                  <a:lnTo>
+                    <a:pt x="325513" y="571824"/>
+                  </a:lnTo>
+                  <a:lnTo>
+                    <a:pt x="372015" y="566855"/>
+                  </a:lnTo>
+                  <a:lnTo>
+                    <a:pt x="418517" y="561676"/>
+                  </a:lnTo>
+                  <a:lnTo>
+                    <a:pt x="465019" y="556282"/>
+                  </a:lnTo>
+                  <a:lnTo>
+                    <a:pt x="511521" y="550668"/>
+                  </a:lnTo>
+                  <a:lnTo>
+                    <a:pt x="558022" y="544831"/>
+                  </a:lnTo>
+                  <a:lnTo>
+                    <a:pt x="604524" y="538765"/>
+                  </a:lnTo>
+                  <a:lnTo>
+                    <a:pt x="651026" y="532467"/>
+                  </a:lnTo>
+                  <a:lnTo>
+                    <a:pt x="697528" y="525932"/>
+                  </a:lnTo>
+                  <a:lnTo>
+                    <a:pt x="744030" y="519155"/>
+                  </a:lnTo>
+                  <a:lnTo>
+                    <a:pt x="790532" y="512133"/>
+                  </a:lnTo>
+                  <a:lnTo>
+                    <a:pt x="837034" y="504861"/>
+                  </a:lnTo>
+                  <a:lnTo>
+                    <a:pt x="883536" y="497334"/>
+                  </a:lnTo>
+                  <a:lnTo>
+                    <a:pt x="930038" y="489549"/>
+                  </a:lnTo>
+                  <a:lnTo>
+                    <a:pt x="976540" y="481500"/>
+                  </a:lnTo>
+                  <a:lnTo>
+                    <a:pt x="1023042" y="473184"/>
+                  </a:lnTo>
+                  <a:lnTo>
+                    <a:pt x="1069543" y="464596"/>
+                  </a:lnTo>
+                  <a:lnTo>
+                    <a:pt x="1116045" y="455732"/>
+                  </a:lnTo>
+                  <a:lnTo>
+                    <a:pt x="1162547" y="446587"/>
+                  </a:lnTo>
+                  <a:lnTo>
+                    <a:pt x="1209049" y="437156"/>
+                  </a:lnTo>
+                  <a:lnTo>
+                    <a:pt x="1255551" y="427437"/>
+                  </a:lnTo>
+                  <a:lnTo>
+                    <a:pt x="1302053" y="417423"/>
+                  </a:lnTo>
+                  <a:lnTo>
+                    <a:pt x="1348555" y="407112"/>
+                  </a:lnTo>
+                  <a:lnTo>
+                    <a:pt x="1395057" y="396498"/>
+                  </a:lnTo>
+                  <a:lnTo>
+                    <a:pt x="1441559" y="385577"/>
+                  </a:lnTo>
+                  <a:lnTo>
+                    <a:pt x="1488061" y="374344"/>
+                  </a:lnTo>
+                  <a:lnTo>
+                    <a:pt x="1534563" y="362796"/>
+                  </a:lnTo>
+                  <a:lnTo>
+                    <a:pt x="1581064" y="350928"/>
+                  </a:lnTo>
+                  <a:lnTo>
+                    <a:pt x="1627566" y="338735"/>
+                  </a:lnTo>
+                  <a:lnTo>
+                    <a:pt x="1674068" y="326214"/>
+                  </a:lnTo>
+                  <a:lnTo>
+                    <a:pt x="1720570" y="313359"/>
+                  </a:lnTo>
+                  <a:lnTo>
+                    <a:pt x="1767072" y="300167"/>
+                  </a:lnTo>
+                  <a:lnTo>
+                    <a:pt x="1813574" y="286633"/>
+                  </a:lnTo>
+                  <a:lnTo>
+                    <a:pt x="1860076" y="272753"/>
+                  </a:lnTo>
+                  <a:lnTo>
+                    <a:pt x="1906578" y="258522"/>
+                  </a:lnTo>
+                  <a:lnTo>
+                    <a:pt x="1953080" y="243936"/>
+                  </a:lnTo>
+                  <a:lnTo>
+                    <a:pt x="1999582" y="228990"/>
+                  </a:lnTo>
+                  <a:lnTo>
+                    <a:pt x="2046084" y="213681"/>
+                  </a:lnTo>
+                  <a:lnTo>
+                    <a:pt x="2092586" y="198003"/>
+                  </a:lnTo>
+                  <a:lnTo>
+                    <a:pt x="2139087" y="181953"/>
+                  </a:lnTo>
+                  <a:lnTo>
+                    <a:pt x="2185589" y="165526"/>
+                  </a:lnTo>
+                  <a:lnTo>
+                    <a:pt x="2232091" y="148718"/>
+                  </a:lnTo>
+                  <a:lnTo>
+                    <a:pt x="2278593" y="131524"/>
+                  </a:lnTo>
+                  <a:lnTo>
+                    <a:pt x="2325095" y="113940"/>
+                  </a:lnTo>
+                  <a:lnTo>
+                    <a:pt x="2371597" y="95962"/>
+                  </a:lnTo>
+                  <a:lnTo>
+                    <a:pt x="2418099" y="77584"/>
+                  </a:lnTo>
+                  <a:lnTo>
+                    <a:pt x="2464601" y="58804"/>
+                  </a:lnTo>
+                  <a:lnTo>
+                    <a:pt x="2511103" y="39616"/>
+                  </a:lnTo>
+                  <a:lnTo>
+                    <a:pt x="2557605" y="20016"/>
+                  </a:lnTo>
+                  <a:lnTo>
+                    <a:pt x="2604107" y="0"/>
+                  </a:lnTo>
+                </a:path>
+              </a:pathLst>
+            </a:custGeom>
+            <a:ln w="32521" cap="flat">
+              <a:solidFill>
+                <a:srgbClr val="F42404">
+                  <a:alpha val="80000"/>
+                </a:srgbClr>
+              </a:solidFill>
+              <a:prstDash val="solid"/>
+              <a:round/>
+            </a:ln>
+          </p:spPr>
+          <p:txBody>
+            <a:bodyPr/>
+            <a:lstStyle/>
+            <a:p/>
+          </p:txBody>
+        </p:sp>
+        <p:sp>
+          <p:nvSpPr>
+            <p:cNvPr id="48" name="pl48"/>
+            <p:cNvSpPr/>
+            <p:nvPr/>
+          </p:nvSpPr>
+          <p:spPr>
+            <a:xfrm>
+              <a:off x="1557153" y="6223007"/>
+              <a:ext cx="2604107" cy="836964"/>
+            </a:xfrm>
+            <a:custGeom>
+              <a:avLst/>
+              <a:pathLst>
+                <a:path w="2604107" h="836964">
+                  <a:moveTo>
+                    <a:pt x="0" y="836964"/>
+                  </a:moveTo>
+                  <a:lnTo>
+                    <a:pt x="46501" y="832490"/>
+                  </a:lnTo>
+                  <a:lnTo>
+                    <a:pt x="93003" y="827762"/>
+                  </a:lnTo>
+                  <a:lnTo>
+                    <a:pt x="139505" y="822772"/>
+                  </a:lnTo>
+                  <a:lnTo>
+                    <a:pt x="186007" y="817514"/>
+                  </a:lnTo>
+                  <a:lnTo>
+                    <a:pt x="232509" y="811981"/>
+                  </a:lnTo>
+                  <a:lnTo>
+                    <a:pt x="279011" y="806165"/>
+                  </a:lnTo>
+                  <a:lnTo>
+                    <a:pt x="325513" y="800060"/>
+                  </a:lnTo>
+                  <a:lnTo>
+                    <a:pt x="372015" y="793658"/>
+                  </a:lnTo>
+                  <a:lnTo>
+                    <a:pt x="418517" y="786953"/>
+                  </a:lnTo>
+                  <a:lnTo>
+                    <a:pt x="465019" y="779938"/>
+                  </a:lnTo>
+                  <a:lnTo>
+                    <a:pt x="511521" y="772605"/>
+                  </a:lnTo>
+                  <a:lnTo>
+                    <a:pt x="558022" y="764947"/>
+                  </a:lnTo>
+                  <a:lnTo>
+                    <a:pt x="604524" y="756958"/>
+                  </a:lnTo>
+                  <a:lnTo>
+                    <a:pt x="651026" y="748630"/>
+                  </a:lnTo>
+                  <a:lnTo>
+                    <a:pt x="697528" y="739956"/>
+                  </a:lnTo>
+                  <a:lnTo>
+                    <a:pt x="744030" y="730930"/>
+                  </a:lnTo>
+                  <a:lnTo>
+                    <a:pt x="790532" y="721544"/>
+                  </a:lnTo>
+                  <a:lnTo>
+                    <a:pt x="837034" y="711791"/>
+                  </a:lnTo>
+                  <a:lnTo>
+                    <a:pt x="883536" y="701665"/>
+                  </a:lnTo>
+                  <a:lnTo>
+                    <a:pt x="930038" y="691158"/>
+                  </a:lnTo>
+                  <a:lnTo>
+                    <a:pt x="976540" y="680263"/>
+                  </a:lnTo>
+                  <a:lnTo>
+                    <a:pt x="1023042" y="668973"/>
+                  </a:lnTo>
+                  <a:lnTo>
+                    <a:pt x="1069543" y="657281"/>
+                  </a:lnTo>
+                  <a:lnTo>
+                    <a:pt x="1116045" y="645180"/>
+                  </a:lnTo>
+                  <a:lnTo>
+                    <a:pt x="1162547" y="632664"/>
+                  </a:lnTo>
+                  <a:lnTo>
+                    <a:pt x="1209049" y="619724"/>
+                  </a:lnTo>
+                  <a:lnTo>
+                    <a:pt x="1255551" y="606355"/>
+                  </a:lnTo>
+                  <a:lnTo>
+                    <a:pt x="1302053" y="592548"/>
+                  </a:lnTo>
+                  <a:lnTo>
+                    <a:pt x="1348555" y="578297"/>
+                  </a:lnTo>
+                  <a:lnTo>
+                    <a:pt x="1395057" y="563596"/>
+                  </a:lnTo>
+                  <a:lnTo>
+                    <a:pt x="1441559" y="548436"/>
+                  </a:lnTo>
+                  <a:lnTo>
+                    <a:pt x="1488061" y="532811"/>
+                  </a:lnTo>
+                  <a:lnTo>
+                    <a:pt x="1534563" y="516714"/>
+                  </a:lnTo>
+                  <a:lnTo>
+                    <a:pt x="1581064" y="500138"/>
+                  </a:lnTo>
+                  <a:lnTo>
+                    <a:pt x="1627566" y="483075"/>
+                  </a:lnTo>
+                  <a:lnTo>
+                    <a:pt x="1674068" y="465519"/>
+                  </a:lnTo>
+                  <a:lnTo>
+                    <a:pt x="1720570" y="447463"/>
+                  </a:lnTo>
+                  <a:lnTo>
+                    <a:pt x="1767072" y="428900"/>
+                  </a:lnTo>
+                  <a:lnTo>
+                    <a:pt x="1813574" y="409822"/>
+                  </a:lnTo>
+                  <a:lnTo>
+                    <a:pt x="1860076" y="390223"/>
+                  </a:lnTo>
+                  <a:lnTo>
+                    <a:pt x="1906578" y="370096"/>
+                  </a:lnTo>
+                  <a:lnTo>
+                    <a:pt x="1953080" y="349433"/>
+                  </a:lnTo>
+                  <a:lnTo>
+                    <a:pt x="1999582" y="328228"/>
+                  </a:lnTo>
+                  <a:lnTo>
+                    <a:pt x="2046084" y="306473"/>
+                  </a:lnTo>
+                  <a:lnTo>
+                    <a:pt x="2092586" y="284162"/>
+                  </a:lnTo>
+                  <a:lnTo>
+                    <a:pt x="2139087" y="261287"/>
+                  </a:lnTo>
+                  <a:lnTo>
+                    <a:pt x="2185589" y="237842"/>
+                  </a:lnTo>
+                  <a:lnTo>
+                    <a:pt x="2232091" y="213819"/>
+                  </a:lnTo>
+                  <a:lnTo>
+                    <a:pt x="2278593" y="189212"/>
+                  </a:lnTo>
+                  <a:lnTo>
+                    <a:pt x="2325095" y="164012"/>
+                  </a:lnTo>
+                  <a:lnTo>
+                    <a:pt x="2371597" y="138215"/>
+                  </a:lnTo>
+                  <a:lnTo>
+                    <a:pt x="2418099" y="111811"/>
+                  </a:lnTo>
+                  <a:lnTo>
+                    <a:pt x="2464601" y="84795"/>
+                  </a:lnTo>
+                  <a:lnTo>
+                    <a:pt x="2511103" y="57159"/>
+                  </a:lnTo>
+                  <a:lnTo>
+                    <a:pt x="2557605" y="28896"/>
+                  </a:lnTo>
+                  <a:lnTo>
+                    <a:pt x="2604107" y="0"/>
+                  </a:lnTo>
+                </a:path>
+              </a:pathLst>
+            </a:custGeom>
+            <a:ln w="32521" cap="flat">
+              <a:solidFill>
+                <a:srgbClr val="F42404">
+                  <a:alpha val="80000"/>
+                </a:srgbClr>
+              </a:solidFill>
+              <a:prstDash val="solid"/>
+              <a:round/>
+            </a:ln>
+          </p:spPr>
+          <p:txBody>
+            <a:bodyPr/>
+            <a:lstStyle/>
+            <a:p/>
+          </p:txBody>
+        </p:sp>
+        <p:sp>
+          <p:nvSpPr>
+            <p:cNvPr id="49" name="pl49"/>
+            <p:cNvSpPr/>
+            <p:nvPr/>
+          </p:nvSpPr>
+          <p:spPr>
+            <a:xfrm>
+              <a:off x="1557153" y="6478511"/>
+              <a:ext cx="2604107" cy="592600"/>
+            </a:xfrm>
+            <a:custGeom>
+              <a:avLst/>
+              <a:pathLst>
+                <a:path w="2604107" h="592600">
+                  <a:moveTo>
+                    <a:pt x="0" y="592600"/>
+                  </a:moveTo>
+                  <a:lnTo>
+                    <a:pt x="46501" y="589281"/>
+                  </a:lnTo>
+                  <a:lnTo>
+                    <a:pt x="93003" y="585783"/>
+                  </a:lnTo>
+                  <a:lnTo>
+                    <a:pt x="139505" y="582101"/>
+                  </a:lnTo>
+                  <a:lnTo>
+                    <a:pt x="186007" y="578231"/>
+                  </a:lnTo>
+                  <a:lnTo>
+                    <a:pt x="232509" y="574167"/>
+                  </a:lnTo>
+                  <a:lnTo>
+                    <a:pt x="279011" y="569905"/>
+                  </a:lnTo>
+                  <a:lnTo>
+                    <a:pt x="325513" y="565440"/>
+                  </a:lnTo>
+                  <a:lnTo>
+                    <a:pt x="372015" y="560768"/>
+                  </a:lnTo>
+                  <a:lnTo>
+                    <a:pt x="418517" y="555883"/>
+                  </a:lnTo>
+                  <a:lnTo>
+                    <a:pt x="465019" y="550782"/>
+                  </a:lnTo>
+                  <a:lnTo>
+                    <a:pt x="511521" y="545458"/>
+                  </a:lnTo>
+                  <a:lnTo>
+                    <a:pt x="558022" y="539908"/>
+                  </a:lnTo>
+                  <a:lnTo>
+                    <a:pt x="604524" y="534128"/>
+                  </a:lnTo>
+                  <a:lnTo>
+                    <a:pt x="651026" y="528111"/>
+                  </a:lnTo>
+                  <a:lnTo>
+                    <a:pt x="697528" y="521854"/>
+                  </a:lnTo>
+                  <a:lnTo>
+                    <a:pt x="744030" y="515351"/>
+                  </a:lnTo>
+                  <a:lnTo>
+                    <a:pt x="790532" y="508599"/>
+                  </a:lnTo>
+                  <a:lnTo>
+                    <a:pt x="837034" y="501591"/>
+                  </a:lnTo>
+                  <a:lnTo>
+                    <a:pt x="883536" y="494325"/>
+                  </a:lnTo>
+                  <a:lnTo>
+                    <a:pt x="930038" y="486794"/>
+                  </a:lnTo>
+                  <a:lnTo>
+                    <a:pt x="976540" y="478994"/>
+                  </a:lnTo>
+                  <a:lnTo>
+                    <a:pt x="1023042" y="470921"/>
+                  </a:lnTo>
+                  <a:lnTo>
+                    <a:pt x="1069543" y="462570"/>
+                  </a:lnTo>
+                  <a:lnTo>
+                    <a:pt x="1116045" y="453935"/>
+                  </a:lnTo>
+                  <a:lnTo>
+                    <a:pt x="1162547" y="445013"/>
+                  </a:lnTo>
+                  <a:lnTo>
+                    <a:pt x="1209049" y="435799"/>
+                  </a:lnTo>
+                  <a:lnTo>
+                    <a:pt x="1255551" y="426287"/>
+                  </a:lnTo>
+                  <a:lnTo>
+                    <a:pt x="1302053" y="416474"/>
+                  </a:lnTo>
+                  <a:lnTo>
+                    <a:pt x="1348555" y="406353"/>
+                  </a:lnTo>
+                  <a:lnTo>
+                    <a:pt x="1395057" y="395922"/>
+                  </a:lnTo>
+                  <a:lnTo>
+                    <a:pt x="1441559" y="385175"/>
+                  </a:lnTo>
+                  <a:lnTo>
+                    <a:pt x="1488061" y="374107"/>
+                  </a:lnTo>
+                  <a:lnTo>
+                    <a:pt x="1534563" y="362713"/>
+                  </a:lnTo>
+                  <a:lnTo>
+                    <a:pt x="1581064" y="350989"/>
+                  </a:lnTo>
+                  <a:lnTo>
+                    <a:pt x="1627566" y="338931"/>
+                  </a:lnTo>
+                  <a:lnTo>
+                    <a:pt x="1674068" y="326533"/>
+                  </a:lnTo>
+                  <a:lnTo>
+                    <a:pt x="1720570" y="313790"/>
+                  </a:lnTo>
+                  <a:lnTo>
+                    <a:pt x="1767072" y="300699"/>
+                  </a:lnTo>
+                  <a:lnTo>
+                    <a:pt x="1813574" y="287254"/>
+                  </a:lnTo>
+                  <a:lnTo>
+                    <a:pt x="1860076" y="273450"/>
+                  </a:lnTo>
+                  <a:lnTo>
+                    <a:pt x="1906578" y="259284"/>
+                  </a:lnTo>
+                  <a:lnTo>
+                    <a:pt x="1953080" y="244749"/>
+                  </a:lnTo>
+                  <a:lnTo>
+                    <a:pt x="1999582" y="229842"/>
+                  </a:lnTo>
+                  <a:lnTo>
+                    <a:pt x="2046084" y="214558"/>
+                  </a:lnTo>
+                  <a:lnTo>
+                    <a:pt x="2092586" y="198891"/>
+                  </a:lnTo>
+                  <a:lnTo>
+                    <a:pt x="2139087" y="182838"/>
+                  </a:lnTo>
+                  <a:lnTo>
+                    <a:pt x="2185589" y="166394"/>
+                  </a:lnTo>
+                  <a:lnTo>
+                    <a:pt x="2232091" y="149553"/>
+                  </a:lnTo>
+                  <a:lnTo>
+                    <a:pt x="2278593" y="132311"/>
+                  </a:lnTo>
+                  <a:lnTo>
+                    <a:pt x="2325095" y="114664"/>
+                  </a:lnTo>
+                  <a:lnTo>
+                    <a:pt x="2371597" y="96607"/>
+                  </a:lnTo>
+                  <a:lnTo>
+                    <a:pt x="2418099" y="78134"/>
+                  </a:lnTo>
+                  <a:lnTo>
+                    <a:pt x="2464601" y="59242"/>
+                  </a:lnTo>
+                  <a:lnTo>
+                    <a:pt x="2511103" y="39925"/>
+                  </a:lnTo>
+                  <a:lnTo>
+                    <a:pt x="2557605" y="20179"/>
+                  </a:lnTo>
+                  <a:lnTo>
+                    <a:pt x="2604107" y="0"/>
+                  </a:lnTo>
+                </a:path>
+              </a:pathLst>
+            </a:custGeom>
+            <a:ln w="32521" cap="flat">
+              <a:solidFill>
+                <a:srgbClr val="F42404">
+                  <a:alpha val="80000"/>
+                </a:srgbClr>
+              </a:solidFill>
+              <a:prstDash val="solid"/>
+              <a:round/>
+            </a:ln>
+          </p:spPr>
+          <p:txBody>
+            <a:bodyPr/>
+            <a:lstStyle/>
+            <a:p/>
+          </p:txBody>
+        </p:sp>
+        <p:sp>
+          <p:nvSpPr>
+            <p:cNvPr id="50" name="pl50"/>
+            <p:cNvSpPr/>
+            <p:nvPr/>
+          </p:nvSpPr>
+          <p:spPr>
+            <a:xfrm>
+              <a:off x="4207762" y="5166993"/>
+              <a:ext cx="0" cy="964219"/>
+            </a:xfrm>
+            <a:custGeom>
+              <a:avLst/>
+              <a:pathLst>
+                <a:path w="0" h="964219">
+                  <a:moveTo>
+                    <a:pt x="0" y="964219"/>
+                  </a:moveTo>
+                  <a:lnTo>
+                    <a:pt x="0" y="0"/>
+                  </a:lnTo>
+                </a:path>
+              </a:pathLst>
+            </a:custGeom>
+            <a:ln w="32521" cap="flat">
+              <a:solidFill>
+                <a:srgbClr val="5E81AC">
+                  <a:alpha val="50196"/>
+                </a:srgbClr>
+              </a:solidFill>
+              <a:prstDash val="solid"/>
+              <a:round/>
+            </a:ln>
+          </p:spPr>
+          <p:txBody>
+            <a:bodyPr/>
+            <a:lstStyle/>
+            <a:p/>
+          </p:txBody>
+        </p:sp>
+        <p:sp>
+          <p:nvSpPr>
+            <p:cNvPr id="51" name="pl51"/>
+            <p:cNvSpPr/>
+            <p:nvPr/>
+          </p:nvSpPr>
+          <p:spPr>
+            <a:xfrm>
+              <a:off x="4254264" y="6223007"/>
+              <a:ext cx="0" cy="438910"/>
+            </a:xfrm>
+            <a:custGeom>
+              <a:avLst/>
+              <a:pathLst>
+                <a:path w="0" h="438910">
+                  <a:moveTo>
+                    <a:pt x="0" y="438910"/>
+                  </a:moveTo>
+                  <a:lnTo>
+                    <a:pt x="0" y="0"/>
+                  </a:lnTo>
+                </a:path>
+              </a:pathLst>
+            </a:custGeom>
+            <a:ln w="32521" cap="flat">
+              <a:solidFill>
+                <a:srgbClr val="F42404">
+                  <a:alpha val="50196"/>
+                </a:srgbClr>
+              </a:solidFill>
+              <a:prstDash val="solid"/>
+              <a:round/>
+            </a:ln>
+          </p:spPr>
+          <p:txBody>
+            <a:bodyPr/>
+            <a:lstStyle/>
+            <a:p/>
+          </p:txBody>
+        </p:sp>
+        <p:sp>
+          <p:nvSpPr>
+            <p:cNvPr id="52" name="pt52"/>
+            <p:cNvSpPr/>
+            <p:nvPr/>
+          </p:nvSpPr>
+          <p:spPr>
+            <a:xfrm>
+              <a:off x="4144560" y="5669366"/>
+              <a:ext cx="126405" cy="126405"/>
+            </a:xfrm>
+            <a:prstGeom prst="ellipse">
+              <a:avLst/>
+            </a:prstGeom>
+            <a:solidFill>
+              <a:srgbClr val="5E81AC">
+                <a:alpha val="50196"/>
+              </a:srgbClr>
+            </a:solidFill>
+            <a:ln w="18000" cap="rnd">
+              <a:solidFill>
+                <a:srgbClr val="5E81AC">
+                  <a:alpha val="50196"/>
+                </a:srgbClr>
+              </a:solidFill>
+              <a:prstDash val="solid"/>
+              <a:round/>
+            </a:ln>
+          </p:spPr>
+          <p:txBody>
+            <a:bodyPr/>
+            <a:lstStyle/>
+            <a:p/>
+          </p:txBody>
+        </p:sp>
+        <p:sp>
+          <p:nvSpPr>
+            <p:cNvPr id="53" name="pt53"/>
+            <p:cNvSpPr/>
+            <p:nvPr/>
+          </p:nvSpPr>
+          <p:spPr>
+            <a:xfrm>
+              <a:off x="4191061" y="6377675"/>
+              <a:ext cx="126405" cy="126405"/>
+            </a:xfrm>
+            <a:prstGeom prst="ellipse">
+              <a:avLst/>
+            </a:prstGeom>
+            <a:solidFill>
+              <a:srgbClr val="F42404">
+                <a:alpha val="50196"/>
+              </a:srgbClr>
+            </a:solidFill>
+            <a:ln w="18000" cap="rnd">
+              <a:solidFill>
+                <a:srgbClr val="F42404">
+                  <a:alpha val="50196"/>
+                </a:srgbClr>
+              </a:solidFill>
+              <a:prstDash val="solid"/>
+              <a:round/>
+            </a:ln>
+          </p:spPr>
+          <p:txBody>
+            <a:bodyPr/>
+            <a:lstStyle/>
+            <a:p/>
+          </p:txBody>
+        </p:sp>
+        <p:sp>
+          <p:nvSpPr>
+            <p:cNvPr id="54" name="pl54"/>
+            <p:cNvSpPr/>
+            <p:nvPr/>
+          </p:nvSpPr>
+          <p:spPr>
+            <a:xfrm>
               <a:off x="1422298" y="5070853"/>
               <a:ext cx="0" cy="2115078"/>
             </a:xfrm>
@@ -5610,7 +5920,7 @@
         </p:sp>
         <p:sp>
           <p:nvSpPr>
-            <p:cNvPr id="47" name="pl47"/>
+            <p:cNvPr id="55" name="pl55"/>
             <p:cNvSpPr/>
             <p:nvPr/>
           </p:nvSpPr>
@@ -5653,7 +5963,7 @@
         </p:sp>
         <p:sp>
           <p:nvSpPr>
-            <p:cNvPr id="48" name="pl48"/>
+            <p:cNvPr id="56" name="pl56"/>
             <p:cNvSpPr/>
             <p:nvPr/>
           </p:nvSpPr>
@@ -5693,7 +6003,7 @@
         </p:sp>
         <p:sp>
           <p:nvSpPr>
-            <p:cNvPr id="49" name="tx49"/>
+            <p:cNvPr id="57" name="tx57"/>
             <p:cNvSpPr/>
             <p:nvPr/>
           </p:nvSpPr>
@@ -5739,7 +6049,7 @@
         </p:sp>
         <p:sp>
           <p:nvSpPr>
-            <p:cNvPr id="50" name="tx50"/>
+            <p:cNvPr id="58" name="tx58"/>
             <p:cNvSpPr/>
             <p:nvPr/>
           </p:nvSpPr>
@@ -5785,7 +6095,7 @@
         </p:sp>
         <p:sp>
           <p:nvSpPr>
-            <p:cNvPr id="51" name="tx51"/>
+            <p:cNvPr id="59" name="tx59"/>
             <p:cNvSpPr/>
             <p:nvPr/>
           </p:nvSpPr>
@@ -5831,7 +6141,7 @@
         </p:sp>
         <p:sp>
           <p:nvSpPr>
-            <p:cNvPr id="52" name="tx52"/>
+            <p:cNvPr id="60" name="tx60"/>
             <p:cNvSpPr/>
             <p:nvPr/>
           </p:nvSpPr>
@@ -5877,7 +6187,7 @@
         </p:sp>
         <p:sp>
           <p:nvSpPr>
-            <p:cNvPr id="53" name="tx53"/>
+            <p:cNvPr id="61" name="tx61"/>
             <p:cNvSpPr/>
             <p:nvPr/>
           </p:nvSpPr>
@@ -5923,7 +6233,7 @@
         </p:sp>
         <p:sp>
           <p:nvSpPr>
-            <p:cNvPr id="54" name="rc54"/>
+            <p:cNvPr id="62" name="rc62"/>
             <p:cNvSpPr/>
             <p:nvPr/>
           </p:nvSpPr>
@@ -5958,7 +6268,7 @@
         </p:sp>
         <p:sp>
           <p:nvSpPr>
-            <p:cNvPr id="55" name="rc55"/>
+            <p:cNvPr id="63" name="rc63"/>
             <p:cNvSpPr/>
             <p:nvPr/>
           </p:nvSpPr>
@@ -5984,189 +6294,189 @@
         </p:sp>
         <p:sp>
           <p:nvSpPr>
-            <p:cNvPr id="56" name="pl56"/>
+            <p:cNvPr id="64" name="pl64"/>
             <p:cNvSpPr/>
             <p:nvPr/>
           </p:nvSpPr>
           <p:spPr>
             <a:xfrm>
               <a:off x="5145164" y="6058301"/>
-              <a:ext cx="2697110" cy="1010700"/>
+              <a:ext cx="2604107" cy="1010700"/>
             </a:xfrm>
             <a:custGeom>
               <a:avLst/>
               <a:pathLst>
-                <a:path w="2697110" h="1010700">
+                <a:path w="2604107" h="1010700">
                   <a:moveTo>
                     <a:pt x="0" y="1010700"/>
                   </a:moveTo>
                   <a:lnTo>
-                    <a:pt x="48162" y="1006283"/>
-                  </a:lnTo>
-                  <a:lnTo>
-                    <a:pt x="96325" y="1001558"/>
-                  </a:lnTo>
-                  <a:lnTo>
-                    <a:pt x="144488" y="996514"/>
-                  </a:lnTo>
-                  <a:lnTo>
-                    <a:pt x="192650" y="991141"/>
-                  </a:lnTo>
-                  <a:lnTo>
-                    <a:pt x="240813" y="985428"/>
-                  </a:lnTo>
-                  <a:lnTo>
-                    <a:pt x="288976" y="979365"/>
-                  </a:lnTo>
-                  <a:lnTo>
-                    <a:pt x="337138" y="972941"/>
-                  </a:lnTo>
-                  <a:lnTo>
-                    <a:pt x="385301" y="966147"/>
-                  </a:lnTo>
-                  <a:lnTo>
-                    <a:pt x="433464" y="958972"/>
-                  </a:lnTo>
-                  <a:lnTo>
-                    <a:pt x="481626" y="951405"/>
-                  </a:lnTo>
-                  <a:lnTo>
-                    <a:pt x="529789" y="943436"/>
-                  </a:lnTo>
-                  <a:lnTo>
-                    <a:pt x="577952" y="935055"/>
-                  </a:lnTo>
-                  <a:lnTo>
-                    <a:pt x="626115" y="926250"/>
-                  </a:lnTo>
-                  <a:lnTo>
-                    <a:pt x="674277" y="917013"/>
-                  </a:lnTo>
-                  <a:lnTo>
-                    <a:pt x="722440" y="907332"/>
-                  </a:lnTo>
-                  <a:lnTo>
-                    <a:pt x="770603" y="897196"/>
-                  </a:lnTo>
-                  <a:lnTo>
-                    <a:pt x="818765" y="886597"/>
-                  </a:lnTo>
-                  <a:lnTo>
-                    <a:pt x="866928" y="875522"/>
-                  </a:lnTo>
-                  <a:lnTo>
-                    <a:pt x="915091" y="863962"/>
-                  </a:lnTo>
-                  <a:lnTo>
-                    <a:pt x="963253" y="851907"/>
-                  </a:lnTo>
-                  <a:lnTo>
-                    <a:pt x="1011416" y="839345"/>
-                  </a:lnTo>
-                  <a:lnTo>
-                    <a:pt x="1059579" y="826267"/>
-                  </a:lnTo>
-                  <a:lnTo>
-                    <a:pt x="1107741" y="812662"/>
-                  </a:lnTo>
-                  <a:lnTo>
-                    <a:pt x="1155904" y="798520"/>
-                  </a:lnTo>
-                  <a:lnTo>
-                    <a:pt x="1204067" y="783830"/>
-                  </a:lnTo>
-                  <a:lnTo>
-                    <a:pt x="1252230" y="768581"/>
-                  </a:lnTo>
-                  <a:lnTo>
-                    <a:pt x="1300392" y="752765"/>
-                  </a:lnTo>
-                  <a:lnTo>
-                    <a:pt x="1348555" y="736369"/>
-                  </a:lnTo>
-                  <a:lnTo>
-                    <a:pt x="1396718" y="719384"/>
-                  </a:lnTo>
-                  <a:lnTo>
-                    <a:pt x="1444880" y="701800"/>
-                  </a:lnTo>
-                  <a:lnTo>
-                    <a:pt x="1493043" y="683605"/>
-                  </a:lnTo>
-                  <a:lnTo>
-                    <a:pt x="1541206" y="664789"/>
-                  </a:lnTo>
-                  <a:lnTo>
-                    <a:pt x="1589368" y="645343"/>
-                  </a:lnTo>
-                  <a:lnTo>
-                    <a:pt x="1637531" y="625255"/>
-                  </a:lnTo>
-                  <a:lnTo>
-                    <a:pt x="1685694" y="604516"/>
-                  </a:lnTo>
-                  <a:lnTo>
-                    <a:pt x="1733856" y="583114"/>
-                  </a:lnTo>
-                  <a:lnTo>
-                    <a:pt x="1782019" y="561040"/>
-                  </a:lnTo>
-                  <a:lnTo>
-                    <a:pt x="1830182" y="538283"/>
-                  </a:lnTo>
-                  <a:lnTo>
-                    <a:pt x="1878345" y="514832"/>
-                  </a:lnTo>
-                  <a:lnTo>
-                    <a:pt x="1926507" y="490678"/>
-                  </a:lnTo>
-                  <a:lnTo>
-                    <a:pt x="1974670" y="465809"/>
-                  </a:lnTo>
-                  <a:lnTo>
-                    <a:pt x="2022833" y="440216"/>
-                  </a:lnTo>
-                  <a:lnTo>
-                    <a:pt x="2070995" y="413888"/>
-                  </a:lnTo>
-                  <a:lnTo>
-                    <a:pt x="2119158" y="386814"/>
-                  </a:lnTo>
-                  <a:lnTo>
-                    <a:pt x="2167321" y="358985"/>
-                  </a:lnTo>
-                  <a:lnTo>
-                    <a:pt x="2215483" y="330389"/>
-                  </a:lnTo>
-                  <a:lnTo>
-                    <a:pt x="2263646" y="301016"/>
-                  </a:lnTo>
-                  <a:lnTo>
-                    <a:pt x="2311809" y="270857"/>
-                  </a:lnTo>
-                  <a:lnTo>
-                    <a:pt x="2359972" y="239900"/>
-                  </a:lnTo>
-                  <a:lnTo>
-                    <a:pt x="2408134" y="208135"/>
-                  </a:lnTo>
-                  <a:lnTo>
-                    <a:pt x="2456297" y="175553"/>
-                  </a:lnTo>
-                  <a:lnTo>
-                    <a:pt x="2504460" y="142141"/>
-                  </a:lnTo>
-                  <a:lnTo>
-                    <a:pt x="2552622" y="107890"/>
-                  </a:lnTo>
-                  <a:lnTo>
-                    <a:pt x="2600785" y="72790"/>
-                  </a:lnTo>
-                  <a:lnTo>
-                    <a:pt x="2648948" y="36830"/>
-                  </a:lnTo>
-                  <a:lnTo>
-                    <a:pt x="2697110" y="0"/>
+                    <a:pt x="46501" y="1006283"/>
+                  </a:lnTo>
+                  <a:lnTo>
+                    <a:pt x="93003" y="1001558"/>
+                  </a:lnTo>
+                  <a:lnTo>
+                    <a:pt x="139505" y="996514"/>
+                  </a:lnTo>
+                  <a:lnTo>
+                    <a:pt x="186007" y="991141"/>
+                  </a:lnTo>
+                  <a:lnTo>
+                    <a:pt x="232509" y="985428"/>
+                  </a:lnTo>
+                  <a:lnTo>
+                    <a:pt x="279011" y="979365"/>
+                  </a:lnTo>
+                  <a:lnTo>
+                    <a:pt x="325513" y="972941"/>
+                  </a:lnTo>
+                  <a:lnTo>
+                    <a:pt x="372015" y="966147"/>
+                  </a:lnTo>
+                  <a:lnTo>
+                    <a:pt x="418517" y="958972"/>
+                  </a:lnTo>
+                  <a:lnTo>
+                    <a:pt x="465019" y="951405"/>
+                  </a:lnTo>
+                  <a:lnTo>
+                    <a:pt x="511521" y="943436"/>
+                  </a:lnTo>
+                  <a:lnTo>
+                    <a:pt x="558022" y="935055"/>
+                  </a:lnTo>
+                  <a:lnTo>
+                    <a:pt x="604524" y="926250"/>
+                  </a:lnTo>
+                  <a:lnTo>
+                    <a:pt x="651026" y="917013"/>
+                  </a:lnTo>
+                  <a:lnTo>
+                    <a:pt x="697528" y="907332"/>
+                  </a:lnTo>
+                  <a:lnTo>
+                    <a:pt x="744030" y="897196"/>
+                  </a:lnTo>
+                  <a:lnTo>
+                    <a:pt x="790532" y="886597"/>
+                  </a:lnTo>
+                  <a:lnTo>
+                    <a:pt x="837034" y="875522"/>
+                  </a:lnTo>
+                  <a:lnTo>
+                    <a:pt x="883536" y="863962"/>
+                  </a:lnTo>
+                  <a:lnTo>
+                    <a:pt x="930038" y="851907"/>
+                  </a:lnTo>
+                  <a:lnTo>
+                    <a:pt x="976540" y="839345"/>
+                  </a:lnTo>
+                  <a:lnTo>
+                    <a:pt x="1023042" y="826267"/>
+                  </a:lnTo>
+                  <a:lnTo>
+                    <a:pt x="1069543" y="812662"/>
+                  </a:lnTo>
+                  <a:lnTo>
+                    <a:pt x="1116045" y="798520"/>
+                  </a:lnTo>
+                  <a:lnTo>
+                    <a:pt x="1162547" y="783830"/>
+                  </a:lnTo>
+                  <a:lnTo>
+                    <a:pt x="1209049" y="768581"/>
+                  </a:lnTo>
+                  <a:lnTo>
+                    <a:pt x="1255551" y="752765"/>
+                  </a:lnTo>
+                  <a:lnTo>
+                    <a:pt x="1302053" y="736369"/>
+                  </a:lnTo>
+                  <a:lnTo>
+                    <a:pt x="1348555" y="719384"/>
+                  </a:lnTo>
+                  <a:lnTo>
+                    <a:pt x="1395057" y="701800"/>
+                  </a:lnTo>
+                  <a:lnTo>
+                    <a:pt x="1441559" y="683605"/>
+                  </a:lnTo>
+                  <a:lnTo>
+                    <a:pt x="1488061" y="664789"/>
+                  </a:lnTo>
+                  <a:lnTo>
+                    <a:pt x="1534563" y="645343"/>
+                  </a:lnTo>
+                  <a:lnTo>
+                    <a:pt x="1581064" y="625255"/>
+                  </a:lnTo>
+                  <a:lnTo>
+                    <a:pt x="1627566" y="604516"/>
+                  </a:lnTo>
+                  <a:lnTo>
+                    <a:pt x="1674068" y="583114"/>
+                  </a:lnTo>
+                  <a:lnTo>
+                    <a:pt x="1720570" y="561040"/>
+                  </a:lnTo>
+                  <a:lnTo>
+                    <a:pt x="1767072" y="538283"/>
+                  </a:lnTo>
+                  <a:lnTo>
+                    <a:pt x="1813574" y="514832"/>
+                  </a:lnTo>
+                  <a:lnTo>
+                    <a:pt x="1860076" y="490678"/>
+                  </a:lnTo>
+                  <a:lnTo>
+                    <a:pt x="1906578" y="465809"/>
+                  </a:lnTo>
+                  <a:lnTo>
+                    <a:pt x="1953080" y="440216"/>
+                  </a:lnTo>
+                  <a:lnTo>
+                    <a:pt x="1999582" y="413888"/>
+                  </a:lnTo>
+                  <a:lnTo>
+                    <a:pt x="2046084" y="386814"/>
+                  </a:lnTo>
+                  <a:lnTo>
+                    <a:pt x="2092586" y="358985"/>
+                  </a:lnTo>
+                  <a:lnTo>
+                    <a:pt x="2139087" y="330389"/>
+                  </a:lnTo>
+                  <a:lnTo>
+                    <a:pt x="2185589" y="301016"/>
+                  </a:lnTo>
+                  <a:lnTo>
+                    <a:pt x="2232091" y="270857"/>
+                  </a:lnTo>
+                  <a:lnTo>
+                    <a:pt x="2278593" y="239900"/>
+                  </a:lnTo>
+                  <a:lnTo>
+                    <a:pt x="2325095" y="208135"/>
+                  </a:lnTo>
+                  <a:lnTo>
+                    <a:pt x="2371597" y="175553"/>
+                  </a:lnTo>
+                  <a:lnTo>
+                    <a:pt x="2418099" y="142141"/>
+                  </a:lnTo>
+                  <a:lnTo>
+                    <a:pt x="2464601" y="107890"/>
+                  </a:lnTo>
+                  <a:lnTo>
+                    <a:pt x="2511103" y="72790"/>
+                  </a:lnTo>
+                  <a:lnTo>
+                    <a:pt x="2557605" y="36830"/>
+                  </a:lnTo>
+                  <a:lnTo>
+                    <a:pt x="2604107" y="0"/>
                   </a:lnTo>
                 </a:path>
               </a:pathLst>
@@ -6189,189 +6499,189 @@
         </p:sp>
         <p:sp>
           <p:nvSpPr>
-            <p:cNvPr id="57" name="pl57"/>
+            <p:cNvPr id="65" name="pl65"/>
             <p:cNvSpPr/>
             <p:nvPr/>
           </p:nvSpPr>
           <p:spPr>
             <a:xfrm>
               <a:off x="5145164" y="6187733"/>
-              <a:ext cx="2697110" cy="895876"/>
+              <a:ext cx="2604107" cy="895876"/>
             </a:xfrm>
             <a:custGeom>
               <a:avLst/>
               <a:pathLst>
-                <a:path w="2697110" h="895876">
+                <a:path w="2604107" h="895876">
                   <a:moveTo>
                     <a:pt x="0" y="895876"/>
                   </a:moveTo>
                   <a:lnTo>
-                    <a:pt x="48162" y="892554"/>
-                  </a:lnTo>
-                  <a:lnTo>
-                    <a:pt x="96325" y="888961"/>
-                  </a:lnTo>
-                  <a:lnTo>
-                    <a:pt x="144488" y="885088"/>
-                  </a:lnTo>
-                  <a:lnTo>
-                    <a:pt x="192650" y="880922"/>
-                  </a:lnTo>
-                  <a:lnTo>
-                    <a:pt x="240813" y="876455"/>
-                  </a:lnTo>
-                  <a:lnTo>
-                    <a:pt x="288976" y="871675"/>
-                  </a:lnTo>
-                  <a:lnTo>
-                    <a:pt x="337138" y="866571"/>
-                  </a:lnTo>
-                  <a:lnTo>
-                    <a:pt x="385301" y="861134"/>
-                  </a:lnTo>
-                  <a:lnTo>
-                    <a:pt x="433464" y="855352"/>
-                  </a:lnTo>
-                  <a:lnTo>
-                    <a:pt x="481626" y="849215"/>
-                  </a:lnTo>
-                  <a:lnTo>
-                    <a:pt x="529789" y="842712"/>
-                  </a:lnTo>
-                  <a:lnTo>
-                    <a:pt x="577952" y="835833"/>
-                  </a:lnTo>
-                  <a:lnTo>
-                    <a:pt x="626115" y="828567"/>
-                  </a:lnTo>
-                  <a:lnTo>
-                    <a:pt x="674277" y="820903"/>
-                  </a:lnTo>
-                  <a:lnTo>
-                    <a:pt x="722440" y="812832"/>
-                  </a:lnTo>
-                  <a:lnTo>
-                    <a:pt x="770603" y="804342"/>
-                  </a:lnTo>
-                  <a:lnTo>
-                    <a:pt x="818765" y="795423"/>
-                  </a:lnTo>
-                  <a:lnTo>
-                    <a:pt x="866928" y="786064"/>
-                  </a:lnTo>
-                  <a:lnTo>
-                    <a:pt x="915091" y="776254"/>
-                  </a:lnTo>
-                  <a:lnTo>
-                    <a:pt x="963253" y="765984"/>
-                  </a:lnTo>
-                  <a:lnTo>
-                    <a:pt x="1011416" y="755242"/>
-                  </a:lnTo>
-                  <a:lnTo>
-                    <a:pt x="1059579" y="744019"/>
-                  </a:lnTo>
-                  <a:lnTo>
-                    <a:pt x="1107741" y="732302"/>
-                  </a:lnTo>
-                  <a:lnTo>
-                    <a:pt x="1155904" y="720082"/>
-                  </a:lnTo>
-                  <a:lnTo>
-                    <a:pt x="1204067" y="707349"/>
-                  </a:lnTo>
-                  <a:lnTo>
-                    <a:pt x="1252230" y="694091"/>
-                  </a:lnTo>
-                  <a:lnTo>
-                    <a:pt x="1300392" y="680298"/>
-                  </a:lnTo>
-                  <a:lnTo>
-                    <a:pt x="1348555" y="665959"/>
-                  </a:lnTo>
-                  <a:lnTo>
-                    <a:pt x="1396718" y="651064"/>
-                  </a:lnTo>
-                  <a:lnTo>
-                    <a:pt x="1444880" y="635602"/>
-                  </a:lnTo>
-                  <a:lnTo>
-                    <a:pt x="1493043" y="619564"/>
-                  </a:lnTo>
-                  <a:lnTo>
-                    <a:pt x="1541206" y="602937"/>
-                  </a:lnTo>
-                  <a:lnTo>
-                    <a:pt x="1589368" y="585711"/>
-                  </a:lnTo>
-                  <a:lnTo>
-                    <a:pt x="1637531" y="567877"/>
-                  </a:lnTo>
-                  <a:lnTo>
-                    <a:pt x="1685694" y="549423"/>
-                  </a:lnTo>
-                  <a:lnTo>
-                    <a:pt x="1733856" y="530338"/>
-                  </a:lnTo>
-                  <a:lnTo>
-                    <a:pt x="1782019" y="510613"/>
-                  </a:lnTo>
-                  <a:lnTo>
-                    <a:pt x="1830182" y="490236"/>
-                  </a:lnTo>
-                  <a:lnTo>
-                    <a:pt x="1878345" y="469198"/>
-                  </a:lnTo>
-                  <a:lnTo>
-                    <a:pt x="1926507" y="447487"/>
-                  </a:lnTo>
-                  <a:lnTo>
-                    <a:pt x="1974670" y="425092"/>
-                  </a:lnTo>
-                  <a:lnTo>
-                    <a:pt x="2022833" y="402004"/>
-                  </a:lnTo>
-                  <a:lnTo>
-                    <a:pt x="2070995" y="378211"/>
-                  </a:lnTo>
-                  <a:lnTo>
-                    <a:pt x="2119158" y="353704"/>
-                  </a:lnTo>
-                  <a:lnTo>
-                    <a:pt x="2167321" y="328471"/>
-                  </a:lnTo>
-                  <a:lnTo>
-                    <a:pt x="2215483" y="302502"/>
-                  </a:lnTo>
-                  <a:lnTo>
-                    <a:pt x="2263646" y="275787"/>
-                  </a:lnTo>
-                  <a:lnTo>
-                    <a:pt x="2311809" y="248314"/>
-                  </a:lnTo>
-                  <a:lnTo>
-                    <a:pt x="2359972" y="220073"/>
-                  </a:lnTo>
-                  <a:lnTo>
-                    <a:pt x="2408134" y="191054"/>
-                  </a:lnTo>
-                  <a:lnTo>
-                    <a:pt x="2456297" y="161246"/>
-                  </a:lnTo>
-                  <a:lnTo>
-                    <a:pt x="2504460" y="130638"/>
-                  </a:lnTo>
-                  <a:lnTo>
-                    <a:pt x="2552622" y="99220"/>
-                  </a:lnTo>
-                  <a:lnTo>
-                    <a:pt x="2600785" y="66981"/>
-                  </a:lnTo>
-                  <a:lnTo>
-                    <a:pt x="2648948" y="33911"/>
-                  </a:lnTo>
-                  <a:lnTo>
-                    <a:pt x="2697110" y="0"/>
+                    <a:pt x="46501" y="892554"/>
+                  </a:lnTo>
+                  <a:lnTo>
+                    <a:pt x="93003" y="888961"/>
+                  </a:lnTo>
+                  <a:lnTo>
+                    <a:pt x="139505" y="885088"/>
+                  </a:lnTo>
+                  <a:lnTo>
+                    <a:pt x="186007" y="880922"/>
+                  </a:lnTo>
+                  <a:lnTo>
+                    <a:pt x="232509" y="876455"/>
+                  </a:lnTo>
+                  <a:lnTo>
+                    <a:pt x="279011" y="871675"/>
+                  </a:lnTo>
+                  <a:lnTo>
+                    <a:pt x="325513" y="866571"/>
+                  </a:lnTo>
+                  <a:lnTo>
+                    <a:pt x="372015" y="861134"/>
+                  </a:lnTo>
+                  <a:lnTo>
+                    <a:pt x="418517" y="855352"/>
+                  </a:lnTo>
+                  <a:lnTo>
+                    <a:pt x="465019" y="849215"/>
+                  </a:lnTo>
+                  <a:lnTo>
+                    <a:pt x="511521" y="842712"/>
+                  </a:lnTo>
+                  <a:lnTo>
+                    <a:pt x="558022" y="835833"/>
+                  </a:lnTo>
+                  <a:lnTo>
+                    <a:pt x="604524" y="828567"/>
+                  </a:lnTo>
+                  <a:lnTo>
+                    <a:pt x="651026" y="820903"/>
+                  </a:lnTo>
+                  <a:lnTo>
+                    <a:pt x="697528" y="812832"/>
+                  </a:lnTo>
+                  <a:lnTo>
+                    <a:pt x="744030" y="804342"/>
+                  </a:lnTo>
+                  <a:lnTo>
+                    <a:pt x="790532" y="795423"/>
+                  </a:lnTo>
+                  <a:lnTo>
+                    <a:pt x="837034" y="786064"/>
+                  </a:lnTo>
+                  <a:lnTo>
+                    <a:pt x="883536" y="776254"/>
+                  </a:lnTo>
+                  <a:lnTo>
+                    <a:pt x="930038" y="765984"/>
+                  </a:lnTo>
+                  <a:lnTo>
+                    <a:pt x="976540" y="755242"/>
+                  </a:lnTo>
+                  <a:lnTo>
+                    <a:pt x="1023042" y="744019"/>
+                  </a:lnTo>
+                  <a:lnTo>
+                    <a:pt x="1069543" y="732302"/>
+                  </a:lnTo>
+                  <a:lnTo>
+                    <a:pt x="1116045" y="720082"/>
+                  </a:lnTo>
+                  <a:lnTo>
+                    <a:pt x="1162547" y="707349"/>
+                  </a:lnTo>
+                  <a:lnTo>
+                    <a:pt x="1209049" y="694091"/>
+                  </a:lnTo>
+                  <a:lnTo>
+                    <a:pt x="1255551" y="680298"/>
+                  </a:lnTo>
+                  <a:lnTo>
+                    <a:pt x="1302053" y="665959"/>
+                  </a:lnTo>
+                  <a:lnTo>
+                    <a:pt x="1348555" y="651064"/>
+                  </a:lnTo>
+                  <a:lnTo>
+                    <a:pt x="1395057" y="635602"/>
+                  </a:lnTo>
+                  <a:lnTo>
+                    <a:pt x="1441559" y="619564"/>
+                  </a:lnTo>
+                  <a:lnTo>
+                    <a:pt x="1488061" y="602937"/>
+                  </a:lnTo>
+                  <a:lnTo>
+                    <a:pt x="1534563" y="585711"/>
+                  </a:lnTo>
+                  <a:lnTo>
+                    <a:pt x="1581064" y="567877"/>
+                  </a:lnTo>
+                  <a:lnTo>
+                    <a:pt x="1627566" y="549423"/>
+                  </a:lnTo>
+                  <a:lnTo>
+                    <a:pt x="1674068" y="530338"/>
+                  </a:lnTo>
+                  <a:lnTo>
+                    <a:pt x="1720570" y="510613"/>
+                  </a:lnTo>
+                  <a:lnTo>
+                    <a:pt x="1767072" y="490236"/>
+                  </a:lnTo>
+                  <a:lnTo>
+                    <a:pt x="1813574" y="469198"/>
+                  </a:lnTo>
+                  <a:lnTo>
+                    <a:pt x="1860076" y="447487"/>
+                  </a:lnTo>
+                  <a:lnTo>
+                    <a:pt x="1906578" y="425092"/>
+                  </a:lnTo>
+                  <a:lnTo>
+                    <a:pt x="1953080" y="402004"/>
+                  </a:lnTo>
+                  <a:lnTo>
+                    <a:pt x="1999582" y="378211"/>
+                  </a:lnTo>
+                  <a:lnTo>
+                    <a:pt x="2046084" y="353704"/>
+                  </a:lnTo>
+                  <a:lnTo>
+                    <a:pt x="2092586" y="328471"/>
+                  </a:lnTo>
+                  <a:lnTo>
+                    <a:pt x="2139087" y="302502"/>
+                  </a:lnTo>
+                  <a:lnTo>
+                    <a:pt x="2185589" y="275787"/>
+                  </a:lnTo>
+                  <a:lnTo>
+                    <a:pt x="2232091" y="248314"/>
+                  </a:lnTo>
+                  <a:lnTo>
+                    <a:pt x="2278593" y="220073"/>
+                  </a:lnTo>
+                  <a:lnTo>
+                    <a:pt x="2325095" y="191054"/>
+                  </a:lnTo>
+                  <a:lnTo>
+                    <a:pt x="2371597" y="161246"/>
+                  </a:lnTo>
+                  <a:lnTo>
+                    <a:pt x="2418099" y="130638"/>
+                  </a:lnTo>
+                  <a:lnTo>
+                    <a:pt x="2464601" y="99220"/>
+                  </a:lnTo>
+                  <a:lnTo>
+                    <a:pt x="2511103" y="66981"/>
+                  </a:lnTo>
+                  <a:lnTo>
+                    <a:pt x="2557605" y="33911"/>
+                  </a:lnTo>
+                  <a:lnTo>
+                    <a:pt x="2604107" y="0"/>
                   </a:lnTo>
                 </a:path>
               </a:pathLst>
@@ -6394,189 +6704,189 @@
         </p:sp>
         <p:sp>
           <p:nvSpPr>
-            <p:cNvPr id="58" name="pl58"/>
+            <p:cNvPr id="66" name="pl66"/>
             <p:cNvSpPr/>
             <p:nvPr/>
           </p:nvSpPr>
           <p:spPr>
             <a:xfrm>
               <a:off x="5145164" y="5280366"/>
-              <a:ext cx="2697110" cy="1794239"/>
+              <a:ext cx="2604107" cy="1794239"/>
             </a:xfrm>
             <a:custGeom>
               <a:avLst/>
               <a:pathLst>
-                <a:path w="2697110" h="1794239">
+                <a:path w="2604107" h="1794239">
                   <a:moveTo>
                     <a:pt x="0" y="1794239"/>
                   </a:moveTo>
                   <a:lnTo>
-                    <a:pt x="48162" y="1788839"/>
-                  </a:lnTo>
-                  <a:lnTo>
-                    <a:pt x="96325" y="1782912"/>
-                  </a:lnTo>
-                  <a:lnTo>
-                    <a:pt x="144488" y="1776433"/>
-                  </a:lnTo>
-                  <a:lnTo>
-                    <a:pt x="192650" y="1769378"/>
-                  </a:lnTo>
-                  <a:lnTo>
-                    <a:pt x="240813" y="1761723"/>
-                  </a:lnTo>
-                  <a:lnTo>
-                    <a:pt x="288976" y="1753442"/>
-                  </a:lnTo>
-                  <a:lnTo>
-                    <a:pt x="337138" y="1744512"/>
-                  </a:lnTo>
-                  <a:lnTo>
-                    <a:pt x="385301" y="1734907"/>
-                  </a:lnTo>
-                  <a:lnTo>
-                    <a:pt x="433464" y="1724604"/>
-                  </a:lnTo>
-                  <a:lnTo>
-                    <a:pt x="481626" y="1713577"/>
-                  </a:lnTo>
-                  <a:lnTo>
-                    <a:pt x="529789" y="1701802"/>
-                  </a:lnTo>
-                  <a:lnTo>
-                    <a:pt x="577952" y="1689255"/>
-                  </a:lnTo>
-                  <a:lnTo>
-                    <a:pt x="626115" y="1675911"/>
-                  </a:lnTo>
-                  <a:lnTo>
-                    <a:pt x="674277" y="1661745"/>
-                  </a:lnTo>
-                  <a:lnTo>
-                    <a:pt x="722440" y="1646734"/>
-                  </a:lnTo>
-                  <a:lnTo>
-                    <a:pt x="770603" y="1630852"/>
-                  </a:lnTo>
-                  <a:lnTo>
-                    <a:pt x="818765" y="1614074"/>
-                  </a:lnTo>
-                  <a:lnTo>
-                    <a:pt x="866928" y="1596377"/>
-                  </a:lnTo>
-                  <a:lnTo>
-                    <a:pt x="915091" y="1577736"/>
-                  </a:lnTo>
-                  <a:lnTo>
-                    <a:pt x="963253" y="1558127"/>
-                  </a:lnTo>
-                  <a:lnTo>
-                    <a:pt x="1011416" y="1537524"/>
-                  </a:lnTo>
-                  <a:lnTo>
-                    <a:pt x="1059579" y="1515903"/>
-                  </a:lnTo>
-                  <a:lnTo>
-                    <a:pt x="1107741" y="1493240"/>
-                  </a:lnTo>
-                  <a:lnTo>
-                    <a:pt x="1155904" y="1469510"/>
-                  </a:lnTo>
-                  <a:lnTo>
-                    <a:pt x="1204067" y="1444688"/>
-                  </a:lnTo>
-                  <a:lnTo>
-                    <a:pt x="1252230" y="1418751"/>
-                  </a:lnTo>
-                  <a:lnTo>
-                    <a:pt x="1300392" y="1391673"/>
-                  </a:lnTo>
-                  <a:lnTo>
-                    <a:pt x="1348555" y="1363430"/>
-                  </a:lnTo>
-                  <a:lnTo>
-                    <a:pt x="1396718" y="1333997"/>
-                  </a:lnTo>
-                  <a:lnTo>
-                    <a:pt x="1444880" y="1303351"/>
-                  </a:lnTo>
-                  <a:lnTo>
-                    <a:pt x="1493043" y="1271465"/>
-                  </a:lnTo>
-                  <a:lnTo>
-                    <a:pt x="1541206" y="1238317"/>
-                  </a:lnTo>
-                  <a:lnTo>
-                    <a:pt x="1589368" y="1203881"/>
-                  </a:lnTo>
-                  <a:lnTo>
-                    <a:pt x="1637531" y="1168132"/>
-                  </a:lnTo>
-                  <a:lnTo>
-                    <a:pt x="1685694" y="1131047"/>
-                  </a:lnTo>
-                  <a:lnTo>
-                    <a:pt x="1733856" y="1092601"/>
-                  </a:lnTo>
-                  <a:lnTo>
-                    <a:pt x="1782019" y="1052768"/>
-                  </a:lnTo>
-                  <a:lnTo>
-                    <a:pt x="1830182" y="1011525"/>
-                  </a:lnTo>
-                  <a:lnTo>
-                    <a:pt x="1878345" y="968848"/>
-                  </a:lnTo>
-                  <a:lnTo>
-                    <a:pt x="1926507" y="924710"/>
-                  </a:lnTo>
-                  <a:lnTo>
-                    <a:pt x="1974670" y="879089"/>
-                  </a:lnTo>
-                  <a:lnTo>
-                    <a:pt x="2022833" y="831959"/>
-                  </a:lnTo>
-                  <a:lnTo>
-                    <a:pt x="2070995" y="783296"/>
-                  </a:lnTo>
-                  <a:lnTo>
-                    <a:pt x="2119158" y="733075"/>
-                  </a:lnTo>
-                  <a:lnTo>
-                    <a:pt x="2167321" y="681273"/>
-                  </a:lnTo>
-                  <a:lnTo>
-                    <a:pt x="2215483" y="627863"/>
-                  </a:lnTo>
-                  <a:lnTo>
-                    <a:pt x="2263646" y="572822"/>
-                  </a:lnTo>
-                  <a:lnTo>
-                    <a:pt x="2311809" y="516126"/>
-                  </a:lnTo>
-                  <a:lnTo>
-                    <a:pt x="2359972" y="457749"/>
-                  </a:lnTo>
-                  <a:lnTo>
-                    <a:pt x="2408134" y="397667"/>
-                  </a:lnTo>
-                  <a:lnTo>
-                    <a:pt x="2456297" y="335856"/>
-                  </a:lnTo>
-                  <a:lnTo>
-                    <a:pt x="2504460" y="272291"/>
-                  </a:lnTo>
-                  <a:lnTo>
-                    <a:pt x="2552622" y="206947"/>
-                  </a:lnTo>
-                  <a:lnTo>
-                    <a:pt x="2600785" y="139800"/>
-                  </a:lnTo>
-                  <a:lnTo>
-                    <a:pt x="2648948" y="70826"/>
-                  </a:lnTo>
-                  <a:lnTo>
-                    <a:pt x="2697110" y="0"/>
+                    <a:pt x="46501" y="1788839"/>
+                  </a:lnTo>
+                  <a:lnTo>
+                    <a:pt x="93003" y="1782912"/>
+                  </a:lnTo>
+                  <a:lnTo>
+                    <a:pt x="139505" y="1776433"/>
+                  </a:lnTo>
+                  <a:lnTo>
+                    <a:pt x="186007" y="1769378"/>
+                  </a:lnTo>
+                  <a:lnTo>
+                    <a:pt x="232509" y="1761723"/>
+                  </a:lnTo>
+                  <a:lnTo>
+                    <a:pt x="279011" y="1753442"/>
+                  </a:lnTo>
+                  <a:lnTo>
+                    <a:pt x="325513" y="1744512"/>
+                  </a:lnTo>
+                  <a:lnTo>
+                    <a:pt x="372015" y="1734907"/>
+                  </a:lnTo>
+                  <a:lnTo>
+                    <a:pt x="418517" y="1724604"/>
+                  </a:lnTo>
+                  <a:lnTo>
+                    <a:pt x="465019" y="1713577"/>
+                  </a:lnTo>
+                  <a:lnTo>
+                    <a:pt x="511521" y="1701802"/>
+                  </a:lnTo>
+                  <a:lnTo>
+                    <a:pt x="558022" y="1689255"/>
+                  </a:lnTo>
+                  <a:lnTo>
+                    <a:pt x="604524" y="1675911"/>
+                  </a:lnTo>
+                  <a:lnTo>
+                    <a:pt x="651026" y="1661745"/>
+                  </a:lnTo>
+                  <a:lnTo>
+                    <a:pt x="697528" y="1646734"/>
+                  </a:lnTo>
+                  <a:lnTo>
+                    <a:pt x="744030" y="1630852"/>
+                  </a:lnTo>
+                  <a:lnTo>
+                    <a:pt x="790532" y="1614074"/>
+                  </a:lnTo>
+                  <a:lnTo>
+                    <a:pt x="837034" y="1596377"/>
+                  </a:lnTo>
+                  <a:lnTo>
+                    <a:pt x="883536" y="1577736"/>
+                  </a:lnTo>
+                  <a:lnTo>
+                    <a:pt x="930038" y="1558127"/>
+                  </a:lnTo>
+                  <a:lnTo>
+                    <a:pt x="976540" y="1537524"/>
+                  </a:lnTo>
+                  <a:lnTo>
+                    <a:pt x="1023042" y="1515903"/>
+                  </a:lnTo>
+                  <a:lnTo>
+                    <a:pt x="1069543" y="1493240"/>
+                  </a:lnTo>
+                  <a:lnTo>
+                    <a:pt x="1116045" y="1469510"/>
+                  </a:lnTo>
+                  <a:lnTo>
+                    <a:pt x="1162547" y="1444688"/>
+                  </a:lnTo>
+                  <a:lnTo>
+                    <a:pt x="1209049" y="1418751"/>
+                  </a:lnTo>
+                  <a:lnTo>
+                    <a:pt x="1255551" y="1391673"/>
+                  </a:lnTo>
+                  <a:lnTo>
+                    <a:pt x="1302053" y="1363430"/>
+                  </a:lnTo>
+                  <a:lnTo>
+                    <a:pt x="1348555" y="1333997"/>
+                  </a:lnTo>
+                  <a:lnTo>
+                    <a:pt x="1395057" y="1303351"/>
+                  </a:lnTo>
+                  <a:lnTo>
+                    <a:pt x="1441559" y="1271465"/>
+                  </a:lnTo>
+                  <a:lnTo>
+                    <a:pt x="1488061" y="1238317"/>
+                  </a:lnTo>
+                  <a:lnTo>
+                    <a:pt x="1534563" y="1203881"/>
+                  </a:lnTo>
+                  <a:lnTo>
+                    <a:pt x="1581064" y="1168132"/>
+                  </a:lnTo>
+                  <a:lnTo>
+                    <a:pt x="1627566" y="1131047"/>
+                  </a:lnTo>
+                  <a:lnTo>
+                    <a:pt x="1674068" y="1092601"/>
+                  </a:lnTo>
+                  <a:lnTo>
+                    <a:pt x="1720570" y="1052768"/>
+                  </a:lnTo>
+                  <a:lnTo>
+                    <a:pt x="1767072" y="1011525"/>
+                  </a:lnTo>
+                  <a:lnTo>
+                    <a:pt x="1813574" y="968848"/>
+                  </a:lnTo>
+                  <a:lnTo>
+                    <a:pt x="1860076" y="924710"/>
+                  </a:lnTo>
+                  <a:lnTo>
+                    <a:pt x="1906578" y="879089"/>
+                  </a:lnTo>
+                  <a:lnTo>
+                    <a:pt x="1953080" y="831959"/>
+                  </a:lnTo>
+                  <a:lnTo>
+                    <a:pt x="1999582" y="783296"/>
+                  </a:lnTo>
+                  <a:lnTo>
+                    <a:pt x="2046084" y="733075"/>
+                  </a:lnTo>
+                  <a:lnTo>
+                    <a:pt x="2092586" y="681273"/>
+                  </a:lnTo>
+                  <a:lnTo>
+                    <a:pt x="2139087" y="627863"/>
+                  </a:lnTo>
+                  <a:lnTo>
+                    <a:pt x="2185589" y="572822"/>
+                  </a:lnTo>
+                  <a:lnTo>
+                    <a:pt x="2232091" y="516126"/>
+                  </a:lnTo>
+                  <a:lnTo>
+                    <a:pt x="2278593" y="457749"/>
+                  </a:lnTo>
+                  <a:lnTo>
+                    <a:pt x="2325095" y="397667"/>
+                  </a:lnTo>
+                  <a:lnTo>
+                    <a:pt x="2371597" y="335856"/>
+                  </a:lnTo>
+                  <a:lnTo>
+                    <a:pt x="2418099" y="272291"/>
+                  </a:lnTo>
+                  <a:lnTo>
+                    <a:pt x="2464601" y="206947"/>
+                  </a:lnTo>
+                  <a:lnTo>
+                    <a:pt x="2511103" y="139800"/>
+                  </a:lnTo>
+                  <a:lnTo>
+                    <a:pt x="2557605" y="70826"/>
+                  </a:lnTo>
+                  <a:lnTo>
+                    <a:pt x="2604107" y="0"/>
                   </a:lnTo>
                 </a:path>
               </a:pathLst>
@@ -6599,189 +6909,189 @@
         </p:sp>
         <p:sp>
           <p:nvSpPr>
-            <p:cNvPr id="59" name="pl59"/>
+            <p:cNvPr id="67" name="pl67"/>
             <p:cNvSpPr/>
             <p:nvPr/>
           </p:nvSpPr>
           <p:spPr>
             <a:xfrm>
               <a:off x="5145164" y="5843217"/>
-              <a:ext cx="2697110" cy="1246574"/>
+              <a:ext cx="2604107" cy="1246574"/>
             </a:xfrm>
             <a:custGeom>
               <a:avLst/>
               <a:pathLst>
-                <a:path w="2697110" h="1246574">
+                <a:path w="2604107" h="1246574">
                   <a:moveTo>
                     <a:pt x="0" y="1246574"/>
                   </a:moveTo>
                   <a:lnTo>
-                    <a:pt x="48162" y="1243208"/>
-                  </a:lnTo>
-                  <a:lnTo>
-                    <a:pt x="96325" y="1239482"/>
-                  </a:lnTo>
-                  <a:lnTo>
-                    <a:pt x="144488" y="1235378"/>
-                  </a:lnTo>
-                  <a:lnTo>
-                    <a:pt x="192650" y="1230879"/>
-                  </a:lnTo>
-                  <a:lnTo>
-                    <a:pt x="240813" y="1225966"/>
-                  </a:lnTo>
-                  <a:lnTo>
-                    <a:pt x="288976" y="1220621"/>
-                  </a:lnTo>
-                  <a:lnTo>
-                    <a:pt x="337138" y="1214826"/>
-                  </a:lnTo>
-                  <a:lnTo>
-                    <a:pt x="385301" y="1208562"/>
-                  </a:lnTo>
-                  <a:lnTo>
-                    <a:pt x="433464" y="1201812"/>
-                  </a:lnTo>
-                  <a:lnTo>
-                    <a:pt x="481626" y="1194556"/>
-                  </a:lnTo>
-                  <a:lnTo>
-                    <a:pt x="529789" y="1186778"/>
-                  </a:lnTo>
-                  <a:lnTo>
-                    <a:pt x="577952" y="1178458"/>
-                  </a:lnTo>
-                  <a:lnTo>
-                    <a:pt x="626115" y="1169578"/>
-                  </a:lnTo>
-                  <a:lnTo>
-                    <a:pt x="674277" y="1160121"/>
-                  </a:lnTo>
-                  <a:lnTo>
-                    <a:pt x="722440" y="1150068"/>
-                  </a:lnTo>
-                  <a:lnTo>
-                    <a:pt x="770603" y="1139400"/>
-                  </a:lnTo>
-                  <a:lnTo>
-                    <a:pt x="818765" y="1128100"/>
-                  </a:lnTo>
-                  <a:lnTo>
-                    <a:pt x="866928" y="1116150"/>
-                  </a:lnTo>
-                  <a:lnTo>
-                    <a:pt x="915091" y="1103531"/>
-                  </a:lnTo>
-                  <a:lnTo>
-                    <a:pt x="963253" y="1090224"/>
-                  </a:lnTo>
-                  <a:lnTo>
-                    <a:pt x="1011416" y="1076213"/>
-                  </a:lnTo>
-                  <a:lnTo>
-                    <a:pt x="1059579" y="1061478"/>
-                  </a:lnTo>
-                  <a:lnTo>
-                    <a:pt x="1107741" y="1046001"/>
-                  </a:lnTo>
-                  <a:lnTo>
-                    <a:pt x="1155904" y="1029764"/>
-                  </a:lnTo>
-                  <a:lnTo>
-                    <a:pt x="1204067" y="1012750"/>
-                  </a:lnTo>
-                  <a:lnTo>
-                    <a:pt x="1252230" y="994939"/>
-                  </a:lnTo>
-                  <a:lnTo>
-                    <a:pt x="1300392" y="976313"/>
-                  </a:lnTo>
-                  <a:lnTo>
-                    <a:pt x="1348555" y="956855"/>
-                  </a:lnTo>
-                  <a:lnTo>
-                    <a:pt x="1396718" y="936546"/>
-                  </a:lnTo>
-                  <a:lnTo>
-                    <a:pt x="1444880" y="915367"/>
-                  </a:lnTo>
-                  <a:lnTo>
-                    <a:pt x="1493043" y="893302"/>
-                  </a:lnTo>
-                  <a:lnTo>
-                    <a:pt x="1541206" y="870330"/>
-                  </a:lnTo>
-                  <a:lnTo>
-                    <a:pt x="1589368" y="846435"/>
-                  </a:lnTo>
-                  <a:lnTo>
-                    <a:pt x="1637531" y="821598"/>
-                  </a:lnTo>
-                  <a:lnTo>
-                    <a:pt x="1685694" y="795801"/>
-                  </a:lnTo>
-                  <a:lnTo>
-                    <a:pt x="1733856" y="769025"/>
-                  </a:lnTo>
-                  <a:lnTo>
-                    <a:pt x="1782019" y="741253"/>
-                  </a:lnTo>
-                  <a:lnTo>
-                    <a:pt x="1830182" y="712466"/>
-                  </a:lnTo>
-                  <a:lnTo>
-                    <a:pt x="1878345" y="682646"/>
-                  </a:lnTo>
-                  <a:lnTo>
-                    <a:pt x="1926507" y="651774"/>
-                  </a:lnTo>
-                  <a:lnTo>
-                    <a:pt x="1974670" y="619833"/>
-                  </a:lnTo>
-                  <a:lnTo>
-                    <a:pt x="2022833" y="586805"/>
-                  </a:lnTo>
-                  <a:lnTo>
-                    <a:pt x="2070995" y="552670"/>
-                  </a:lnTo>
-                  <a:lnTo>
-                    <a:pt x="2119158" y="517412"/>
-                  </a:lnTo>
-                  <a:lnTo>
-                    <a:pt x="2167321" y="481011"/>
-                  </a:lnTo>
-                  <a:lnTo>
-                    <a:pt x="2215483" y="443449"/>
-                  </a:lnTo>
-                  <a:lnTo>
-                    <a:pt x="2263646" y="404709"/>
-                  </a:lnTo>
-                  <a:lnTo>
-                    <a:pt x="2311809" y="364772"/>
-                  </a:lnTo>
-                  <a:lnTo>
-                    <a:pt x="2359972" y="323620"/>
-                  </a:lnTo>
-                  <a:lnTo>
-                    <a:pt x="2408134" y="281234"/>
-                  </a:lnTo>
-                  <a:lnTo>
-                    <a:pt x="2456297" y="237597"/>
-                  </a:lnTo>
-                  <a:lnTo>
-                    <a:pt x="2504460" y="192690"/>
-                  </a:lnTo>
-                  <a:lnTo>
-                    <a:pt x="2552622" y="146495"/>
-                  </a:lnTo>
-                  <a:lnTo>
-                    <a:pt x="2600785" y="98993"/>
-                  </a:lnTo>
-                  <a:lnTo>
-                    <a:pt x="2648948" y="50168"/>
-                  </a:lnTo>
-                  <a:lnTo>
-                    <a:pt x="2697110" y="0"/>
+                    <a:pt x="46501" y="1243208"/>
+                  </a:lnTo>
+                  <a:lnTo>
+                    <a:pt x="93003" y="1239482"/>
+                  </a:lnTo>
+                  <a:lnTo>
+                    <a:pt x="139505" y="1235378"/>
+                  </a:lnTo>
+                  <a:lnTo>
+                    <a:pt x="186007" y="1230879"/>
+                  </a:lnTo>
+                  <a:lnTo>
+                    <a:pt x="232509" y="1225966"/>
+                  </a:lnTo>
+                  <a:lnTo>
+                    <a:pt x="279011" y="1220621"/>
+                  </a:lnTo>
+                  <a:lnTo>
+                    <a:pt x="325513" y="1214826"/>
+                  </a:lnTo>
+                  <a:lnTo>
+                    <a:pt x="372015" y="1208562"/>
+                  </a:lnTo>
+                  <a:lnTo>
+                    <a:pt x="418517" y="1201812"/>
+                  </a:lnTo>
+                  <a:lnTo>
+                    <a:pt x="465019" y="1194556"/>
+                  </a:lnTo>
+                  <a:lnTo>
+                    <a:pt x="511521" y="1186778"/>
+                  </a:lnTo>
+                  <a:lnTo>
+                    <a:pt x="558022" y="1178458"/>
+                  </a:lnTo>
+                  <a:lnTo>
+                    <a:pt x="604524" y="1169578"/>
+                  </a:lnTo>
+                  <a:lnTo>
+                    <a:pt x="651026" y="1160121"/>
+                  </a:lnTo>
+                  <a:lnTo>
+                    <a:pt x="697528" y="1150068"/>
+                  </a:lnTo>
+                  <a:lnTo>
+                    <a:pt x="744030" y="1139400"/>
+                  </a:lnTo>
+                  <a:lnTo>
+                    <a:pt x="790532" y="1128100"/>
+                  </a:lnTo>
+                  <a:lnTo>
+                    <a:pt x="837034" y="1116150"/>
+                  </a:lnTo>
+                  <a:lnTo>
+                    <a:pt x="883536" y="1103531"/>
+                  </a:lnTo>
+                  <a:lnTo>
+                    <a:pt x="930038" y="1090224"/>
+                  </a:lnTo>
+                  <a:lnTo>
+                    <a:pt x="976540" y="1076213"/>
+                  </a:lnTo>
+                  <a:lnTo>
+                    <a:pt x="1023042" y="1061478"/>
+                  </a:lnTo>
+                  <a:lnTo>
+                    <a:pt x="1069543" y="1046001"/>
+                  </a:lnTo>
+                  <a:lnTo>
+                    <a:pt x="1116045" y="1029764"/>
+                  </a:lnTo>
+                  <a:lnTo>
+                    <a:pt x="1162547" y="1012750"/>
+                  </a:lnTo>
+                  <a:lnTo>
+                    <a:pt x="1209049" y="994939"/>
+                  </a:lnTo>
+                  <a:lnTo>
+                    <a:pt x="1255551" y="976313"/>
+                  </a:lnTo>
+                  <a:lnTo>
+                    <a:pt x="1302053" y="956855"/>
+                  </a:lnTo>
+                  <a:lnTo>
+                    <a:pt x="1348555" y="936546"/>
+                  </a:lnTo>
+                  <a:lnTo>
+                    <a:pt x="1395057" y="915367"/>
+                  </a:lnTo>
+                  <a:lnTo>
+                    <a:pt x="1441559" y="893302"/>
+                  </a:lnTo>
+                  <a:lnTo>
+                    <a:pt x="1488061" y="870330"/>
+                  </a:lnTo>
+                  <a:lnTo>
+                    <a:pt x="1534563" y="846435"/>
+                  </a:lnTo>
+                  <a:lnTo>
+                    <a:pt x="1581064" y="821598"/>
+                  </a:lnTo>
+                  <a:lnTo>
+                    <a:pt x="1627566" y="795801"/>
+                  </a:lnTo>
+                  <a:lnTo>
+                    <a:pt x="1674068" y="769025"/>
+                  </a:lnTo>
+                  <a:lnTo>
+                    <a:pt x="1720570" y="741253"/>
+                  </a:lnTo>
+                  <a:lnTo>
+                    <a:pt x="1767072" y="712466"/>
+                  </a:lnTo>
+                  <a:lnTo>
+                    <a:pt x="1813574" y="682646"/>
+                  </a:lnTo>
+                  <a:lnTo>
+                    <a:pt x="1860076" y="651774"/>
+                  </a:lnTo>
+                  <a:lnTo>
+                    <a:pt x="1906578" y="619833"/>
+                  </a:lnTo>
+                  <a:lnTo>
+                    <a:pt x="1953080" y="586805"/>
+                  </a:lnTo>
+                  <a:lnTo>
+                    <a:pt x="1999582" y="552670"/>
+                  </a:lnTo>
+                  <a:lnTo>
+                    <a:pt x="2046084" y="517412"/>
+                  </a:lnTo>
+                  <a:lnTo>
+                    <a:pt x="2092586" y="481011"/>
+                  </a:lnTo>
+                  <a:lnTo>
+                    <a:pt x="2139087" y="443449"/>
+                  </a:lnTo>
+                  <a:lnTo>
+                    <a:pt x="2185589" y="404709"/>
+                  </a:lnTo>
+                  <a:lnTo>
+                    <a:pt x="2232091" y="364772"/>
+                  </a:lnTo>
+                  <a:lnTo>
+                    <a:pt x="2278593" y="323620"/>
+                  </a:lnTo>
+                  <a:lnTo>
+                    <a:pt x="2325095" y="281234"/>
+                  </a:lnTo>
+                  <a:lnTo>
+                    <a:pt x="2371597" y="237597"/>
+                  </a:lnTo>
+                  <a:lnTo>
+                    <a:pt x="2418099" y="192690"/>
+                  </a:lnTo>
+                  <a:lnTo>
+                    <a:pt x="2464601" y="146495"/>
+                  </a:lnTo>
+                  <a:lnTo>
+                    <a:pt x="2511103" y="98993"/>
+                  </a:lnTo>
+                  <a:lnTo>
+                    <a:pt x="2557605" y="50168"/>
+                  </a:lnTo>
+                  <a:lnTo>
+                    <a:pt x="2604107" y="0"/>
                   </a:lnTo>
                 </a:path>
               </a:pathLst>
@@ -6804,189 +7114,189 @@
         </p:sp>
         <p:sp>
           <p:nvSpPr>
-            <p:cNvPr id="60" name="pl60"/>
+            <p:cNvPr id="68" name="pl68"/>
             <p:cNvSpPr/>
             <p:nvPr/>
           </p:nvSpPr>
           <p:spPr>
             <a:xfrm>
               <a:off x="5145164" y="5693352"/>
-              <a:ext cx="2697110" cy="1380363"/>
+              <a:ext cx="2604107" cy="1380363"/>
             </a:xfrm>
             <a:custGeom>
               <a:avLst/>
               <a:pathLst>
-                <a:path w="2697110" h="1380363">
+                <a:path w="2604107" h="1380363">
                   <a:moveTo>
                     <a:pt x="0" y="1380363"/>
                   </a:moveTo>
                   <a:lnTo>
-                    <a:pt x="48162" y="1375530"/>
-                  </a:lnTo>
-                  <a:lnTo>
-                    <a:pt x="96325" y="1370283"/>
-                  </a:lnTo>
-                  <a:lnTo>
-                    <a:pt x="144488" y="1364605"/>
-                  </a:lnTo>
-                  <a:lnTo>
-                    <a:pt x="192650" y="1358478"/>
-                  </a:lnTo>
-                  <a:lnTo>
-                    <a:pt x="240813" y="1351887"/>
-                  </a:lnTo>
-                  <a:lnTo>
-                    <a:pt x="288976" y="1344813"/>
-                  </a:lnTo>
-                  <a:lnTo>
-                    <a:pt x="337138" y="1337240"/>
-                  </a:lnTo>
-                  <a:lnTo>
-                    <a:pt x="385301" y="1329151"/>
-                  </a:lnTo>
-                  <a:lnTo>
-                    <a:pt x="433464" y="1320528"/>
-                  </a:lnTo>
-                  <a:lnTo>
-                    <a:pt x="481626" y="1311355"/>
-                  </a:lnTo>
-                  <a:lnTo>
-                    <a:pt x="529789" y="1301615"/>
-                  </a:lnTo>
-                  <a:lnTo>
-                    <a:pt x="577952" y="1291290"/>
-                  </a:lnTo>
-                  <a:lnTo>
-                    <a:pt x="626115" y="1280364"/>
-                  </a:lnTo>
-                  <a:lnTo>
-                    <a:pt x="674277" y="1268819"/>
-                  </a:lnTo>
-                  <a:lnTo>
-                    <a:pt x="722440" y="1256639"/>
-                  </a:lnTo>
-                  <a:lnTo>
-                    <a:pt x="770603" y="1243806"/>
-                  </a:lnTo>
-                  <a:lnTo>
-                    <a:pt x="818765" y="1230304"/>
-                  </a:lnTo>
-                  <a:lnTo>
-                    <a:pt x="866928" y="1216115"/>
-                  </a:lnTo>
-                  <a:lnTo>
-                    <a:pt x="915091" y="1201223"/>
-                  </a:lnTo>
-                  <a:lnTo>
-                    <a:pt x="963253" y="1185610"/>
-                  </a:lnTo>
-                  <a:lnTo>
-                    <a:pt x="1011416" y="1169260"/>
-                  </a:lnTo>
-                  <a:lnTo>
-                    <a:pt x="1059579" y="1152155"/>
-                  </a:lnTo>
-                  <a:lnTo>
-                    <a:pt x="1107741" y="1134278"/>
-                  </a:lnTo>
-                  <a:lnTo>
-                    <a:pt x="1155904" y="1115612"/>
-                  </a:lnTo>
-                  <a:lnTo>
-                    <a:pt x="1204067" y="1096141"/>
-                  </a:lnTo>
-                  <a:lnTo>
-                    <a:pt x="1252230" y="1075847"/>
-                  </a:lnTo>
-                  <a:lnTo>
-                    <a:pt x="1300392" y="1054713"/>
-                  </a:lnTo>
-                  <a:lnTo>
-                    <a:pt x="1348555" y="1032722"/>
-                  </a:lnTo>
-                  <a:lnTo>
-                    <a:pt x="1396718" y="1009858"/>
-                  </a:lnTo>
-                  <a:lnTo>
-                    <a:pt x="1444880" y="986103"/>
-                  </a:lnTo>
-                  <a:lnTo>
-                    <a:pt x="1493043" y="961440"/>
-                  </a:lnTo>
-                  <a:lnTo>
-                    <a:pt x="1541206" y="935851"/>
-                  </a:lnTo>
-                  <a:lnTo>
-                    <a:pt x="1589368" y="909321"/>
-                  </a:lnTo>
-                  <a:lnTo>
-                    <a:pt x="1637531" y="881832"/>
-                  </a:lnTo>
-                  <a:lnTo>
-                    <a:pt x="1685694" y="853368"/>
-                  </a:lnTo>
-                  <a:lnTo>
-                    <a:pt x="1733856" y="823910"/>
-                  </a:lnTo>
-                  <a:lnTo>
-                    <a:pt x="1782019" y="793442"/>
-                  </a:lnTo>
-                  <a:lnTo>
-                    <a:pt x="1830182" y="761947"/>
-                  </a:lnTo>
-                  <a:lnTo>
-                    <a:pt x="1878345" y="729407"/>
-                  </a:lnTo>
-                  <a:lnTo>
-                    <a:pt x="1926507" y="695807"/>
-                  </a:lnTo>
-                  <a:lnTo>
-                    <a:pt x="1974670" y="661129"/>
-                  </a:lnTo>
-                  <a:lnTo>
-                    <a:pt x="2022833" y="625355"/>
-                  </a:lnTo>
-                  <a:lnTo>
-                    <a:pt x="2070995" y="588469"/>
-                  </a:lnTo>
-                  <a:lnTo>
-                    <a:pt x="2119158" y="550455"/>
-                  </a:lnTo>
-                  <a:lnTo>
-                    <a:pt x="2167321" y="511293"/>
-                  </a:lnTo>
-                  <a:lnTo>
-                    <a:pt x="2215483" y="470969"/>
-                  </a:lnTo>
-                  <a:lnTo>
-                    <a:pt x="2263646" y="429464"/>
-                  </a:lnTo>
-                  <a:lnTo>
-                    <a:pt x="2311809" y="386762"/>
-                  </a:lnTo>
-                  <a:lnTo>
-                    <a:pt x="2359972" y="342846"/>
-                  </a:lnTo>
-                  <a:lnTo>
-                    <a:pt x="2408134" y="297698"/>
-                  </a:lnTo>
-                  <a:lnTo>
-                    <a:pt x="2456297" y="251302"/>
-                  </a:lnTo>
-                  <a:lnTo>
-                    <a:pt x="2504460" y="203640"/>
-                  </a:lnTo>
-                  <a:lnTo>
-                    <a:pt x="2552622" y="154696"/>
-                  </a:lnTo>
-                  <a:lnTo>
-                    <a:pt x="2600785" y="104453"/>
-                  </a:lnTo>
-                  <a:lnTo>
-                    <a:pt x="2648948" y="52893"/>
-                  </a:lnTo>
-                  <a:lnTo>
-                    <a:pt x="2697110" y="0"/>
+                    <a:pt x="46501" y="1375530"/>
+                  </a:lnTo>
+                  <a:lnTo>
+                    <a:pt x="93003" y="1370283"/>
+                  </a:lnTo>
+                  <a:lnTo>
+                    <a:pt x="139505" y="1364605"/>
+                  </a:lnTo>
+                  <a:lnTo>
+                    <a:pt x="186007" y="1358478"/>
+                  </a:lnTo>
+                  <a:lnTo>
+                    <a:pt x="232509" y="1351887"/>
+                  </a:lnTo>
+                  <a:lnTo>
+                    <a:pt x="279011" y="1344813"/>
+                  </a:lnTo>
+                  <a:lnTo>
+                    <a:pt x="325513" y="1337240"/>
+                  </a:lnTo>
+                  <a:lnTo>
+                    <a:pt x="372015" y="1329151"/>
+                  </a:lnTo>
+                  <a:lnTo>
+                    <a:pt x="418517" y="1320528"/>
+                  </a:lnTo>
+                  <a:lnTo>
+                    <a:pt x="465019" y="1311355"/>
+                  </a:lnTo>
+                  <a:lnTo>
+                    <a:pt x="511521" y="1301615"/>
+                  </a:lnTo>
+                  <a:lnTo>
+                    <a:pt x="558022" y="1291290"/>
+                  </a:lnTo>
+                  <a:lnTo>
+                    <a:pt x="604524" y="1280364"/>
+                  </a:lnTo>
+                  <a:lnTo>
+                    <a:pt x="651026" y="1268819"/>
+                  </a:lnTo>
+                  <a:lnTo>
+                    <a:pt x="697528" y="1256639"/>
+                  </a:lnTo>
+                  <a:lnTo>
+                    <a:pt x="744030" y="1243806"/>
+                  </a:lnTo>
+                  <a:lnTo>
+                    <a:pt x="790532" y="1230304"/>
+                  </a:lnTo>
+                  <a:lnTo>
+                    <a:pt x="837034" y="1216115"/>
+                  </a:lnTo>
+                  <a:lnTo>
+                    <a:pt x="883536" y="1201223"/>
+                  </a:lnTo>
+                  <a:lnTo>
+                    <a:pt x="930038" y="1185610"/>
+                  </a:lnTo>
+                  <a:lnTo>
+                    <a:pt x="976540" y="1169260"/>
+                  </a:lnTo>
+                  <a:lnTo>
+                    <a:pt x="1023042" y="1152155"/>
+                  </a:lnTo>
+                  <a:lnTo>
+                    <a:pt x="1069543" y="1134278"/>
+                  </a:lnTo>
+                  <a:lnTo>
+                    <a:pt x="1116045" y="1115612"/>
+                  </a:lnTo>
+                  <a:lnTo>
+                    <a:pt x="1162547" y="1096141"/>
+                  </a:lnTo>
+                  <a:lnTo>
+                    <a:pt x="1209049" y="1075847"/>
+                  </a:lnTo>
+                  <a:lnTo>
+                    <a:pt x="1255551" y="1054713"/>
+                  </a:lnTo>
+                  <a:lnTo>
+                    <a:pt x="1302053" y="1032722"/>
+                  </a:lnTo>
+                  <a:lnTo>
+                    <a:pt x="1348555" y="1009858"/>
+                  </a:lnTo>
+                  <a:lnTo>
+                    <a:pt x="1395057" y="986103"/>
+                  </a:lnTo>
+                  <a:lnTo>
+                    <a:pt x="1441559" y="961440"/>
+                  </a:lnTo>
+                  <a:lnTo>
+                    <a:pt x="1488061" y="935851"/>
+                  </a:lnTo>
+                  <a:lnTo>
+                    <a:pt x="1534563" y="909321"/>
+                  </a:lnTo>
+                  <a:lnTo>
+                    <a:pt x="1581064" y="881832"/>
+                  </a:lnTo>
+                  <a:lnTo>
+                    <a:pt x="1627566" y="853368"/>
+                  </a:lnTo>
+                  <a:lnTo>
+                    <a:pt x="1674068" y="823910"/>
+                  </a:lnTo>
+                  <a:lnTo>
+                    <a:pt x="1720570" y="793442"/>
+                  </a:lnTo>
+                  <a:lnTo>
+                    <a:pt x="1767072" y="761947"/>
+                  </a:lnTo>
+                  <a:lnTo>
+                    <a:pt x="1813574" y="729407"/>
+                  </a:lnTo>
+                  <a:lnTo>
+                    <a:pt x="1860076" y="695807"/>
+                  </a:lnTo>
+                  <a:lnTo>
+                    <a:pt x="1906578" y="661129"/>
+                  </a:lnTo>
+                  <a:lnTo>
+                    <a:pt x="1953080" y="625355"/>
+                  </a:lnTo>
+                  <a:lnTo>
+                    <a:pt x="1999582" y="588469"/>
+                  </a:lnTo>
+                  <a:lnTo>
+                    <a:pt x="2046084" y="550455"/>
+                  </a:lnTo>
+                  <a:lnTo>
+                    <a:pt x="2092586" y="511293"/>
+                  </a:lnTo>
+                  <a:lnTo>
+                    <a:pt x="2139087" y="470969"/>
+                  </a:lnTo>
+                  <a:lnTo>
+                    <a:pt x="2185589" y="429464"/>
+                  </a:lnTo>
+                  <a:lnTo>
+                    <a:pt x="2232091" y="386762"/>
+                  </a:lnTo>
+                  <a:lnTo>
+                    <a:pt x="2278593" y="342846"/>
+                  </a:lnTo>
+                  <a:lnTo>
+                    <a:pt x="2325095" y="297698"/>
+                  </a:lnTo>
+                  <a:lnTo>
+                    <a:pt x="2371597" y="251302"/>
+                  </a:lnTo>
+                  <a:lnTo>
+                    <a:pt x="2418099" y="203640"/>
+                  </a:lnTo>
+                  <a:lnTo>
+                    <a:pt x="2464601" y="154696"/>
+                  </a:lnTo>
+                  <a:lnTo>
+                    <a:pt x="2511103" y="104453"/>
+                  </a:lnTo>
+                  <a:lnTo>
+                    <a:pt x="2557605" y="52893"/>
+                  </a:lnTo>
+                  <a:lnTo>
+                    <a:pt x="2604107" y="0"/>
                   </a:lnTo>
                 </a:path>
               </a:pathLst>
@@ -7009,189 +7319,189 @@
         </p:sp>
         <p:sp>
           <p:nvSpPr>
-            <p:cNvPr id="61" name="pl61"/>
+            <p:cNvPr id="69" name="pl69"/>
             <p:cNvSpPr/>
             <p:nvPr/>
           </p:nvSpPr>
           <p:spPr>
             <a:xfrm>
               <a:off x="5145164" y="6840907"/>
-              <a:ext cx="2697110" cy="248096"/>
+              <a:ext cx="2604107" cy="248096"/>
             </a:xfrm>
             <a:custGeom>
               <a:avLst/>
               <a:pathLst>
-                <a:path w="2697110" h="248096">
+                <a:path w="2604107" h="248096">
                   <a:moveTo>
                     <a:pt x="0" y="248096"/>
                   </a:moveTo>
                   <a:lnTo>
-                    <a:pt x="48162" y="246561"/>
-                  </a:lnTo>
-                  <a:lnTo>
-                    <a:pt x="96325" y="244953"/>
-                  </a:lnTo>
-                  <a:lnTo>
-                    <a:pt x="144488" y="243268"/>
-                  </a:lnTo>
-                  <a:lnTo>
-                    <a:pt x="192650" y="241506"/>
-                  </a:lnTo>
-                  <a:lnTo>
-                    <a:pt x="240813" y="239666"/>
-                  </a:lnTo>
-                  <a:lnTo>
-                    <a:pt x="288976" y="237744"/>
-                  </a:lnTo>
-                  <a:lnTo>
-                    <a:pt x="337138" y="235739"/>
-                  </a:lnTo>
-                  <a:lnTo>
-                    <a:pt x="385301" y="233650"/>
-                  </a:lnTo>
-                  <a:lnTo>
-                    <a:pt x="433464" y="231475"/>
-                  </a:lnTo>
-                  <a:lnTo>
-                    <a:pt x="481626" y="229212"/>
-                  </a:lnTo>
-                  <a:lnTo>
-                    <a:pt x="529789" y="226859"/>
-                  </a:lnTo>
-                  <a:lnTo>
-                    <a:pt x="577952" y="224415"/>
-                  </a:lnTo>
-                  <a:lnTo>
-                    <a:pt x="626115" y="221878"/>
-                  </a:lnTo>
-                  <a:lnTo>
-                    <a:pt x="674277" y="219246"/>
-                  </a:lnTo>
-                  <a:lnTo>
-                    <a:pt x="722440" y="216518"/>
-                  </a:lnTo>
-                  <a:lnTo>
-                    <a:pt x="770603" y="213691"/>
-                  </a:lnTo>
-                  <a:lnTo>
-                    <a:pt x="818765" y="210764"/>
-                  </a:lnTo>
-                  <a:lnTo>
-                    <a:pt x="866928" y="207735"/>
-                  </a:lnTo>
-                  <a:lnTo>
-                    <a:pt x="915091" y="204603"/>
-                  </a:lnTo>
-                  <a:lnTo>
-                    <a:pt x="963253" y="201365"/>
-                  </a:lnTo>
-                  <a:lnTo>
-                    <a:pt x="1011416" y="198021"/>
-                  </a:lnTo>
-                  <a:lnTo>
-                    <a:pt x="1059579" y="194567"/>
-                  </a:lnTo>
-                  <a:lnTo>
-                    <a:pt x="1107741" y="191003"/>
-                  </a:lnTo>
-                  <a:lnTo>
-                    <a:pt x="1155904" y="187327"/>
-                  </a:lnTo>
-                  <a:lnTo>
-                    <a:pt x="1204067" y="183537"/>
-                  </a:lnTo>
-                  <a:lnTo>
-                    <a:pt x="1252230" y="179631"/>
-                  </a:lnTo>
-                  <a:lnTo>
-                    <a:pt x="1300392" y="175608"/>
-                  </a:lnTo>
-                  <a:lnTo>
-                    <a:pt x="1348555" y="171465"/>
-                  </a:lnTo>
-                  <a:lnTo>
-                    <a:pt x="1396718" y="167201"/>
-                  </a:lnTo>
-                  <a:lnTo>
-                    <a:pt x="1444880" y="162815"/>
-                  </a:lnTo>
-                  <a:lnTo>
-                    <a:pt x="1493043" y="158304"/>
-                  </a:lnTo>
-                  <a:lnTo>
-                    <a:pt x="1541206" y="153667"/>
-                  </a:lnTo>
-                  <a:lnTo>
-                    <a:pt x="1589368" y="148902"/>
-                  </a:lnTo>
-                  <a:lnTo>
-                    <a:pt x="1637531" y="144008"/>
-                  </a:lnTo>
-                  <a:lnTo>
-                    <a:pt x="1685694" y="138982"/>
-                  </a:lnTo>
-                  <a:lnTo>
-                    <a:pt x="1733856" y="133823"/>
-                  </a:lnTo>
-                  <a:lnTo>
-                    <a:pt x="1782019" y="128529"/>
-                  </a:lnTo>
-                  <a:lnTo>
-                    <a:pt x="1830182" y="123098"/>
-                  </a:lnTo>
-                  <a:lnTo>
-                    <a:pt x="1878345" y="117529"/>
-                  </a:lnTo>
-                  <a:lnTo>
-                    <a:pt x="1926507" y="111820"/>
-                  </a:lnTo>
-                  <a:lnTo>
-                    <a:pt x="1974670" y="105969"/>
-                  </a:lnTo>
-                  <a:lnTo>
-                    <a:pt x="2022833" y="99975"/>
-                  </a:lnTo>
-                  <a:lnTo>
-                    <a:pt x="2070995" y="93835"/>
-                  </a:lnTo>
-                  <a:lnTo>
-                    <a:pt x="2119158" y="87548"/>
-                  </a:lnTo>
-                  <a:lnTo>
-                    <a:pt x="2167321" y="81112"/>
-                  </a:lnTo>
-                  <a:lnTo>
-                    <a:pt x="2215483" y="74526"/>
-                  </a:lnTo>
-                  <a:lnTo>
-                    <a:pt x="2263646" y="67787"/>
-                  </a:lnTo>
-                  <a:lnTo>
-                    <a:pt x="2311809" y="60895"/>
-                  </a:lnTo>
-                  <a:lnTo>
-                    <a:pt x="2359972" y="53846"/>
-                  </a:lnTo>
-                  <a:lnTo>
-                    <a:pt x="2408134" y="46640"/>
-                  </a:lnTo>
-                  <a:lnTo>
-                    <a:pt x="2456297" y="39275"/>
-                  </a:lnTo>
-                  <a:lnTo>
-                    <a:pt x="2504460" y="31749"/>
-                  </a:lnTo>
-                  <a:lnTo>
-                    <a:pt x="2552622" y="24060"/>
-                  </a:lnTo>
-                  <a:lnTo>
-                    <a:pt x="2600785" y="16207"/>
-                  </a:lnTo>
-                  <a:lnTo>
-                    <a:pt x="2648948" y="8187"/>
-                  </a:lnTo>
-                  <a:lnTo>
-                    <a:pt x="2697110" y="0"/>
+                    <a:pt x="46501" y="246561"/>
+                  </a:lnTo>
+                  <a:lnTo>
+                    <a:pt x="93003" y="244953"/>
+                  </a:lnTo>
+                  <a:lnTo>
+                    <a:pt x="139505" y="243268"/>
+                  </a:lnTo>
+                  <a:lnTo>
+                    <a:pt x="186007" y="241506"/>
+                  </a:lnTo>
+                  <a:lnTo>
+                    <a:pt x="232509" y="239666"/>
+                  </a:lnTo>
+                  <a:lnTo>
+                    <a:pt x="279011" y="237744"/>
+                  </a:lnTo>
+                  <a:lnTo>
+                    <a:pt x="325513" y="235739"/>
+                  </a:lnTo>
+                  <a:lnTo>
+                    <a:pt x="372015" y="233650"/>
+                  </a:lnTo>
+                  <a:lnTo>
+                    <a:pt x="418517" y="231475"/>
+                  </a:lnTo>
+                  <a:lnTo>
+                    <a:pt x="465019" y="229212"/>
+                  </a:lnTo>
+                  <a:lnTo>
+                    <a:pt x="511521" y="226859"/>
+                  </a:lnTo>
+                  <a:lnTo>
+                    <a:pt x="558022" y="224415"/>
+                  </a:lnTo>
+                  <a:lnTo>
+                    <a:pt x="604524" y="221878"/>
+                  </a:lnTo>
+                  <a:lnTo>
+                    <a:pt x="651026" y="219246"/>
+                  </a:lnTo>
+                  <a:lnTo>
+                    <a:pt x="697528" y="216518"/>
+                  </a:lnTo>
+                  <a:lnTo>
+                    <a:pt x="744030" y="213691"/>
+                  </a:lnTo>
+                  <a:lnTo>
+                    <a:pt x="790532" y="210764"/>
+                  </a:lnTo>
+                  <a:lnTo>
+                    <a:pt x="837034" y="207735"/>
+                  </a:lnTo>
+                  <a:lnTo>
+                    <a:pt x="883536" y="204603"/>
+                  </a:lnTo>
+                  <a:lnTo>
+                    <a:pt x="930038" y="201365"/>
+                  </a:lnTo>
+                  <a:lnTo>
+                    <a:pt x="976540" y="198021"/>
+                  </a:lnTo>
+                  <a:lnTo>
+                    <a:pt x="1023042" y="194567"/>
+                  </a:lnTo>
+                  <a:lnTo>
+                    <a:pt x="1069543" y="191003"/>
+                  </a:lnTo>
+                  <a:lnTo>
+                    <a:pt x="1116045" y="187327"/>
+                  </a:lnTo>
+                  <a:lnTo>
+                    <a:pt x="1162547" y="183537"/>
+                  </a:lnTo>
+                  <a:lnTo>
+                    <a:pt x="1209049" y="179631"/>
+                  </a:lnTo>
+                  <a:lnTo>
+                    <a:pt x="1255551" y="175608"/>
+                  </a:lnTo>
+                  <a:lnTo>
+                    <a:pt x="1302053" y="171465"/>
+                  </a:lnTo>
+                  <a:lnTo>
+                    <a:pt x="1348555" y="167201"/>
+                  </a:lnTo>
+                  <a:lnTo>
+                    <a:pt x="1395057" y="162815"/>
+                  </a:lnTo>
+                  <a:lnTo>
+                    <a:pt x="1441559" y="158304"/>
+                  </a:lnTo>
+                  <a:lnTo>
+                    <a:pt x="1488061" y="153667"/>
+                  </a:lnTo>
+                  <a:lnTo>
+                    <a:pt x="1534563" y="148902"/>
+                  </a:lnTo>
+                  <a:lnTo>
+                    <a:pt x="1581064" y="144008"/>
+                  </a:lnTo>
+                  <a:lnTo>
+                    <a:pt x="1627566" y="138982"/>
+                  </a:lnTo>
+                  <a:lnTo>
+                    <a:pt x="1674068" y="133823"/>
+                  </a:lnTo>
+                  <a:lnTo>
+                    <a:pt x="1720570" y="128529"/>
+                  </a:lnTo>
+                  <a:lnTo>
+                    <a:pt x="1767072" y="123098"/>
+                  </a:lnTo>
+                  <a:lnTo>
+                    <a:pt x="1813574" y="117529"/>
+                  </a:lnTo>
+                  <a:lnTo>
+                    <a:pt x="1860076" y="111820"/>
+                  </a:lnTo>
+                  <a:lnTo>
+                    <a:pt x="1906578" y="105969"/>
+                  </a:lnTo>
+                  <a:lnTo>
+                    <a:pt x="1953080" y="99975"/>
+                  </a:lnTo>
+                  <a:lnTo>
+                    <a:pt x="1999582" y="93835"/>
+                  </a:lnTo>
+                  <a:lnTo>
+                    <a:pt x="2046084" y="87548"/>
+                  </a:lnTo>
+                  <a:lnTo>
+                    <a:pt x="2092586" y="81112"/>
+                  </a:lnTo>
+                  <a:lnTo>
+                    <a:pt x="2139087" y="74526"/>
+                  </a:lnTo>
+                  <a:lnTo>
+                    <a:pt x="2185589" y="67787"/>
+                  </a:lnTo>
+                  <a:lnTo>
+                    <a:pt x="2232091" y="60895"/>
+                  </a:lnTo>
+                  <a:lnTo>
+                    <a:pt x="2278593" y="53846"/>
+                  </a:lnTo>
+                  <a:lnTo>
+                    <a:pt x="2325095" y="46640"/>
+                  </a:lnTo>
+                  <a:lnTo>
+                    <a:pt x="2371597" y="39275"/>
+                  </a:lnTo>
+                  <a:lnTo>
+                    <a:pt x="2418099" y="31749"/>
+                  </a:lnTo>
+                  <a:lnTo>
+                    <a:pt x="2464601" y="24060"/>
+                  </a:lnTo>
+                  <a:lnTo>
+                    <a:pt x="2511103" y="16207"/>
+                  </a:lnTo>
+                  <a:lnTo>
+                    <a:pt x="2557605" y="8187"/>
+                  </a:lnTo>
+                  <a:lnTo>
+                    <a:pt x="2604107" y="0"/>
                   </a:lnTo>
                 </a:path>
               </a:pathLst>
@@ -7214,189 +7524,189 @@
         </p:sp>
         <p:sp>
           <p:nvSpPr>
-            <p:cNvPr id="62" name="pl62"/>
+            <p:cNvPr id="70" name="pl70"/>
             <p:cNvSpPr/>
             <p:nvPr/>
           </p:nvSpPr>
           <p:spPr>
             <a:xfrm>
               <a:off x="5145164" y="5980506"/>
-              <a:ext cx="2697110" cy="1089231"/>
+              <a:ext cx="2604107" cy="1089231"/>
             </a:xfrm>
             <a:custGeom>
               <a:avLst/>
               <a:pathLst>
-                <a:path w="2697110" h="1089231">
+                <a:path w="2604107" h="1089231">
                   <a:moveTo>
                     <a:pt x="0" y="1089231"/>
                   </a:moveTo>
                   <a:lnTo>
-                    <a:pt x="48162" y="1084688"/>
-                  </a:lnTo>
-                  <a:lnTo>
-                    <a:pt x="96325" y="1079813"/>
-                  </a:lnTo>
-                  <a:lnTo>
-                    <a:pt x="144488" y="1074595"/>
-                  </a:lnTo>
-                  <a:lnTo>
-                    <a:pt x="192650" y="1069021"/>
-                  </a:lnTo>
-                  <a:lnTo>
-                    <a:pt x="240813" y="1063081"/>
-                  </a:lnTo>
-                  <a:lnTo>
-                    <a:pt x="288976" y="1056763"/>
-                  </a:lnTo>
-                  <a:lnTo>
-                    <a:pt x="337138" y="1050054"/>
-                  </a:lnTo>
-                  <a:lnTo>
-                    <a:pt x="385301" y="1042943"/>
-                  </a:lnTo>
-                  <a:lnTo>
-                    <a:pt x="433464" y="1035419"/>
-                  </a:lnTo>
-                  <a:lnTo>
-                    <a:pt x="481626" y="1027470"/>
-                  </a:lnTo>
-                  <a:lnTo>
-                    <a:pt x="529789" y="1019084"/>
-                  </a:lnTo>
-                  <a:lnTo>
-                    <a:pt x="577952" y="1010249"/>
-                  </a:lnTo>
-                  <a:lnTo>
-                    <a:pt x="626115" y="1000954"/>
-                  </a:lnTo>
-                  <a:lnTo>
-                    <a:pt x="674277" y="991187"/>
-                  </a:lnTo>
-                  <a:lnTo>
-                    <a:pt x="722440" y="980936"/>
-                  </a:lnTo>
-                  <a:lnTo>
-                    <a:pt x="770603" y="970190"/>
-                  </a:lnTo>
-                  <a:lnTo>
-                    <a:pt x="818765" y="958937"/>
-                  </a:lnTo>
-                  <a:lnTo>
-                    <a:pt x="866928" y="947166"/>
-                  </a:lnTo>
-                  <a:lnTo>
-                    <a:pt x="915091" y="934863"/>
-                  </a:lnTo>
-                  <a:lnTo>
-                    <a:pt x="963253" y="922019"/>
-                  </a:lnTo>
-                  <a:lnTo>
-                    <a:pt x="1011416" y="908621"/>
-                  </a:lnTo>
-                  <a:lnTo>
-                    <a:pt x="1059579" y="894658"/>
-                  </a:lnTo>
-                  <a:lnTo>
-                    <a:pt x="1107741" y="880117"/>
-                  </a:lnTo>
-                  <a:lnTo>
-                    <a:pt x="1155904" y="864988"/>
-                  </a:lnTo>
-                  <a:lnTo>
-                    <a:pt x="1204067" y="849258"/>
-                  </a:lnTo>
-                  <a:lnTo>
-                    <a:pt x="1252230" y="832916"/>
-                  </a:lnTo>
-                  <a:lnTo>
-                    <a:pt x="1300392" y="815950"/>
-                  </a:lnTo>
-                  <a:lnTo>
-                    <a:pt x="1348555" y="798348"/>
-                  </a:lnTo>
-                  <a:lnTo>
-                    <a:pt x="1396718" y="780099"/>
-                  </a:lnTo>
-                  <a:lnTo>
-                    <a:pt x="1444880" y="761191"/>
-                  </a:lnTo>
-                  <a:lnTo>
-                    <a:pt x="1493043" y="741612"/>
-                  </a:lnTo>
-                  <a:lnTo>
-                    <a:pt x="1541206" y="721352"/>
-                  </a:lnTo>
-                  <a:lnTo>
-                    <a:pt x="1589368" y="700397"/>
-                  </a:lnTo>
-                  <a:lnTo>
-                    <a:pt x="1637531" y="678736"/>
-                  </a:lnTo>
-                  <a:lnTo>
-                    <a:pt x="1685694" y="656358"/>
-                  </a:lnTo>
-                  <a:lnTo>
-                    <a:pt x="1733856" y="633251"/>
-                  </a:lnTo>
-                  <a:lnTo>
-                    <a:pt x="1782019" y="609403"/>
-                  </a:lnTo>
-                  <a:lnTo>
-                    <a:pt x="1830182" y="584803"/>
-                  </a:lnTo>
-                  <a:lnTo>
-                    <a:pt x="1878345" y="559438"/>
-                  </a:lnTo>
-                  <a:lnTo>
-                    <a:pt x="1926507" y="533298"/>
-                  </a:lnTo>
-                  <a:lnTo>
-                    <a:pt x="1974670" y="506370"/>
-                  </a:lnTo>
-                  <a:lnTo>
-                    <a:pt x="2022833" y="478643"/>
-                  </a:lnTo>
-                  <a:lnTo>
-                    <a:pt x="2070995" y="450104"/>
-                  </a:lnTo>
-                  <a:lnTo>
-                    <a:pt x="2119158" y="420744"/>
-                  </a:lnTo>
-                  <a:lnTo>
-                    <a:pt x="2167321" y="390549"/>
-                  </a:lnTo>
-                  <a:lnTo>
-                    <a:pt x="2215483" y="359508"/>
-                  </a:lnTo>
-                  <a:lnTo>
-                    <a:pt x="2263646" y="327609"/>
-                  </a:lnTo>
-                  <a:lnTo>
-                    <a:pt x="2311809" y="294842"/>
-                  </a:lnTo>
-                  <a:lnTo>
-                    <a:pt x="2359972" y="261193"/>
-                  </a:lnTo>
-                  <a:lnTo>
-                    <a:pt x="2408134" y="226651"/>
-                  </a:lnTo>
-                  <a:lnTo>
-                    <a:pt x="2456297" y="191205"/>
-                  </a:lnTo>
-                  <a:lnTo>
-                    <a:pt x="2504460" y="154843"/>
-                  </a:lnTo>
-                  <a:lnTo>
-                    <a:pt x="2552622" y="117553"/>
-                  </a:lnTo>
-                  <a:lnTo>
-                    <a:pt x="2600785" y="79323"/>
-                  </a:lnTo>
-                  <a:lnTo>
-                    <a:pt x="2648948" y="40143"/>
-                  </a:lnTo>
-                  <a:lnTo>
-                    <a:pt x="2697110" y="0"/>
+                    <a:pt x="46501" y="1084688"/>
+                  </a:lnTo>
+                  <a:lnTo>
+                    <a:pt x="93003" y="1079813"/>
+                  </a:lnTo>
+                  <a:lnTo>
+                    <a:pt x="139505" y="1074595"/>
+                  </a:lnTo>
+                  <a:lnTo>
+                    <a:pt x="186007" y="1069021"/>
+                  </a:lnTo>
+                  <a:lnTo>
+                    <a:pt x="232509" y="1063081"/>
+                  </a:lnTo>
+                  <a:lnTo>
+                    <a:pt x="279011" y="1056763"/>
+                  </a:lnTo>
+                  <a:lnTo>
+                    <a:pt x="325513" y="1050054"/>
+                  </a:lnTo>
+                  <a:lnTo>
+                    <a:pt x="372015" y="1042943"/>
+                  </a:lnTo>
+                  <a:lnTo>
+                    <a:pt x="418517" y="1035419"/>
+                  </a:lnTo>
+                  <a:lnTo>
+                    <a:pt x="465019" y="1027470"/>
+                  </a:lnTo>
+                  <a:lnTo>
+                    <a:pt x="511521" y="1019084"/>
+                  </a:lnTo>
+                  <a:lnTo>
+                    <a:pt x="558022" y="1010249"/>
+                  </a:lnTo>
+                  <a:lnTo>
+                    <a:pt x="604524" y="1000954"/>
+                  </a:lnTo>
+                  <a:lnTo>
+                    <a:pt x="651026" y="991187"/>
+                  </a:lnTo>
+                  <a:lnTo>
+                    <a:pt x="697528" y="980936"/>
+                  </a:lnTo>
+                  <a:lnTo>
+                    <a:pt x="744030" y="970190"/>
+                  </a:lnTo>
+                  <a:lnTo>
+                    <a:pt x="790532" y="958937"/>
+                  </a:lnTo>
+                  <a:lnTo>
+                    <a:pt x="837034" y="947166"/>
+                  </a:lnTo>
+                  <a:lnTo>
+                    <a:pt x="883536" y="934863"/>
+                  </a:lnTo>
+                  <a:lnTo>
+                    <a:pt x="930038" y="922019"/>
+                  </a:lnTo>
+                  <a:lnTo>
+                    <a:pt x="976540" y="908621"/>
+                  </a:lnTo>
+                  <a:lnTo>
+                    <a:pt x="1023042" y="894658"/>
+                  </a:lnTo>
+                  <a:lnTo>
+                    <a:pt x="1069543" y="880117"/>
+                  </a:lnTo>
+                  <a:lnTo>
+                    <a:pt x="1116045" y="864988"/>
+                  </a:lnTo>
+                  <a:lnTo>
+                    <a:pt x="1162547" y="849258"/>
+                  </a:lnTo>
+                  <a:lnTo>
+                    <a:pt x="1209049" y="832916"/>
+                  </a:lnTo>
+                  <a:lnTo>
+                    <a:pt x="1255551" y="815950"/>
+                  </a:lnTo>
+                  <a:lnTo>
+                    <a:pt x="1302053" y="798348"/>
+                  </a:lnTo>
+                  <a:lnTo>
+                    <a:pt x="1348555" y="780099"/>
+                  </a:lnTo>
+                  <a:lnTo>
+                    <a:pt x="1395057" y="761191"/>
+                  </a:lnTo>
+                  <a:lnTo>
+                    <a:pt x="1441559" y="741612"/>
+                  </a:lnTo>
+                  <a:lnTo>
+                    <a:pt x="1488061" y="721352"/>
+                  </a:lnTo>
+                  <a:lnTo>
+                    <a:pt x="1534563" y="700397"/>
+                  </a:lnTo>
+                  <a:lnTo>
+                    <a:pt x="1581064" y="678736"/>
+                  </a:lnTo>
+                  <a:lnTo>
+                    <a:pt x="1627566" y="656358"/>
+                  </a:lnTo>
+                  <a:lnTo>
+                    <a:pt x="1674068" y="633251"/>
+                  </a:lnTo>
+                  <a:lnTo>
+                    <a:pt x="1720570" y="609403"/>
+                  </a:lnTo>
+                  <a:lnTo>
+                    <a:pt x="1767072" y="584803"/>
+                  </a:lnTo>
+                  <a:lnTo>
+                    <a:pt x="1813574" y="559438"/>
+                  </a:lnTo>
+                  <a:lnTo>
+                    <a:pt x="1860076" y="533298"/>
+                  </a:lnTo>
+                  <a:lnTo>
+                    <a:pt x="1906578" y="506370"/>
+                  </a:lnTo>
+                  <a:lnTo>
+                    <a:pt x="1953080" y="478643"/>
+                  </a:lnTo>
+                  <a:lnTo>
+                    <a:pt x="1999582" y="450104"/>
+                  </a:lnTo>
+                  <a:lnTo>
+                    <a:pt x="2046084" y="420744"/>
+                  </a:lnTo>
+                  <a:lnTo>
+                    <a:pt x="2092586" y="390549"/>
+                  </a:lnTo>
+                  <a:lnTo>
+                    <a:pt x="2139087" y="359508"/>
+                  </a:lnTo>
+                  <a:lnTo>
+                    <a:pt x="2185589" y="327609"/>
+                  </a:lnTo>
+                  <a:lnTo>
+                    <a:pt x="2232091" y="294842"/>
+                  </a:lnTo>
+                  <a:lnTo>
+                    <a:pt x="2278593" y="261193"/>
+                  </a:lnTo>
+                  <a:lnTo>
+                    <a:pt x="2325095" y="226651"/>
+                  </a:lnTo>
+                  <a:lnTo>
+                    <a:pt x="2371597" y="191205"/>
+                  </a:lnTo>
+                  <a:lnTo>
+                    <a:pt x="2418099" y="154843"/>
+                  </a:lnTo>
+                  <a:lnTo>
+                    <a:pt x="2464601" y="117553"/>
+                  </a:lnTo>
+                  <a:lnTo>
+                    <a:pt x="2511103" y="79323"/>
+                  </a:lnTo>
+                  <a:lnTo>
+                    <a:pt x="2557605" y="40143"/>
+                  </a:lnTo>
+                  <a:lnTo>
+                    <a:pt x="2604107" y="0"/>
                   </a:lnTo>
                 </a:path>
               </a:pathLst>
@@ -7419,189 +7729,189 @@
         </p:sp>
         <p:sp>
           <p:nvSpPr>
-            <p:cNvPr id="63" name="pl63"/>
+            <p:cNvPr id="71" name="pl71"/>
             <p:cNvSpPr/>
             <p:nvPr/>
           </p:nvSpPr>
           <p:spPr>
             <a:xfrm>
               <a:off x="5145164" y="6566804"/>
-              <a:ext cx="2697110" cy="498483"/>
+              <a:ext cx="2604107" cy="498483"/>
             </a:xfrm>
             <a:custGeom>
               <a:avLst/>
               <a:pathLst>
-                <a:path w="2697110" h="498483">
+                <a:path w="2604107" h="498483">
                   <a:moveTo>
                     <a:pt x="0" y="498483"/>
                   </a:moveTo>
                   <a:lnTo>
-                    <a:pt x="48162" y="495308"/>
-                  </a:lnTo>
-                  <a:lnTo>
-                    <a:pt x="96325" y="491986"/>
-                  </a:lnTo>
-                  <a:lnTo>
-                    <a:pt x="144488" y="488512"/>
-                  </a:lnTo>
-                  <a:lnTo>
-                    <a:pt x="192650" y="484883"/>
-                  </a:lnTo>
-                  <a:lnTo>
-                    <a:pt x="240813" y="481097"/>
-                  </a:lnTo>
-                  <a:lnTo>
-                    <a:pt x="288976" y="477150"/>
-                  </a:lnTo>
-                  <a:lnTo>
-                    <a:pt x="337138" y="473038"/>
-                  </a:lnTo>
-                  <a:lnTo>
-                    <a:pt x="385301" y="468758"/>
-                  </a:lnTo>
-                  <a:lnTo>
-                    <a:pt x="433464" y="464307"/>
-                  </a:lnTo>
-                  <a:lnTo>
-                    <a:pt x="481626" y="459681"/>
-                  </a:lnTo>
-                  <a:lnTo>
-                    <a:pt x="529789" y="454877"/>
-                  </a:lnTo>
-                  <a:lnTo>
-                    <a:pt x="577952" y="449892"/>
-                  </a:lnTo>
-                  <a:lnTo>
-                    <a:pt x="626115" y="444722"/>
-                  </a:lnTo>
-                  <a:lnTo>
-                    <a:pt x="674277" y="439364"/>
-                  </a:lnTo>
-                  <a:lnTo>
-                    <a:pt x="722440" y="433815"/>
-                  </a:lnTo>
-                  <a:lnTo>
-                    <a:pt x="770603" y="428071"/>
-                  </a:lnTo>
-                  <a:lnTo>
-                    <a:pt x="818765" y="422129"/>
-                  </a:lnTo>
-                  <a:lnTo>
-                    <a:pt x="866928" y="415985"/>
-                  </a:lnTo>
-                  <a:lnTo>
-                    <a:pt x="915091" y="409636"/>
-                  </a:lnTo>
-                  <a:lnTo>
-                    <a:pt x="963253" y="403079"/>
-                  </a:lnTo>
-                  <a:lnTo>
-                    <a:pt x="1011416" y="396311"/>
-                  </a:lnTo>
-                  <a:lnTo>
-                    <a:pt x="1059579" y="389327"/>
-                  </a:lnTo>
-                  <a:lnTo>
-                    <a:pt x="1107741" y="382126"/>
-                  </a:lnTo>
-                  <a:lnTo>
-                    <a:pt x="1155904" y="374702"/>
-                  </a:lnTo>
-                  <a:lnTo>
-                    <a:pt x="1204067" y="367054"/>
-                  </a:lnTo>
-                  <a:lnTo>
-                    <a:pt x="1252230" y="359177"/>
-                  </a:lnTo>
-                  <a:lnTo>
-                    <a:pt x="1300392" y="351068"/>
-                  </a:lnTo>
-                  <a:lnTo>
-                    <a:pt x="1348555" y="342724"/>
-                  </a:lnTo>
-                  <a:lnTo>
-                    <a:pt x="1396718" y="334142"/>
-                  </a:lnTo>
-                  <a:lnTo>
-                    <a:pt x="1444880" y="325318"/>
-                  </a:lnTo>
-                  <a:lnTo>
-                    <a:pt x="1493043" y="316249"/>
-                  </a:lnTo>
-                  <a:lnTo>
-                    <a:pt x="1541206" y="306931"/>
-                  </a:lnTo>
-                  <a:lnTo>
-                    <a:pt x="1589368" y="297361"/>
-                  </a:lnTo>
-                  <a:lnTo>
-                    <a:pt x="1637531" y="287536"/>
-                  </a:lnTo>
-                  <a:lnTo>
-                    <a:pt x="1685694" y="277453"/>
-                  </a:lnTo>
-                  <a:lnTo>
-                    <a:pt x="1733856" y="267107"/>
-                  </a:lnTo>
-                  <a:lnTo>
-                    <a:pt x="1782019" y="256496"/>
-                  </a:lnTo>
-                  <a:lnTo>
-                    <a:pt x="1830182" y="245616"/>
-                  </a:lnTo>
-                  <a:lnTo>
-                    <a:pt x="1878345" y="234464"/>
-                  </a:lnTo>
-                  <a:lnTo>
-                    <a:pt x="1926507" y="223037"/>
-                  </a:lnTo>
-                  <a:lnTo>
-                    <a:pt x="1974670" y="211331"/>
-                  </a:lnTo>
-                  <a:lnTo>
-                    <a:pt x="2022833" y="199343"/>
-                  </a:lnTo>
-                  <a:lnTo>
-                    <a:pt x="2070995" y="187069"/>
-                  </a:lnTo>
-                  <a:lnTo>
-                    <a:pt x="2119158" y="174506"/>
-                  </a:lnTo>
-                  <a:lnTo>
-                    <a:pt x="2167321" y="161652"/>
-                  </a:lnTo>
-                  <a:lnTo>
-                    <a:pt x="2215483" y="148501"/>
-                  </a:lnTo>
-                  <a:lnTo>
-                    <a:pt x="2263646" y="135052"/>
-                  </a:lnTo>
-                  <a:lnTo>
-                    <a:pt x="2311809" y="121300"/>
-                  </a:lnTo>
-                  <a:lnTo>
-                    <a:pt x="2359972" y="107243"/>
-                  </a:lnTo>
-                  <a:lnTo>
-                    <a:pt x="2408134" y="92876"/>
-                  </a:lnTo>
-                  <a:lnTo>
-                    <a:pt x="2456297" y="78197"/>
-                  </a:lnTo>
-                  <a:lnTo>
-                    <a:pt x="2504460" y="63203"/>
-                  </a:lnTo>
-                  <a:lnTo>
-                    <a:pt x="2552622" y="47889"/>
-                  </a:lnTo>
-                  <a:lnTo>
-                    <a:pt x="2600785" y="32253"/>
-                  </a:lnTo>
-                  <a:lnTo>
-                    <a:pt x="2648948" y="16291"/>
-                  </a:lnTo>
-                  <a:lnTo>
-                    <a:pt x="2697110" y="0"/>
+                    <a:pt x="46501" y="495308"/>
+                  </a:lnTo>
+                  <a:lnTo>
+                    <a:pt x="93003" y="491986"/>
+                  </a:lnTo>
+                  <a:lnTo>
+                    <a:pt x="139505" y="488512"/>
+                  </a:lnTo>
+                  <a:lnTo>
+                    <a:pt x="186007" y="484883"/>
+                  </a:lnTo>
+                  <a:lnTo>
+                    <a:pt x="232509" y="481097"/>
+                  </a:lnTo>
+                  <a:lnTo>
+                    <a:pt x="279011" y="477150"/>
+                  </a:lnTo>
+                  <a:lnTo>
+                    <a:pt x="325513" y="473038"/>
+                  </a:lnTo>
+                  <a:lnTo>
+                    <a:pt x="372015" y="468758"/>
+                  </a:lnTo>
+                  <a:lnTo>
+                    <a:pt x="418517" y="464307"/>
+                  </a:lnTo>
+                  <a:lnTo>
+                    <a:pt x="465019" y="459681"/>
+                  </a:lnTo>
+                  <a:lnTo>
+                    <a:pt x="511521" y="454877"/>
+                  </a:lnTo>
+                  <a:lnTo>
+                    <a:pt x="558022" y="449892"/>
+                  </a:lnTo>
+                  <a:lnTo>
+                    <a:pt x="604524" y="444722"/>
+                  </a:lnTo>
+                  <a:lnTo>
+                    <a:pt x="651026" y="439364"/>
+                  </a:lnTo>
+                  <a:lnTo>
+                    <a:pt x="697528" y="433815"/>
+                  </a:lnTo>
+                  <a:lnTo>
+                    <a:pt x="744030" y="428071"/>
+                  </a:lnTo>
+                  <a:lnTo>
+                    <a:pt x="790532" y="422129"/>
+                  </a:lnTo>
+                  <a:lnTo>
+                    <a:pt x="837034" y="415985"/>
+                  </a:lnTo>
+                  <a:lnTo>
+                    <a:pt x="883536" y="409636"/>
+                  </a:lnTo>
+                  <a:lnTo>
+                    <a:pt x="930038" y="403079"/>
+                  </a:lnTo>
+                  <a:lnTo>
+                    <a:pt x="976540" y="396311"/>
+                  </a:lnTo>
+                  <a:lnTo>
+                    <a:pt x="1023042" y="389327"/>
+                  </a:lnTo>
+                  <a:lnTo>
+                    <a:pt x="1069543" y="382126"/>
+                  </a:lnTo>
+                  <a:lnTo>
+                    <a:pt x="1116045" y="374702"/>
+                  </a:lnTo>
+                  <a:lnTo>
+                    <a:pt x="1162547" y="367054"/>
+                  </a:lnTo>
+                  <a:lnTo>
+                    <a:pt x="1209049" y="359177"/>
+                  </a:lnTo>
+                  <a:lnTo>
+                    <a:pt x="1255551" y="351068"/>
+                  </a:lnTo>
+                  <a:lnTo>
+                    <a:pt x="1302053" y="342724"/>
+                  </a:lnTo>
+                  <a:lnTo>
+                    <a:pt x="1348555" y="334142"/>
+                  </a:lnTo>
+                  <a:lnTo>
+                    <a:pt x="1395057" y="325318"/>
+                  </a:lnTo>
+                  <a:lnTo>
+                    <a:pt x="1441559" y="316249"/>
+                  </a:lnTo>
+                  <a:lnTo>
+                    <a:pt x="1488061" y="306931"/>
+                  </a:lnTo>
+                  <a:lnTo>
+                    <a:pt x="1534563" y="297361"/>
+                  </a:lnTo>
+                  <a:lnTo>
+                    <a:pt x="1581064" y="287536"/>
+                  </a:lnTo>
+                  <a:lnTo>
+                    <a:pt x="1627566" y="277453"/>
+                  </a:lnTo>
+                  <a:lnTo>
+                    <a:pt x="1674068" y="267107"/>
+                  </a:lnTo>
+                  <a:lnTo>
+                    <a:pt x="1720570" y="256496"/>
+                  </a:lnTo>
+                  <a:lnTo>
+                    <a:pt x="1767072" y="245616"/>
+                  </a:lnTo>
+                  <a:lnTo>
+                    <a:pt x="1813574" y="234464"/>
+                  </a:lnTo>
+                  <a:lnTo>
+                    <a:pt x="1860076" y="223037"/>
+                  </a:lnTo>
+                  <a:lnTo>
+                    <a:pt x="1906578" y="211331"/>
+                  </a:lnTo>
+                  <a:lnTo>
+                    <a:pt x="1953080" y="199343"/>
+                  </a:lnTo>
+                  <a:lnTo>
+                    <a:pt x="1999582" y="187069"/>
+                  </a:lnTo>
+                  <a:lnTo>
+                    <a:pt x="2046084" y="174506"/>
+                  </a:lnTo>
+                  <a:lnTo>
+                    <a:pt x="2092586" y="161652"/>
+                  </a:lnTo>
+                  <a:lnTo>
+                    <a:pt x="2139087" y="148501"/>
+                  </a:lnTo>
+                  <a:lnTo>
+                    <a:pt x="2185589" y="135052"/>
+                  </a:lnTo>
+                  <a:lnTo>
+                    <a:pt x="2232091" y="121300"/>
+                  </a:lnTo>
+                  <a:lnTo>
+                    <a:pt x="2278593" y="107243"/>
+                  </a:lnTo>
+                  <a:lnTo>
+                    <a:pt x="2325095" y="92876"/>
+                  </a:lnTo>
+                  <a:lnTo>
+                    <a:pt x="2371597" y="78197"/>
+                  </a:lnTo>
+                  <a:lnTo>
+                    <a:pt x="2418099" y="63203"/>
+                  </a:lnTo>
+                  <a:lnTo>
+                    <a:pt x="2464601" y="47889"/>
+                  </a:lnTo>
+                  <a:lnTo>
+                    <a:pt x="2511103" y="32253"/>
+                  </a:lnTo>
+                  <a:lnTo>
+                    <a:pt x="2557605" y="16291"/>
+                  </a:lnTo>
+                  <a:lnTo>
+                    <a:pt x="2604107" y="0"/>
                   </a:lnTo>
                 </a:path>
               </a:pathLst>
@@ -7624,189 +7934,189 @@
         </p:sp>
         <p:sp>
           <p:nvSpPr>
-            <p:cNvPr id="64" name="pl64"/>
+            <p:cNvPr id="72" name="pl72"/>
             <p:cNvSpPr/>
             <p:nvPr/>
           </p:nvSpPr>
           <p:spPr>
             <a:xfrm>
               <a:off x="5145164" y="5166993"/>
-              <a:ext cx="2697110" cy="1894736"/>
+              <a:ext cx="2604107" cy="1894736"/>
             </a:xfrm>
             <a:custGeom>
               <a:avLst/>
               <a:pathLst>
-                <a:path w="2697110" h="1894736">
+                <a:path w="2604107" h="1894736">
                   <a:moveTo>
                     <a:pt x="0" y="1894736"/>
                   </a:moveTo>
                   <a:lnTo>
-                    <a:pt x="48162" y="1888203"/>
-                  </a:lnTo>
-                  <a:lnTo>
-                    <a:pt x="96325" y="1881103"/>
-                  </a:lnTo>
-                  <a:lnTo>
-                    <a:pt x="144488" y="1873412"/>
-                  </a:lnTo>
-                  <a:lnTo>
-                    <a:pt x="192650" y="1865106"/>
-                  </a:lnTo>
-                  <a:lnTo>
-                    <a:pt x="240813" y="1856161"/>
-                  </a:lnTo>
-                  <a:lnTo>
-                    <a:pt x="288976" y="1846555"/>
-                  </a:lnTo>
-                  <a:lnTo>
-                    <a:pt x="337138" y="1836263"/>
-                  </a:lnTo>
-                  <a:lnTo>
-                    <a:pt x="385301" y="1825262"/>
-                  </a:lnTo>
-                  <a:lnTo>
-                    <a:pt x="433464" y="1813528"/>
-                  </a:lnTo>
-                  <a:lnTo>
-                    <a:pt x="481626" y="1801038"/>
-                  </a:lnTo>
-                  <a:lnTo>
-                    <a:pt x="529789" y="1787768"/>
-                  </a:lnTo>
-                  <a:lnTo>
-                    <a:pt x="577952" y="1773693"/>
-                  </a:lnTo>
-                  <a:lnTo>
-                    <a:pt x="626115" y="1758792"/>
-                  </a:lnTo>
-                  <a:lnTo>
-                    <a:pt x="674277" y="1743039"/>
-                  </a:lnTo>
-                  <a:lnTo>
-                    <a:pt x="722440" y="1726412"/>
-                  </a:lnTo>
-                  <a:lnTo>
-                    <a:pt x="770603" y="1708886"/>
-                  </a:lnTo>
-                  <a:lnTo>
-                    <a:pt x="818765" y="1690439"/>
-                  </a:lnTo>
-                  <a:lnTo>
-                    <a:pt x="866928" y="1671046"/>
-                  </a:lnTo>
-                  <a:lnTo>
-                    <a:pt x="915091" y="1650684"/>
-                  </a:lnTo>
-                  <a:lnTo>
-                    <a:pt x="963253" y="1629329"/>
-                  </a:lnTo>
-                  <a:lnTo>
-                    <a:pt x="1011416" y="1606958"/>
-                  </a:lnTo>
-                  <a:lnTo>
-                    <a:pt x="1059579" y="1583546"/>
-                  </a:lnTo>
-                  <a:lnTo>
-                    <a:pt x="1107741" y="1559071"/>
-                  </a:lnTo>
-                  <a:lnTo>
-                    <a:pt x="1155904" y="1533509"/>
-                  </a:lnTo>
-                  <a:lnTo>
-                    <a:pt x="1204067" y="1506836"/>
-                  </a:lnTo>
-                  <a:lnTo>
-                    <a:pt x="1252230" y="1479028"/>
-                  </a:lnTo>
-                  <a:lnTo>
-                    <a:pt x="1300392" y="1450062"/>
-                  </a:lnTo>
-                  <a:lnTo>
-                    <a:pt x="1348555" y="1419914"/>
-                  </a:lnTo>
-                  <a:lnTo>
-                    <a:pt x="1396718" y="1388560"/>
-                  </a:lnTo>
-                  <a:lnTo>
-                    <a:pt x="1444880" y="1355978"/>
-                  </a:lnTo>
-                  <a:lnTo>
-                    <a:pt x="1493043" y="1322142"/>
-                  </a:lnTo>
-                  <a:lnTo>
-                    <a:pt x="1541206" y="1287031"/>
-                  </a:lnTo>
-                  <a:lnTo>
-                    <a:pt x="1589368" y="1250619"/>
-                  </a:lnTo>
-                  <a:lnTo>
-                    <a:pt x="1637531" y="1212884"/>
-                  </a:lnTo>
-                  <a:lnTo>
-                    <a:pt x="1685694" y="1173801"/>
-                  </a:lnTo>
-                  <a:lnTo>
-                    <a:pt x="1733856" y="1133348"/>
-                  </a:lnTo>
-                  <a:lnTo>
-                    <a:pt x="1782019" y="1091500"/>
-                  </a:lnTo>
-                  <a:lnTo>
-                    <a:pt x="1830182" y="1048234"/>
-                  </a:lnTo>
-                  <a:lnTo>
-                    <a:pt x="1878345" y="1003526"/>
-                  </a:lnTo>
-                  <a:lnTo>
-                    <a:pt x="1926507" y="957353"/>
-                  </a:lnTo>
-                  <a:lnTo>
-                    <a:pt x="1974670" y="909690"/>
-                  </a:lnTo>
-                  <a:lnTo>
-                    <a:pt x="2022833" y="860515"/>
-                  </a:lnTo>
-                  <a:lnTo>
-                    <a:pt x="2070995" y="809804"/>
-                  </a:lnTo>
-                  <a:lnTo>
-                    <a:pt x="2119158" y="757533"/>
-                  </a:lnTo>
-                  <a:lnTo>
-                    <a:pt x="2167321" y="703678"/>
-                  </a:lnTo>
-                  <a:lnTo>
-                    <a:pt x="2215483" y="648216"/>
-                  </a:lnTo>
-                  <a:lnTo>
-                    <a:pt x="2263646" y="591123"/>
-                  </a:lnTo>
-                  <a:lnTo>
-                    <a:pt x="2311809" y="532375"/>
-                  </a:lnTo>
-                  <a:lnTo>
-                    <a:pt x="2359972" y="471950"/>
-                  </a:lnTo>
-                  <a:lnTo>
-                    <a:pt x="2408134" y="409823"/>
-                  </a:lnTo>
-                  <a:lnTo>
-                    <a:pt x="2456297" y="345970"/>
-                  </a:lnTo>
-                  <a:lnTo>
-                    <a:pt x="2504460" y="280368"/>
-                  </a:lnTo>
-                  <a:lnTo>
-                    <a:pt x="2552622" y="212994"/>
-                  </a:lnTo>
-                  <a:lnTo>
-                    <a:pt x="2600785" y="143824"/>
-                  </a:lnTo>
-                  <a:lnTo>
-                    <a:pt x="2648948" y="72833"/>
-                  </a:lnTo>
-                  <a:lnTo>
-                    <a:pt x="2697110" y="0"/>
+                    <a:pt x="46501" y="1888203"/>
+                  </a:lnTo>
+                  <a:lnTo>
+                    <a:pt x="93003" y="1881103"/>
+                  </a:lnTo>
+                  <a:lnTo>
+                    <a:pt x="139505" y="1873412"/>
+                  </a:lnTo>
+                  <a:lnTo>
+                    <a:pt x="186007" y="1865106"/>
+                  </a:lnTo>
+                  <a:lnTo>
+                    <a:pt x="232509" y="1856161"/>
+                  </a:lnTo>
+                  <a:lnTo>
+                    <a:pt x="279011" y="1846555"/>
+                  </a:lnTo>
+                  <a:lnTo>
+                    <a:pt x="325513" y="1836263"/>
+                  </a:lnTo>
+                  <a:lnTo>
+                    <a:pt x="372015" y="1825262"/>
+                  </a:lnTo>
+                  <a:lnTo>
+                    <a:pt x="418517" y="1813528"/>
+                  </a:lnTo>
+                  <a:lnTo>
+                    <a:pt x="465019" y="1801038"/>
+                  </a:lnTo>
+                  <a:lnTo>
+                    <a:pt x="511521" y="1787768"/>
+                  </a:lnTo>
+                  <a:lnTo>
+                    <a:pt x="558022" y="1773693"/>
+                  </a:lnTo>
+                  <a:lnTo>
+                    <a:pt x="604524" y="1758792"/>
+                  </a:lnTo>
+                  <a:lnTo>
+                    <a:pt x="651026" y="1743039"/>
+                  </a:lnTo>
+                  <a:lnTo>
+                    <a:pt x="697528" y="1726412"/>
+                  </a:lnTo>
+                  <a:lnTo>
+                    <a:pt x="744030" y="1708886"/>
+                  </a:lnTo>
+                  <a:lnTo>
+                    <a:pt x="790532" y="1690439"/>
+                  </a:lnTo>
+                  <a:lnTo>
+                    <a:pt x="837034" y="1671046"/>
+                  </a:lnTo>
+                  <a:lnTo>
+                    <a:pt x="883536" y="1650684"/>
+                  </a:lnTo>
+                  <a:lnTo>
+                    <a:pt x="930038" y="1629329"/>
+                  </a:lnTo>
+                  <a:lnTo>
+                    <a:pt x="976540" y="1606958"/>
+                  </a:lnTo>
+                  <a:lnTo>
+                    <a:pt x="1023042" y="1583546"/>
+                  </a:lnTo>
+                  <a:lnTo>
+                    <a:pt x="1069543" y="1559071"/>
+                  </a:lnTo>
+                  <a:lnTo>
+                    <a:pt x="1116045" y="1533509"/>
+                  </a:lnTo>
+                  <a:lnTo>
+                    <a:pt x="1162547" y="1506836"/>
+                  </a:lnTo>
+                  <a:lnTo>
+                    <a:pt x="1209049" y="1479028"/>
+                  </a:lnTo>
+                  <a:lnTo>
+                    <a:pt x="1255551" y="1450062"/>
+                  </a:lnTo>
+                  <a:lnTo>
+                    <a:pt x="1302053" y="1419914"/>
+                  </a:lnTo>
+                  <a:lnTo>
+                    <a:pt x="1348555" y="1388560"/>
+                  </a:lnTo>
+                  <a:lnTo>
+                    <a:pt x="1395057" y="1355978"/>
+                  </a:lnTo>
+                  <a:lnTo>
+                    <a:pt x="1441559" y="1322142"/>
+                  </a:lnTo>
+                  <a:lnTo>
+                    <a:pt x="1488061" y="1287031"/>
+                  </a:lnTo>
+                  <a:lnTo>
+                    <a:pt x="1534563" y="1250619"/>
+                  </a:lnTo>
+                  <a:lnTo>
+                    <a:pt x="1581064" y="1212884"/>
+                  </a:lnTo>
+                  <a:lnTo>
+                    <a:pt x="1627566" y="1173801"/>
+                  </a:lnTo>
+                  <a:lnTo>
+                    <a:pt x="1674068" y="1133348"/>
+                  </a:lnTo>
+                  <a:lnTo>
+                    <a:pt x="1720570" y="1091500"/>
+                  </a:lnTo>
+                  <a:lnTo>
+                    <a:pt x="1767072" y="1048234"/>
+                  </a:lnTo>
+                  <a:lnTo>
+                    <a:pt x="1813574" y="1003526"/>
+                  </a:lnTo>
+                  <a:lnTo>
+                    <a:pt x="1860076" y="957353"/>
+                  </a:lnTo>
+                  <a:lnTo>
+                    <a:pt x="1906578" y="909690"/>
+                  </a:lnTo>
+                  <a:lnTo>
+                    <a:pt x="1953080" y="860515"/>
+                  </a:lnTo>
+                  <a:lnTo>
+                    <a:pt x="1999582" y="809804"/>
+                  </a:lnTo>
+                  <a:lnTo>
+                    <a:pt x="2046084" y="757533"/>
+                  </a:lnTo>
+                  <a:lnTo>
+                    <a:pt x="2092586" y="703678"/>
+                  </a:lnTo>
+                  <a:lnTo>
+                    <a:pt x="2139087" y="648216"/>
+                  </a:lnTo>
+                  <a:lnTo>
+                    <a:pt x="2185589" y="591123"/>
+                  </a:lnTo>
+                  <a:lnTo>
+                    <a:pt x="2232091" y="532375"/>
+                  </a:lnTo>
+                  <a:lnTo>
+                    <a:pt x="2278593" y="471950"/>
+                  </a:lnTo>
+                  <a:lnTo>
+                    <a:pt x="2325095" y="409823"/>
+                  </a:lnTo>
+                  <a:lnTo>
+                    <a:pt x="2371597" y="345970"/>
+                  </a:lnTo>
+                  <a:lnTo>
+                    <a:pt x="2418099" y="280368"/>
+                  </a:lnTo>
+                  <a:lnTo>
+                    <a:pt x="2464601" y="212994"/>
+                  </a:lnTo>
+                  <a:lnTo>
+                    <a:pt x="2511103" y="143824"/>
+                  </a:lnTo>
+                  <a:lnTo>
+                    <a:pt x="2557605" y="72833"/>
+                  </a:lnTo>
+                  <a:lnTo>
+                    <a:pt x="2604107" y="0"/>
                   </a:lnTo>
                 </a:path>
               </a:pathLst>
@@ -7829,189 +8139,189 @@
         </p:sp>
         <p:sp>
           <p:nvSpPr>
-            <p:cNvPr id="65" name="pl65"/>
+            <p:cNvPr id="73" name="pl73"/>
             <p:cNvSpPr/>
             <p:nvPr/>
           </p:nvSpPr>
           <p:spPr>
             <a:xfrm>
               <a:off x="5145164" y="6476375"/>
-              <a:ext cx="2697110" cy="595837"/>
+              <a:ext cx="2604107" cy="595837"/>
             </a:xfrm>
             <a:custGeom>
               <a:avLst/>
               <a:pathLst>
-                <a:path w="2697110" h="595837">
+                <a:path w="2604107" h="595837">
                   <a:moveTo>
                     <a:pt x="0" y="595837"/>
                   </a:moveTo>
                   <a:lnTo>
-                    <a:pt x="48162" y="592602"/>
-                  </a:lnTo>
-                  <a:lnTo>
-                    <a:pt x="96325" y="589187"/>
-                  </a:lnTo>
-                  <a:lnTo>
-                    <a:pt x="144488" y="585586"/>
-                  </a:lnTo>
-                  <a:lnTo>
-                    <a:pt x="192650" y="581794"/>
-                  </a:lnTo>
-                  <a:lnTo>
-                    <a:pt x="240813" y="577807"/>
-                  </a:lnTo>
-                  <a:lnTo>
-                    <a:pt x="288976" y="573619"/>
-                  </a:lnTo>
-                  <a:lnTo>
-                    <a:pt x="337138" y="569226"/>
-                  </a:lnTo>
-                  <a:lnTo>
-                    <a:pt x="385301" y="564623"/>
-                  </a:lnTo>
-                  <a:lnTo>
-                    <a:pt x="433464" y="559804"/>
-                  </a:lnTo>
-                  <a:lnTo>
-                    <a:pt x="481626" y="554766"/>
-                  </a:lnTo>
-                  <a:lnTo>
-                    <a:pt x="529789" y="549502"/>
-                  </a:lnTo>
-                  <a:lnTo>
-                    <a:pt x="577952" y="544008"/>
-                  </a:lnTo>
-                  <a:lnTo>
-                    <a:pt x="626115" y="538280"/>
-                  </a:lnTo>
-                  <a:lnTo>
-                    <a:pt x="674277" y="532312"/>
-                  </a:lnTo>
-                  <a:lnTo>
-                    <a:pt x="722440" y="526099"/>
-                  </a:lnTo>
-                  <a:lnTo>
-                    <a:pt x="770603" y="519636"/>
-                  </a:lnTo>
-                  <a:lnTo>
-                    <a:pt x="818765" y="512919"/>
-                  </a:lnTo>
-                  <a:lnTo>
-                    <a:pt x="866928" y="505942"/>
-                  </a:lnTo>
-                  <a:lnTo>
-                    <a:pt x="915091" y="498701"/>
-                  </a:lnTo>
-                  <a:lnTo>
-                    <a:pt x="963253" y="491191"/>
-                  </a:lnTo>
-                  <a:lnTo>
-                    <a:pt x="1011416" y="483406"/>
-                  </a:lnTo>
-                  <a:lnTo>
-                    <a:pt x="1059579" y="475343"/>
-                  </a:lnTo>
-                  <a:lnTo>
-                    <a:pt x="1107741" y="466995"/>
-                  </a:lnTo>
-                  <a:lnTo>
-                    <a:pt x="1155904" y="458358"/>
-                  </a:lnTo>
-                  <a:lnTo>
-                    <a:pt x="1204067" y="449428"/>
-                  </a:lnTo>
-                  <a:lnTo>
-                    <a:pt x="1252230" y="440199"/>
-                  </a:lnTo>
-                  <a:lnTo>
-                    <a:pt x="1300392" y="430666"/>
-                  </a:lnTo>
-                  <a:lnTo>
-                    <a:pt x="1348555" y="420824"/>
-                  </a:lnTo>
-                  <a:lnTo>
-                    <a:pt x="1396718" y="410669"/>
-                  </a:lnTo>
-                  <a:lnTo>
-                    <a:pt x="1444880" y="400195"/>
-                  </a:lnTo>
-                  <a:lnTo>
-                    <a:pt x="1493043" y="389398"/>
-                  </a:lnTo>
-                  <a:lnTo>
-                    <a:pt x="1541206" y="378273"/>
-                  </a:lnTo>
-                  <a:lnTo>
-                    <a:pt x="1589368" y="366815"/>
-                  </a:lnTo>
-                  <a:lnTo>
-                    <a:pt x="1637531" y="355018"/>
-                  </a:lnTo>
-                  <a:lnTo>
-                    <a:pt x="1685694" y="342879"/>
-                  </a:lnTo>
-                  <a:lnTo>
-                    <a:pt x="1733856" y="330391"/>
-                  </a:lnTo>
-                  <a:lnTo>
-                    <a:pt x="1782019" y="317551"/>
-                  </a:lnTo>
-                  <a:lnTo>
-                    <a:pt x="1830182" y="304353"/>
-                  </a:lnTo>
-                  <a:lnTo>
-                    <a:pt x="1878345" y="290792"/>
-                  </a:lnTo>
-                  <a:lnTo>
-                    <a:pt x="1926507" y="276863"/>
-                  </a:lnTo>
-                  <a:lnTo>
-                    <a:pt x="1974670" y="262562"/>
-                  </a:lnTo>
-                  <a:lnTo>
-                    <a:pt x="2022833" y="247884"/>
-                  </a:lnTo>
-                  <a:lnTo>
-                    <a:pt x="2070995" y="232823"/>
-                  </a:lnTo>
-                  <a:lnTo>
-                    <a:pt x="2119158" y="217375"/>
-                  </a:lnTo>
-                  <a:lnTo>
-                    <a:pt x="2167321" y="201534"/>
-                  </a:lnTo>
-                  <a:lnTo>
-                    <a:pt x="2215483" y="185297"/>
-                  </a:lnTo>
-                  <a:lnTo>
-                    <a:pt x="2263646" y="168657"/>
-                  </a:lnTo>
-                  <a:lnTo>
-                    <a:pt x="2311809" y="151611"/>
-                  </a:lnTo>
-                  <a:lnTo>
-                    <a:pt x="2359972" y="134153"/>
-                  </a:lnTo>
-                  <a:lnTo>
-                    <a:pt x="2408134" y="116278"/>
-                  </a:lnTo>
-                  <a:lnTo>
-                    <a:pt x="2456297" y="97981"/>
-                  </a:lnTo>
-                  <a:lnTo>
-                    <a:pt x="2504460" y="79258"/>
-                  </a:lnTo>
-                  <a:lnTo>
-                    <a:pt x="2552622" y="60103"/>
-                  </a:lnTo>
-                  <a:lnTo>
-                    <a:pt x="2600785" y="40511"/>
-                  </a:lnTo>
-                  <a:lnTo>
-                    <a:pt x="2648948" y="20479"/>
-                  </a:lnTo>
-                  <a:lnTo>
-                    <a:pt x="2697110" y="0"/>
+                    <a:pt x="46501" y="592602"/>
+                  </a:lnTo>
+                  <a:lnTo>
+                    <a:pt x="93003" y="589187"/>
+                  </a:lnTo>
+                  <a:lnTo>
+                    <a:pt x="139505" y="585586"/>
+                  </a:lnTo>
+                  <a:lnTo>
+                    <a:pt x="186007" y="581794"/>
+                  </a:lnTo>
+                  <a:lnTo>
+                    <a:pt x="232509" y="577807"/>
+                  </a:lnTo>
+                  <a:lnTo>
+                    <a:pt x="279011" y="573619"/>
+                  </a:lnTo>
+                  <a:lnTo>
+                    <a:pt x="325513" y="569226"/>
+                  </a:lnTo>
+                  <a:lnTo>
+                    <a:pt x="372015" y="564623"/>
+                  </a:lnTo>
+                  <a:lnTo>
+                    <a:pt x="418517" y="559804"/>
+                  </a:lnTo>
+                  <a:lnTo>
+                    <a:pt x="465019" y="554766"/>
+                  </a:lnTo>
+                  <a:lnTo>
+                    <a:pt x="511521" y="549502"/>
+                  </a:lnTo>
+                  <a:lnTo>
+                    <a:pt x="558022" y="544008"/>
+                  </a:lnTo>
+                  <a:lnTo>
+                    <a:pt x="604524" y="538280"/>
+                  </a:lnTo>
+                  <a:lnTo>
+                    <a:pt x="651026" y="532312"/>
+                  </a:lnTo>
+                  <a:lnTo>
+                    <a:pt x="697528" y="526099"/>
+                  </a:lnTo>
+                  <a:lnTo>
+                    <a:pt x="744030" y="519636"/>
+                  </a:lnTo>
+                  <a:lnTo>
+                    <a:pt x="790532" y="512919"/>
+                  </a:lnTo>
+                  <a:lnTo>
+                    <a:pt x="837034" y="505942"/>
+                  </a:lnTo>
+                  <a:lnTo>
+                    <a:pt x="883536" y="498701"/>
+                  </a:lnTo>
+                  <a:lnTo>
+                    <a:pt x="930038" y="491191"/>
+                  </a:lnTo>
+                  <a:lnTo>
+                    <a:pt x="976540" y="483406"/>
+                  </a:lnTo>
+                  <a:lnTo>
+                    <a:pt x="1023042" y="475343"/>
+                  </a:lnTo>
+                  <a:lnTo>
+                    <a:pt x="1069543" y="466995"/>
+                  </a:lnTo>
+                  <a:lnTo>
+                    <a:pt x="1116045" y="458358"/>
+                  </a:lnTo>
+                  <a:lnTo>
+                    <a:pt x="1162547" y="449428"/>
+                  </a:lnTo>
+                  <a:lnTo>
+                    <a:pt x="1209049" y="440199"/>
+                  </a:lnTo>
+                  <a:lnTo>
+                    <a:pt x="1255551" y="430666"/>
+                  </a:lnTo>
+                  <a:lnTo>
+                    <a:pt x="1302053" y="420824"/>
+                  </a:lnTo>
+                  <a:lnTo>
+                    <a:pt x="1348555" y="410669"/>
+                  </a:lnTo>
+                  <a:lnTo>
+                    <a:pt x="1395057" y="400195"/>
+                  </a:lnTo>
+                  <a:lnTo>
+                    <a:pt x="1441559" y="389398"/>
+                  </a:lnTo>
+                  <a:lnTo>
+                    <a:pt x="1488061" y="378273"/>
+                  </a:lnTo>
+                  <a:lnTo>
+                    <a:pt x="1534563" y="366815"/>
+                  </a:lnTo>
+                  <a:lnTo>
+                    <a:pt x="1581064" y="355018"/>
+                  </a:lnTo>
+                  <a:lnTo>
+                    <a:pt x="1627566" y="342879"/>
+                  </a:lnTo>
+                  <a:lnTo>
+                    <a:pt x="1674068" y="330391"/>
+                  </a:lnTo>
+                  <a:lnTo>
+                    <a:pt x="1720570" y="317551"/>
+                  </a:lnTo>
+                  <a:lnTo>
+                    <a:pt x="1767072" y="304353"/>
+                  </a:lnTo>
+                  <a:lnTo>
+                    <a:pt x="1813574" y="290792"/>
+                  </a:lnTo>
+                  <a:lnTo>
+                    <a:pt x="1860076" y="276863"/>
+                  </a:lnTo>
+                  <a:lnTo>
+                    <a:pt x="1906578" y="262562"/>
+                  </a:lnTo>
+                  <a:lnTo>
+                    <a:pt x="1953080" y="247884"/>
+                  </a:lnTo>
+                  <a:lnTo>
+                    <a:pt x="1999582" y="232823"/>
+                  </a:lnTo>
+                  <a:lnTo>
+                    <a:pt x="2046084" y="217375"/>
+                  </a:lnTo>
+                  <a:lnTo>
+                    <a:pt x="2092586" y="201534"/>
+                  </a:lnTo>
+                  <a:lnTo>
+                    <a:pt x="2139087" y="185297"/>
+                  </a:lnTo>
+                  <a:lnTo>
+                    <a:pt x="2185589" y="168657"/>
+                  </a:lnTo>
+                  <a:lnTo>
+                    <a:pt x="2232091" y="151611"/>
+                  </a:lnTo>
+                  <a:lnTo>
+                    <a:pt x="2278593" y="134153"/>
+                  </a:lnTo>
+                  <a:lnTo>
+                    <a:pt x="2325095" y="116278"/>
+                  </a:lnTo>
+                  <a:lnTo>
+                    <a:pt x="2371597" y="97981"/>
+                  </a:lnTo>
+                  <a:lnTo>
+                    <a:pt x="2418099" y="79258"/>
+                  </a:lnTo>
+                  <a:lnTo>
+                    <a:pt x="2464601" y="60103"/>
+                  </a:lnTo>
+                  <a:lnTo>
+                    <a:pt x="2511103" y="40511"/>
+                  </a:lnTo>
+                  <a:lnTo>
+                    <a:pt x="2557605" y="20479"/>
+                  </a:lnTo>
+                  <a:lnTo>
+                    <a:pt x="2604107" y="0"/>
                   </a:lnTo>
                 </a:path>
               </a:pathLst>
@@ -8034,7 +8344,157 @@
         </p:sp>
         <p:sp>
           <p:nvSpPr>
-            <p:cNvPr id="66" name="pl66"/>
+            <p:cNvPr id="74" name="pl74"/>
+            <p:cNvSpPr/>
+            <p:nvPr/>
+          </p:nvSpPr>
+          <p:spPr>
+            <a:xfrm>
+              <a:off x="7795773" y="5280366"/>
+              <a:ext cx="0" cy="907367"/>
+            </a:xfrm>
+            <a:custGeom>
+              <a:avLst/>
+              <a:pathLst>
+                <a:path w="0" h="907367">
+                  <a:moveTo>
+                    <a:pt x="0" y="907367"/>
+                  </a:moveTo>
+                  <a:lnTo>
+                    <a:pt x="0" y="0"/>
+                  </a:lnTo>
+                </a:path>
+              </a:pathLst>
+            </a:custGeom>
+            <a:ln w="32521" cap="flat">
+              <a:solidFill>
+                <a:srgbClr val="5E81AC">
+                  <a:alpha val="50196"/>
+                </a:srgbClr>
+              </a:solidFill>
+              <a:prstDash val="solid"/>
+              <a:round/>
+            </a:ln>
+          </p:spPr>
+          <p:txBody>
+            <a:bodyPr/>
+            <a:lstStyle/>
+            <a:p/>
+          </p:txBody>
+        </p:sp>
+        <p:sp>
+          <p:nvSpPr>
+            <p:cNvPr id="75" name="pl75"/>
+            <p:cNvSpPr/>
+            <p:nvPr/>
+          </p:nvSpPr>
+          <p:spPr>
+            <a:xfrm>
+              <a:off x="7842275" y="5166993"/>
+              <a:ext cx="0" cy="1673913"/>
+            </a:xfrm>
+            <a:custGeom>
+              <a:avLst/>
+              <a:pathLst>
+                <a:path w="0" h="1673913">
+                  <a:moveTo>
+                    <a:pt x="0" y="1673913"/>
+                  </a:moveTo>
+                  <a:lnTo>
+                    <a:pt x="0" y="0"/>
+                  </a:lnTo>
+                </a:path>
+              </a:pathLst>
+            </a:custGeom>
+            <a:ln w="32521" cap="flat">
+              <a:solidFill>
+                <a:srgbClr val="F42404">
+                  <a:alpha val="50196"/>
+                </a:srgbClr>
+              </a:solidFill>
+              <a:prstDash val="solid"/>
+              <a:round/>
+            </a:ln>
+          </p:spPr>
+          <p:txBody>
+            <a:bodyPr/>
+            <a:lstStyle/>
+            <a:p/>
+          </p:txBody>
+        </p:sp>
+        <p:sp>
+          <p:nvSpPr>
+            <p:cNvPr id="76" name="pt76"/>
+            <p:cNvSpPr/>
+            <p:nvPr/>
+          </p:nvSpPr>
+          <p:spPr>
+            <a:xfrm>
+              <a:off x="7732571" y="5749391"/>
+              <a:ext cx="126405" cy="126405"/>
+            </a:xfrm>
+            <a:prstGeom prst="ellipse">
+              <a:avLst/>
+            </a:prstGeom>
+            <a:solidFill>
+              <a:srgbClr val="5E81AC">
+                <a:alpha val="50196"/>
+              </a:srgbClr>
+            </a:solidFill>
+            <a:ln w="18000" cap="rnd">
+              <a:solidFill>
+                <a:srgbClr val="5E81AC">
+                  <a:alpha val="50196"/>
+                </a:srgbClr>
+              </a:solidFill>
+              <a:prstDash val="solid"/>
+              <a:round/>
+            </a:ln>
+          </p:spPr>
+          <p:txBody>
+            <a:bodyPr/>
+            <a:lstStyle/>
+            <a:p/>
+          </p:txBody>
+        </p:sp>
+        <p:sp>
+          <p:nvSpPr>
+            <p:cNvPr id="77" name="pt77"/>
+            <p:cNvSpPr/>
+            <p:nvPr/>
+          </p:nvSpPr>
+          <p:spPr>
+            <a:xfrm>
+              <a:off x="7779072" y="6143114"/>
+              <a:ext cx="126405" cy="126405"/>
+            </a:xfrm>
+            <a:prstGeom prst="ellipse">
+              <a:avLst/>
+            </a:prstGeom>
+            <a:solidFill>
+              <a:srgbClr val="F42404">
+                <a:alpha val="50196"/>
+              </a:srgbClr>
+            </a:solidFill>
+            <a:ln w="18000" cap="rnd">
+              <a:solidFill>
+                <a:srgbClr val="F42404">
+                  <a:alpha val="50196"/>
+                </a:srgbClr>
+              </a:solidFill>
+              <a:prstDash val="solid"/>
+              <a:round/>
+            </a:ln>
+          </p:spPr>
+          <p:txBody>
+            <a:bodyPr/>
+            <a:lstStyle/>
+            <a:p/>
+          </p:txBody>
+        </p:sp>
+        <p:sp>
+          <p:nvSpPr>
+            <p:cNvPr id="78" name="pl78"/>
             <p:cNvSpPr/>
             <p:nvPr/>
           </p:nvSpPr>
@@ -8074,7 +8534,7 @@
         </p:sp>
         <p:sp>
           <p:nvSpPr>
-            <p:cNvPr id="67" name="pl67"/>
+            <p:cNvPr id="79" name="pl79"/>
             <p:cNvSpPr/>
             <p:nvPr/>
           </p:nvSpPr>
@@ -8117,7 +8577,7 @@
         </p:sp>
         <p:sp>
           <p:nvSpPr>
-            <p:cNvPr id="68" name="tx68"/>
+            <p:cNvPr id="80" name="tx80"/>
             <p:cNvSpPr/>
             <p:nvPr/>
           </p:nvSpPr>
@@ -8163,7 +8623,7 @@
         </p:sp>
         <p:sp>
           <p:nvSpPr>
-            <p:cNvPr id="69" name="tx69"/>
+            <p:cNvPr id="81" name="tx81"/>
             <p:cNvSpPr/>
             <p:nvPr/>
           </p:nvSpPr>
@@ -8209,7 +8669,7 @@
         </p:sp>
         <p:sp>
           <p:nvSpPr>
-            <p:cNvPr id="70" name="tx70"/>
+            <p:cNvPr id="82" name="tx82"/>
             <p:cNvSpPr/>
             <p:nvPr/>
           </p:nvSpPr>
@@ -8255,7 +8715,7 @@
         </p:sp>
         <p:sp>
           <p:nvSpPr>
-            <p:cNvPr id="71" name="rc71"/>
+            <p:cNvPr id="83" name="rc83"/>
             <p:cNvSpPr/>
             <p:nvPr/>
           </p:nvSpPr>
@@ -8281,7 +8741,7 @@
         </p:sp>
         <p:sp>
           <p:nvSpPr>
-            <p:cNvPr id="72" name="rc72"/>
+            <p:cNvPr id="84" name="rc84"/>
             <p:cNvSpPr/>
             <p:nvPr/>
           </p:nvSpPr>
@@ -8307,7 +8767,7 @@
         </p:sp>
         <p:sp>
           <p:nvSpPr>
-            <p:cNvPr id="73" name="pl73"/>
+            <p:cNvPr id="85" name="pl85"/>
             <p:cNvSpPr/>
             <p:nvPr/>
           </p:nvSpPr>
@@ -8347,7 +8807,82 @@
         </p:sp>
         <p:sp>
           <p:nvSpPr>
-            <p:cNvPr id="74" name="rc74"/>
+            <p:cNvPr id="86" name="pl86"/>
+            <p:cNvSpPr/>
+            <p:nvPr/>
+          </p:nvSpPr>
+          <p:spPr>
+            <a:xfrm>
+              <a:off x="3948050" y="7691052"/>
+              <a:ext cx="0" cy="175564"/>
+            </a:xfrm>
+            <a:custGeom>
+              <a:avLst/>
+              <a:pathLst>
+                <a:path w="0" h="175564">
+                  <a:moveTo>
+                    <a:pt x="0" y="175564"/>
+                  </a:moveTo>
+                  <a:lnTo>
+                    <a:pt x="0" y="0"/>
+                  </a:lnTo>
+                </a:path>
+              </a:pathLst>
+            </a:custGeom>
+            <a:ln w="32521" cap="flat">
+              <a:solidFill>
+                <a:srgbClr val="5E81AC">
+                  <a:alpha val="50196"/>
+                </a:srgbClr>
+              </a:solidFill>
+              <a:prstDash val="solid"/>
+              <a:round/>
+            </a:ln>
+          </p:spPr>
+          <p:txBody>
+            <a:bodyPr/>
+            <a:lstStyle/>
+            <a:p/>
+          </p:txBody>
+        </p:sp>
+        <p:sp>
+          <p:nvSpPr>
+            <p:cNvPr id="87" name="pt87"/>
+            <p:cNvSpPr/>
+            <p:nvPr/>
+          </p:nvSpPr>
+          <p:spPr>
+            <a:xfrm>
+              <a:off x="3884848" y="7715632"/>
+              <a:ext cx="126405" cy="126405"/>
+            </a:xfrm>
+            <a:prstGeom prst="ellipse">
+              <a:avLst/>
+            </a:prstGeom>
+            <a:solidFill>
+              <a:srgbClr val="5E81AC">
+                <a:alpha val="50196"/>
+              </a:srgbClr>
+            </a:solidFill>
+            <a:ln w="18000" cap="rnd">
+              <a:solidFill>
+                <a:srgbClr val="5E81AC">
+                  <a:alpha val="50196"/>
+                </a:srgbClr>
+              </a:solidFill>
+              <a:prstDash val="solid"/>
+              <a:round/>
+            </a:ln>
+          </p:spPr>
+          <p:txBody>
+            <a:bodyPr/>
+            <a:lstStyle/>
+            <a:p/>
+          </p:txBody>
+        </p:sp>
+        <p:sp>
+          <p:nvSpPr>
+            <p:cNvPr id="88" name="rc88"/>
             <p:cNvSpPr/>
             <p:nvPr/>
           </p:nvSpPr>
@@ -8373,7 +8908,7 @@
         </p:sp>
         <p:sp>
           <p:nvSpPr>
-            <p:cNvPr id="75" name="pl75"/>
+            <p:cNvPr id="89" name="pl89"/>
             <p:cNvSpPr/>
             <p:nvPr/>
           </p:nvSpPr>
@@ -8413,7 +8948,82 @@
         </p:sp>
         <p:sp>
           <p:nvSpPr>
-            <p:cNvPr id="76" name="tx76"/>
+            <p:cNvPr id="90" name="pl90"/>
+            <p:cNvSpPr/>
+            <p:nvPr/>
+          </p:nvSpPr>
+          <p:spPr>
+            <a:xfrm>
+              <a:off x="4803172" y="7691052"/>
+              <a:ext cx="0" cy="175564"/>
+            </a:xfrm>
+            <a:custGeom>
+              <a:avLst/>
+              <a:pathLst>
+                <a:path w="0" h="175564">
+                  <a:moveTo>
+                    <a:pt x="0" y="175564"/>
+                  </a:moveTo>
+                  <a:lnTo>
+                    <a:pt x="0" y="0"/>
+                  </a:lnTo>
+                </a:path>
+              </a:pathLst>
+            </a:custGeom>
+            <a:ln w="32521" cap="flat">
+              <a:solidFill>
+                <a:srgbClr val="F42404">
+                  <a:alpha val="50196"/>
+                </a:srgbClr>
+              </a:solidFill>
+              <a:prstDash val="solid"/>
+              <a:round/>
+            </a:ln>
+          </p:spPr>
+          <p:txBody>
+            <a:bodyPr/>
+            <a:lstStyle/>
+            <a:p/>
+          </p:txBody>
+        </p:sp>
+        <p:sp>
+          <p:nvSpPr>
+            <p:cNvPr id="91" name="pt91"/>
+            <p:cNvSpPr/>
+            <p:nvPr/>
+          </p:nvSpPr>
+          <p:spPr>
+            <a:xfrm>
+              <a:off x="4739969" y="7715632"/>
+              <a:ext cx="126405" cy="126405"/>
+            </a:xfrm>
+            <a:prstGeom prst="ellipse">
+              <a:avLst/>
+            </a:prstGeom>
+            <a:solidFill>
+              <a:srgbClr val="F42404">
+                <a:alpha val="50196"/>
+              </a:srgbClr>
+            </a:solidFill>
+            <a:ln w="18000" cap="rnd">
+              <a:solidFill>
+                <a:srgbClr val="F42404">
+                  <a:alpha val="50196"/>
+                </a:srgbClr>
+              </a:solidFill>
+              <a:prstDash val="solid"/>
+              <a:round/>
+            </a:ln>
+          </p:spPr>
+          <p:txBody>
+            <a:bodyPr/>
+            <a:lstStyle/>
+            <a:p/>
+          </p:txBody>
+        </p:sp>
+        <p:sp>
+          <p:nvSpPr>
+            <p:cNvPr id="92" name="tx92"/>
             <p:cNvSpPr/>
             <p:nvPr/>
           </p:nvSpPr>
@@ -8459,7 +9069,7 @@
         </p:sp>
         <p:sp>
           <p:nvSpPr>
-            <p:cNvPr id="77" name="tx77"/>
+            <p:cNvPr id="93" name="tx93"/>
             <p:cNvSpPr/>
             <p:nvPr/>
           </p:nvSpPr>
@@ -8505,7 +9115,7 @@
         </p:sp>
         <p:sp>
           <p:nvSpPr>
-            <p:cNvPr id="78" name="tx78"/>
+            <p:cNvPr id="94" name="tx94"/>
             <p:cNvSpPr/>
             <p:nvPr/>
           </p:nvSpPr>
